--- a/Geophone_Calibration/地聲儀求參數.pptx
+++ b/Geophone_Calibration/地聲儀求參數.pptx
@@ -6,22 +6,27 @@
   </p:sldMasterIdLst>
   <p:sldIdLst>
     <p:sldId id="256" r:id="rId2"/>
-    <p:sldId id="257" r:id="rId3"/>
-    <p:sldId id="267" r:id="rId4"/>
-    <p:sldId id="258" r:id="rId5"/>
-    <p:sldId id="264" r:id="rId6"/>
-    <p:sldId id="259" r:id="rId7"/>
-    <p:sldId id="260" r:id="rId8"/>
-    <p:sldId id="262" r:id="rId9"/>
-    <p:sldId id="261" r:id="rId10"/>
-    <p:sldId id="263" r:id="rId11"/>
-    <p:sldId id="265" r:id="rId12"/>
-    <p:sldId id="269" r:id="rId13"/>
-    <p:sldId id="266" r:id="rId14"/>
-    <p:sldId id="270" r:id="rId15"/>
-    <p:sldId id="271" r:id="rId16"/>
-    <p:sldId id="272" r:id="rId17"/>
-    <p:sldId id="273" r:id="rId18"/>
+    <p:sldId id="274" r:id="rId3"/>
+    <p:sldId id="277" r:id="rId4"/>
+    <p:sldId id="279" r:id="rId5"/>
+    <p:sldId id="257" r:id="rId6"/>
+    <p:sldId id="267" r:id="rId7"/>
+    <p:sldId id="258" r:id="rId8"/>
+    <p:sldId id="264" r:id="rId9"/>
+    <p:sldId id="259" r:id="rId10"/>
+    <p:sldId id="260" r:id="rId11"/>
+    <p:sldId id="262" r:id="rId12"/>
+    <p:sldId id="261" r:id="rId13"/>
+    <p:sldId id="263" r:id="rId14"/>
+    <p:sldId id="265" r:id="rId15"/>
+    <p:sldId id="269" r:id="rId16"/>
+    <p:sldId id="266" r:id="rId17"/>
+    <p:sldId id="275" r:id="rId18"/>
+    <p:sldId id="276" r:id="rId19"/>
+    <p:sldId id="270" r:id="rId20"/>
+    <p:sldId id="271" r:id="rId21"/>
+    <p:sldId id="272" r:id="rId22"/>
+    <p:sldId id="273" r:id="rId23"/>
   </p:sldIdLst>
   <p:sldSz cx="12192000" cy="6858000"/>
   <p:notesSz cx="6858000" cy="9144000"/>
@@ -172,6 +177,7 @@
           </a:p>
         </c:rich>
       </c:tx>
+      <c:layout/>
       <c:overlay val="0"/>
       <c:spPr>
         <a:noFill/>
@@ -5742,6 +5748,7 @@
               </a:p>
             </c:rich>
           </c:tx>
+          <c:layout/>
           <c:overlay val="0"/>
           <c:spPr>
             <a:noFill/>
@@ -5836,6 +5843,7 @@
               </a:p>
             </c:rich>
           </c:tx>
+          <c:layout/>
           <c:overlay val="0"/>
           <c:spPr>
             <a:noFill/>
@@ -5972,6 +5980,7 @@
           </a:p>
         </c:rich>
       </c:tx>
+      <c:layout/>
       <c:overlay val="0"/>
       <c:spPr>
         <a:noFill/>
@@ -11540,6 +11549,7 @@
               </a:p>
             </c:rich>
           </c:tx>
+          <c:layout/>
           <c:overlay val="0"/>
           <c:spPr>
             <a:noFill/>
@@ -11635,6 +11645,7 @@
               </a:p>
             </c:rich>
           </c:tx>
+          <c:layout/>
           <c:overlay val="0"/>
           <c:spPr>
             <a:noFill/>
@@ -11953,7 +11964,7 @@
           <a:p>
             <a:fld id="{5A5E0D99-4DE2-48A3-9A40-A36CB1B9F4D6}" type="datetimeFigureOut">
               <a:rPr lang="zh-TW" altLang="en-US" smtClean="0"/>
-              <a:t>2021/3/23</a:t>
+              <a:t>2021/3/26</a:t>
             </a:fld>
             <a:endParaRPr lang="zh-TW" altLang="en-US"/>
           </a:p>
@@ -12161,7 +12172,7 @@
           <a:p>
             <a:fld id="{5A5E0D99-4DE2-48A3-9A40-A36CB1B9F4D6}" type="datetimeFigureOut">
               <a:rPr lang="zh-TW" altLang="en-US" smtClean="0"/>
-              <a:t>2021/3/23</a:t>
+              <a:t>2021/3/26</a:t>
             </a:fld>
             <a:endParaRPr lang="zh-TW" altLang="en-US"/>
           </a:p>
@@ -12417,7 +12428,7 @@
           <a:p>
             <a:fld id="{5A5E0D99-4DE2-48A3-9A40-A36CB1B9F4D6}" type="datetimeFigureOut">
               <a:rPr lang="zh-TW" altLang="en-US" smtClean="0"/>
-              <a:t>2021/3/23</a:t>
+              <a:t>2021/3/26</a:t>
             </a:fld>
             <a:endParaRPr lang="zh-TW" altLang="en-US"/>
           </a:p>
@@ -12591,7 +12602,7 @@
           <a:p>
             <a:fld id="{5A5E0D99-4DE2-48A3-9A40-A36CB1B9F4D6}" type="datetimeFigureOut">
               <a:rPr lang="zh-TW" altLang="en-US" smtClean="0"/>
-              <a:t>2021/3/23</a:t>
+              <a:t>2021/3/26</a:t>
             </a:fld>
             <a:endParaRPr lang="zh-TW" altLang="en-US"/>
           </a:p>
@@ -12934,7 +12945,7 @@
           <a:p>
             <a:fld id="{5A5E0D99-4DE2-48A3-9A40-A36CB1B9F4D6}" type="datetimeFigureOut">
               <a:rPr lang="zh-TW" altLang="en-US" smtClean="0"/>
-              <a:t>2021/3/23</a:t>
+              <a:t>2021/3/26</a:t>
             </a:fld>
             <a:endParaRPr lang="zh-TW" altLang="en-US"/>
           </a:p>
@@ -13209,7 +13220,7 @@
           <a:p>
             <a:fld id="{5A5E0D99-4DE2-48A3-9A40-A36CB1B9F4D6}" type="datetimeFigureOut">
               <a:rPr lang="zh-TW" altLang="en-US" smtClean="0"/>
-              <a:t>2021/3/23</a:t>
+              <a:t>2021/3/26</a:t>
             </a:fld>
             <a:endParaRPr lang="zh-TW" altLang="en-US"/>
           </a:p>
@@ -13588,7 +13599,7 @@
           <a:p>
             <a:fld id="{5A5E0D99-4DE2-48A3-9A40-A36CB1B9F4D6}" type="datetimeFigureOut">
               <a:rPr lang="zh-TW" altLang="en-US" smtClean="0"/>
-              <a:t>2021/3/23</a:t>
+              <a:t>2021/3/26</a:t>
             </a:fld>
             <a:endParaRPr lang="zh-TW" altLang="en-US"/>
           </a:p>
@@ -13706,7 +13717,7 @@
           <a:p>
             <a:fld id="{5A5E0D99-4DE2-48A3-9A40-A36CB1B9F4D6}" type="datetimeFigureOut">
               <a:rPr lang="zh-TW" altLang="en-US" smtClean="0"/>
-              <a:t>2021/3/23</a:t>
+              <a:t>2021/3/26</a:t>
             </a:fld>
             <a:endParaRPr lang="zh-TW" altLang="en-US"/>
           </a:p>
@@ -13877,7 +13888,7 @@
           <a:p>
             <a:fld id="{5A5E0D99-4DE2-48A3-9A40-A36CB1B9F4D6}" type="datetimeFigureOut">
               <a:rPr lang="zh-TW" altLang="en-US" smtClean="0"/>
-              <a:t>2021/3/23</a:t>
+              <a:t>2021/3/26</a:t>
             </a:fld>
             <a:endParaRPr lang="zh-TW" altLang="en-US"/>
           </a:p>
@@ -14231,7 +14242,7 @@
           <a:p>
             <a:fld id="{5A5E0D99-4DE2-48A3-9A40-A36CB1B9F4D6}" type="datetimeFigureOut">
               <a:rPr lang="zh-TW" altLang="en-US" smtClean="0"/>
-              <a:t>2021/3/23</a:t>
+              <a:t>2021/3/26</a:t>
             </a:fld>
             <a:endParaRPr lang="zh-TW" altLang="en-US"/>
           </a:p>
@@ -14613,7 +14624,7 @@
           <a:p>
             <a:fld id="{5A5E0D99-4DE2-48A3-9A40-A36CB1B9F4D6}" type="datetimeFigureOut">
               <a:rPr lang="zh-TW" altLang="en-US" smtClean="0"/>
-              <a:t>2021/3/23</a:t>
+              <a:t>2021/3/26</a:t>
             </a:fld>
             <a:endParaRPr lang="zh-TW" altLang="en-US"/>
           </a:p>
@@ -14900,7 +14911,7 @@
           <a:p>
             <a:fld id="{5A5E0D99-4DE2-48A3-9A40-A36CB1B9F4D6}" type="datetimeFigureOut">
               <a:rPr lang="zh-TW" altLang="en-US" smtClean="0"/>
-              <a:t>2021/3/23</a:t>
+              <a:t>2021/3/26</a:t>
             </a:fld>
             <a:endParaRPr lang="zh-TW" altLang="en-US"/>
           </a:p>
@@ -15446,9 +15457,10 @@
           <a:lstStyle/>
           <a:p>
             <a:r>
-              <a:rPr lang="zh-TW" altLang="en-US" dirty="0"/>
-              <a:t>求地聲儀參數 </a:t>
+              <a:rPr lang="zh-TW" altLang="en-US" dirty="0" smtClean="0"/>
+              <a:t>前言 </a:t>
             </a:r>
+            <a:endParaRPr lang="zh-TW" altLang="en-US" dirty="0"/>
           </a:p>
         </p:txBody>
       </p:sp>
@@ -15462,10 +15474,822 @@
   <p:clrMapOvr>
     <a:masterClrMapping/>
   </p:clrMapOvr>
+  <p:timing>
+    <p:tnLst>
+      <p:par>
+        <p:cTn id="1" dur="indefinite" restart="never" nodeType="tmRoot"/>
+      </p:par>
+    </p:tnLst>
+  </p:timing>
 </p:sld>
 </file>
 
 <file path=ppt/slides/slide10.xml><?xml version="1.0" encoding="utf-8"?>
+<p:sld xmlns:a="http://schemas.openxmlformats.org/drawingml/2006/main" xmlns:r="http://schemas.openxmlformats.org/officeDocument/2006/relationships" xmlns:p="http://schemas.openxmlformats.org/presentationml/2006/main">
+  <p:cSld>
+    <p:spTree>
+      <p:nvGrpSpPr>
+        <p:cNvPr id="1" name=""/>
+        <p:cNvGrpSpPr/>
+        <p:nvPr/>
+      </p:nvGrpSpPr>
+      <p:grpSpPr>
+        <a:xfrm>
+          <a:off x="0" y="0"/>
+          <a:ext cx="0" cy="0"/>
+          <a:chOff x="0" y="0"/>
+          <a:chExt cx="0" cy="0"/>
+        </a:xfrm>
+      </p:grpSpPr>
+      <p:sp>
+        <p:nvSpPr>
+          <p:cNvPr id="2" name="標題 1">
+            <a:extLst>
+              <a:ext uri="{FF2B5EF4-FFF2-40B4-BE49-F238E27FC236}">
+                <a16:creationId xmlns:a16="http://schemas.microsoft.com/office/drawing/2014/main" id="{4E93AF22-34CE-4495-8DD0-7EAF30BB3997}"/>
+              </a:ext>
+            </a:extLst>
+          </p:cNvPr>
+          <p:cNvSpPr>
+            <a:spLocks noGrp="1"/>
+          </p:cNvSpPr>
+          <p:nvPr>
+            <p:ph type="title"/>
+          </p:nvPr>
+        </p:nvSpPr>
+        <p:spPr/>
+        <p:txBody>
+          <a:bodyPr/>
+          <a:lstStyle/>
+          <a:p>
+            <a:r>
+              <a:rPr lang="zh-TW" altLang="en-US" dirty="0"/>
+              <a:t>其他</a:t>
+            </a:r>
+          </a:p>
+        </p:txBody>
+      </p:sp>
+      <p:sp>
+        <p:nvSpPr>
+          <p:cNvPr id="3" name="內容版面配置區 2">
+            <a:extLst>
+              <a:ext uri="{FF2B5EF4-FFF2-40B4-BE49-F238E27FC236}">
+                <a16:creationId xmlns:a16="http://schemas.microsoft.com/office/drawing/2014/main" id="{A171B860-ED1A-436D-B1E4-F162E947185F}"/>
+              </a:ext>
+            </a:extLst>
+          </p:cNvPr>
+          <p:cNvSpPr>
+            <a:spLocks noGrp="1"/>
+          </p:cNvSpPr>
+          <p:nvPr>
+            <p:ph idx="1"/>
+          </p:nvPr>
+        </p:nvSpPr>
+        <p:spPr/>
+        <p:txBody>
+          <a:bodyPr/>
+          <a:lstStyle/>
+          <a:p>
+            <a:pPr marL="0" lvl="0" indent="0">
+              <a:buNone/>
+            </a:pPr>
+            <a:r>
+              <a:rPr lang="zh-TW" altLang="zh-TW" sz="2800" kern="100" dirty="0" smtClean="0">
+                <a:effectLst/>
+                <a:latin typeface="Calibri" panose="020F0502020204030204" pitchFamily="34" charset="0"/>
+                <a:ea typeface="新細明體" panose="02020500000000000000" pitchFamily="18" charset="-120"/>
+                <a:cs typeface="Times New Roman" panose="02020603050405020304" pitchFamily="18" charset="0"/>
+              </a:rPr>
+              <a:t>所</a:t>
+            </a:r>
+            <a:r>
+              <a:rPr lang="zh-TW" altLang="zh-TW" sz="2800" kern="100" dirty="0">
+                <a:effectLst/>
+                <a:latin typeface="Calibri" panose="020F0502020204030204" pitchFamily="34" charset="0"/>
+                <a:ea typeface="新細明體" panose="02020500000000000000" pitchFamily="18" charset="-120"/>
+                <a:cs typeface="Times New Roman" panose="02020603050405020304" pitchFamily="18" charset="0"/>
+              </a:rPr>
+              <a:t>用</a:t>
+            </a:r>
+            <a:r>
+              <a:rPr lang="en-US" altLang="zh-TW" sz="2800" kern="100" dirty="0">
+                <a:effectLst/>
+                <a:latin typeface="Calibri" panose="020F0502020204030204" pitchFamily="34" charset="0"/>
+                <a:ea typeface="新細明體" panose="02020500000000000000" pitchFamily="18" charset="-120"/>
+                <a:cs typeface="Times New Roman" panose="02020603050405020304" pitchFamily="18" charset="0"/>
+              </a:rPr>
+              <a:t>python</a:t>
+            </a:r>
+            <a:r>
+              <a:rPr lang="zh-TW" altLang="en-US" sz="2800" kern="100" dirty="0">
+                <a:effectLst/>
+                <a:latin typeface="Calibri" panose="020F0502020204030204" pitchFamily="34" charset="0"/>
+                <a:ea typeface="新細明體" panose="02020500000000000000" pitchFamily="18" charset="-120"/>
+                <a:cs typeface="Times New Roman" panose="02020603050405020304" pitchFamily="18" charset="0"/>
+              </a:rPr>
+              <a:t> </a:t>
+            </a:r>
+            <a:r>
+              <a:rPr lang="zh-TW" altLang="zh-TW" sz="2800" kern="100" dirty="0">
+                <a:effectLst/>
+                <a:latin typeface="Calibri" panose="020F0502020204030204" pitchFamily="34" charset="0"/>
+                <a:ea typeface="新細明體" panose="02020500000000000000" pitchFamily="18" charset="-120"/>
+                <a:cs typeface="Times New Roman" panose="02020603050405020304" pitchFamily="18" charset="0"/>
+              </a:rPr>
+              <a:t>模塊的正確性</a:t>
+            </a:r>
+          </a:p>
+          <a:p>
+            <a:pPr lvl="0">
+              <a:buFont typeface="Wingdings" panose="05000000000000000000" pitchFamily="2" charset="2"/>
+              <a:buChar char="u"/>
+            </a:pPr>
+            <a:r>
+              <a:rPr lang="zh-TW" altLang="en-US" sz="2800" kern="100" dirty="0">
+                <a:effectLst/>
+                <a:latin typeface="Calibri" panose="020F0502020204030204" pitchFamily="34" charset="0"/>
+                <a:ea typeface="新細明體" panose="02020500000000000000" pitchFamily="18" charset="-120"/>
+                <a:cs typeface="Times New Roman" panose="02020603050405020304" pitchFamily="18" charset="0"/>
+              </a:rPr>
+              <a:t> </a:t>
+            </a:r>
+            <a:r>
+              <a:rPr lang="en-US" altLang="zh-TW" sz="2800" kern="100" dirty="0">
+                <a:effectLst/>
+                <a:latin typeface="Calibri" panose="020F0502020204030204" pitchFamily="34" charset="0"/>
+                <a:ea typeface="新細明體" panose="02020500000000000000" pitchFamily="18" charset="-120"/>
+                <a:cs typeface="Times New Roman" panose="02020603050405020304" pitchFamily="18" charset="0"/>
+              </a:rPr>
+              <a:t>FFT (from </a:t>
+            </a:r>
+            <a:r>
+              <a:rPr lang="en-US" altLang="zh-TW" sz="2800" kern="100" dirty="0" err="1">
+                <a:effectLst/>
+                <a:latin typeface="Calibri" panose="020F0502020204030204" pitchFamily="34" charset="0"/>
+                <a:ea typeface="新細明體" panose="02020500000000000000" pitchFamily="18" charset="-120"/>
+                <a:cs typeface="Times New Roman" panose="02020603050405020304" pitchFamily="18" charset="0"/>
+              </a:rPr>
+              <a:t>scipy.fftpack</a:t>
+            </a:r>
+            <a:r>
+              <a:rPr lang="en-US" altLang="zh-TW" sz="2800" kern="100" dirty="0">
+                <a:effectLst/>
+                <a:latin typeface="Calibri" panose="020F0502020204030204" pitchFamily="34" charset="0"/>
+                <a:ea typeface="新細明體" panose="02020500000000000000" pitchFamily="18" charset="-120"/>
+                <a:cs typeface="Times New Roman" panose="02020603050405020304" pitchFamily="18" charset="0"/>
+              </a:rPr>
+              <a:t> import </a:t>
+            </a:r>
+            <a:r>
+              <a:rPr lang="en-US" altLang="zh-TW" sz="2800" kern="100" dirty="0" err="1">
+                <a:effectLst/>
+                <a:latin typeface="Calibri" panose="020F0502020204030204" pitchFamily="34" charset="0"/>
+                <a:ea typeface="新細明體" panose="02020500000000000000" pitchFamily="18" charset="-120"/>
+                <a:cs typeface="Times New Roman" panose="02020603050405020304" pitchFamily="18" charset="0"/>
+              </a:rPr>
+              <a:t>fft</a:t>
+            </a:r>
+            <a:r>
+              <a:rPr lang="en-US" altLang="zh-TW" sz="2800" kern="100" dirty="0">
+                <a:effectLst/>
+                <a:latin typeface="Calibri" panose="020F0502020204030204" pitchFamily="34" charset="0"/>
+                <a:ea typeface="新細明體" panose="02020500000000000000" pitchFamily="18" charset="-120"/>
+                <a:cs typeface="Times New Roman" panose="02020603050405020304" pitchFamily="18" charset="0"/>
+              </a:rPr>
+              <a:t>)</a:t>
+            </a:r>
+          </a:p>
+          <a:p>
+            <a:pPr marL="0" lvl="0" indent="0">
+              <a:buNone/>
+            </a:pPr>
+            <a:r>
+              <a:rPr lang="en-US" altLang="zh-TW" sz="2800" kern="100" dirty="0">
+                <a:latin typeface="Calibri" panose="020F0502020204030204" pitchFamily="34" charset="0"/>
+                <a:ea typeface="新細明體" panose="02020500000000000000" pitchFamily="18" charset="-120"/>
+                <a:cs typeface="Times New Roman" panose="02020603050405020304" pitchFamily="18" charset="0"/>
+              </a:rPr>
+              <a:t>	</a:t>
+            </a:r>
+            <a:r>
+              <a:rPr lang="zh-TW" altLang="en-US" sz="2800" kern="100" dirty="0">
+                <a:latin typeface="Calibri" panose="020F0502020204030204" pitchFamily="34" charset="0"/>
+                <a:ea typeface="新細明體" panose="02020500000000000000" pitchFamily="18" charset="-120"/>
+                <a:cs typeface="Times New Roman" panose="02020603050405020304" pitchFamily="18" charset="0"/>
+              </a:rPr>
+              <a:t>用幾個頻率固定</a:t>
+            </a:r>
+            <a:r>
+              <a:rPr lang="en-US" altLang="zh-TW" sz="2800" kern="100" dirty="0">
+                <a:latin typeface="Calibri" panose="020F0502020204030204" pitchFamily="34" charset="0"/>
+                <a:ea typeface="新細明體" panose="02020500000000000000" pitchFamily="18" charset="-120"/>
+                <a:cs typeface="Times New Roman" panose="02020603050405020304" pitchFamily="18" charset="0"/>
+              </a:rPr>
+              <a:t>sin</a:t>
+            </a:r>
+            <a:r>
+              <a:rPr lang="zh-TW" altLang="en-US" sz="2800" kern="100" dirty="0">
+                <a:latin typeface="Calibri" panose="020F0502020204030204" pitchFamily="34" charset="0"/>
+                <a:ea typeface="新細明體" panose="02020500000000000000" pitchFamily="18" charset="-120"/>
+                <a:cs typeface="Times New Roman" panose="02020603050405020304" pitchFamily="18" charset="0"/>
+              </a:rPr>
+              <a:t>波組合，在傅立葉轉換回去</a:t>
+            </a:r>
+            <a:endParaRPr lang="en-US" altLang="zh-TW" sz="2800" kern="100" dirty="0">
+              <a:effectLst/>
+              <a:latin typeface="Calibri" panose="020F0502020204030204" pitchFamily="34" charset="0"/>
+              <a:ea typeface="新細明體" panose="02020500000000000000" pitchFamily="18" charset="-120"/>
+              <a:cs typeface="Times New Roman" panose="02020603050405020304" pitchFamily="18" charset="0"/>
+            </a:endParaRPr>
+          </a:p>
+          <a:p>
+            <a:pPr>
+              <a:buFont typeface="Wingdings" panose="05000000000000000000" pitchFamily="2" charset="2"/>
+              <a:buChar char="u"/>
+            </a:pPr>
+            <a:r>
+              <a:rPr lang="zh-TW" altLang="en-US" sz="2800" kern="100" dirty="0">
+                <a:effectLst/>
+                <a:latin typeface="Calibri" panose="020F0502020204030204" pitchFamily="34" charset="0"/>
+                <a:ea typeface="新細明體" panose="02020500000000000000" pitchFamily="18" charset="-120"/>
+                <a:cs typeface="Times New Roman" panose="02020603050405020304" pitchFamily="18" charset="0"/>
+              </a:rPr>
+              <a:t> </a:t>
+            </a:r>
+            <a:r>
+              <a:rPr lang="zh-TW" altLang="zh-TW" sz="2800" kern="100" dirty="0">
+                <a:effectLst/>
+                <a:latin typeface="Calibri" panose="020F0502020204030204" pitchFamily="34" charset="0"/>
+                <a:ea typeface="新細明體" panose="02020500000000000000" pitchFamily="18" charset="-120"/>
+                <a:cs typeface="Times New Roman" panose="02020603050405020304" pitchFamily="18" charset="0"/>
+              </a:rPr>
+              <a:t>簡單迴歸</a:t>
+            </a:r>
+            <a:r>
+              <a:rPr lang="zh-TW" altLang="zh-TW" sz="2800" kern="100" dirty="0" smtClean="0">
+                <a:effectLst/>
+                <a:latin typeface="Calibri" panose="020F0502020204030204" pitchFamily="34" charset="0"/>
+                <a:ea typeface="新細明體" panose="02020500000000000000" pitchFamily="18" charset="-120"/>
+                <a:cs typeface="Times New Roman" panose="02020603050405020304" pitchFamily="18" charset="0"/>
+              </a:rPr>
+              <a:t>、</a:t>
+            </a:r>
+            <a:r>
+              <a:rPr lang="zh-TW" altLang="en-US" sz="2800" kern="100" dirty="0" smtClean="0">
+                <a:effectLst/>
+                <a:latin typeface="Calibri" panose="020F0502020204030204" pitchFamily="34" charset="0"/>
+                <a:ea typeface="新細明體" panose="02020500000000000000" pitchFamily="18" charset="-120"/>
+                <a:cs typeface="Times New Roman" panose="02020603050405020304" pitchFamily="18" charset="0"/>
+              </a:rPr>
+              <a:t>強制</a:t>
+            </a:r>
+            <a:r>
+              <a:rPr lang="zh-TW" altLang="zh-TW" sz="2800" kern="100" dirty="0" smtClean="0">
+                <a:effectLst/>
+                <a:latin typeface="Calibri" panose="020F0502020204030204" pitchFamily="34" charset="0"/>
+                <a:ea typeface="新細明體" panose="02020500000000000000" pitchFamily="18" charset="-120"/>
+                <a:cs typeface="Times New Roman" panose="02020603050405020304" pitchFamily="18" charset="0"/>
+              </a:rPr>
+              <a:t>過</a:t>
+            </a:r>
+            <a:r>
+              <a:rPr lang="zh-TW" altLang="zh-TW" sz="2800" kern="100" dirty="0">
+                <a:effectLst/>
+                <a:latin typeface="Calibri" panose="020F0502020204030204" pitchFamily="34" charset="0"/>
+                <a:ea typeface="新細明體" panose="02020500000000000000" pitchFamily="18" charset="-120"/>
+                <a:cs typeface="Times New Roman" panose="02020603050405020304" pitchFamily="18" charset="0"/>
+              </a:rPr>
+              <a:t>原點簡單迴</a:t>
+            </a:r>
+            <a:r>
+              <a:rPr lang="zh-TW" altLang="zh-TW" sz="2800" kern="100" dirty="0" smtClean="0">
+                <a:effectLst/>
+                <a:latin typeface="Calibri" panose="020F0502020204030204" pitchFamily="34" charset="0"/>
+                <a:ea typeface="新細明體" panose="02020500000000000000" pitchFamily="18" charset="-120"/>
+                <a:cs typeface="Times New Roman" panose="02020603050405020304" pitchFamily="18" charset="0"/>
+              </a:rPr>
+              <a:t>歸</a:t>
+            </a:r>
+            <a:r>
+              <a:rPr lang="en-US" altLang="zh-TW" sz="2800" kern="100" dirty="0" smtClean="0">
+                <a:latin typeface="Calibri" panose="020F0502020204030204" pitchFamily="34" charset="0"/>
+                <a:ea typeface="新細明體" panose="02020500000000000000" pitchFamily="18" charset="-120"/>
+                <a:cs typeface="Times New Roman" panose="02020603050405020304" pitchFamily="18" charset="0"/>
+              </a:rPr>
+              <a:t>:</a:t>
+            </a:r>
+            <a:r>
+              <a:rPr lang="zh-TW" altLang="en-US" sz="2800" kern="100" dirty="0" smtClean="0">
+                <a:latin typeface="Calibri" panose="020F0502020204030204" pitchFamily="34" charset="0"/>
+                <a:ea typeface="新細明體" panose="02020500000000000000" pitchFamily="18" charset="-120"/>
+                <a:cs typeface="Times New Roman" panose="02020603050405020304" pitchFamily="18" charset="0"/>
+              </a:rPr>
+              <a:t> </a:t>
+            </a:r>
+            <a:r>
+              <a:rPr lang="zh-TW" altLang="en-US" sz="2800" kern="100" dirty="0" smtClean="0">
+                <a:latin typeface="Calibri" panose="020F0502020204030204" pitchFamily="34" charset="0"/>
+                <a:ea typeface="新細明體" panose="02020500000000000000" pitchFamily="18" charset="-120"/>
+                <a:cs typeface="Times New Roman" panose="02020603050405020304" pitchFamily="18" charset="0"/>
+              </a:rPr>
+              <a:t>用</a:t>
+            </a:r>
+            <a:r>
+              <a:rPr lang="en-US" altLang="zh-TW" sz="2800" kern="100" dirty="0">
+                <a:latin typeface="Calibri" panose="020F0502020204030204" pitchFamily="34" charset="0"/>
+                <a:ea typeface="新細明體" panose="02020500000000000000" pitchFamily="18" charset="-120"/>
+                <a:cs typeface="Times New Roman" panose="02020603050405020304" pitchFamily="18" charset="0"/>
+              </a:rPr>
+              <a:t>Excel</a:t>
+            </a:r>
+            <a:r>
+              <a:rPr lang="zh-TW" altLang="en-US" sz="2800" kern="100" dirty="0">
+                <a:latin typeface="Calibri" panose="020F0502020204030204" pitchFamily="34" charset="0"/>
+                <a:ea typeface="新細明體" panose="02020500000000000000" pitchFamily="18" charset="-120"/>
+                <a:cs typeface="Times New Roman" panose="02020603050405020304" pitchFamily="18" charset="0"/>
+              </a:rPr>
+              <a:t>的迴</a:t>
+            </a:r>
+            <a:r>
+              <a:rPr lang="zh-TW" altLang="en-US" sz="2800" kern="100" dirty="0" smtClean="0">
+                <a:latin typeface="Calibri" panose="020F0502020204030204" pitchFamily="34" charset="0"/>
+                <a:ea typeface="新細明體" panose="02020500000000000000" pitchFamily="18" charset="-120"/>
+                <a:cs typeface="Times New Roman" panose="02020603050405020304" pitchFamily="18" charset="0"/>
+              </a:rPr>
+              <a:t>歸</a:t>
+            </a:r>
+            <a:endParaRPr lang="zh-TW" altLang="zh-TW" sz="2800" kern="100" dirty="0">
+              <a:effectLst/>
+              <a:latin typeface="Calibri" panose="020F0502020204030204" pitchFamily="34" charset="0"/>
+              <a:ea typeface="新細明體" panose="02020500000000000000" pitchFamily="18" charset="-120"/>
+              <a:cs typeface="Times New Roman" panose="02020603050405020304" pitchFamily="18" charset="0"/>
+            </a:endParaRPr>
+          </a:p>
+          <a:p>
+            <a:pPr lvl="0">
+              <a:buFont typeface="Wingdings" panose="05000000000000000000" pitchFamily="2" charset="2"/>
+              <a:buChar char="u"/>
+            </a:pPr>
+            <a:endParaRPr lang="zh-TW" altLang="zh-TW" sz="1800" kern="100" dirty="0">
+              <a:effectLst/>
+              <a:latin typeface="Calibri" panose="020F0502020204030204" pitchFamily="34" charset="0"/>
+              <a:ea typeface="新細明體" panose="02020500000000000000" pitchFamily="18" charset="-120"/>
+              <a:cs typeface="Times New Roman" panose="02020603050405020304" pitchFamily="18" charset="0"/>
+            </a:endParaRPr>
+          </a:p>
+          <a:p>
+            <a:endParaRPr lang="zh-TW" altLang="en-US" dirty="0"/>
+          </a:p>
+        </p:txBody>
+      </p:sp>
+    </p:spTree>
+    <p:extLst>
+      <p:ext uri="{BB962C8B-B14F-4D97-AF65-F5344CB8AC3E}">
+        <p14:creationId xmlns:p14="http://schemas.microsoft.com/office/powerpoint/2010/main" val="2882627438"/>
+      </p:ext>
+    </p:extLst>
+  </p:cSld>
+  <p:clrMapOvr>
+    <a:masterClrMapping/>
+  </p:clrMapOvr>
+  <p:timing>
+    <p:tnLst>
+      <p:par>
+        <p:cTn id="1" dur="indefinite" restart="never" nodeType="tmRoot"/>
+      </p:par>
+    </p:tnLst>
+  </p:timing>
+</p:sld>
+</file>
+
+<file path=ppt/slides/slide11.xml><?xml version="1.0" encoding="utf-8"?>
+<p:sld xmlns:a="http://schemas.openxmlformats.org/drawingml/2006/main" xmlns:r="http://schemas.openxmlformats.org/officeDocument/2006/relationships" xmlns:p="http://schemas.openxmlformats.org/presentationml/2006/main">
+  <p:cSld>
+    <p:spTree>
+      <p:nvGrpSpPr>
+        <p:cNvPr id="1" name=""/>
+        <p:cNvGrpSpPr/>
+        <p:nvPr/>
+      </p:nvGrpSpPr>
+      <p:grpSpPr>
+        <a:xfrm>
+          <a:off x="0" y="0"/>
+          <a:ext cx="0" cy="0"/>
+          <a:chOff x="0" y="0"/>
+          <a:chExt cx="0" cy="0"/>
+        </a:xfrm>
+      </p:grpSpPr>
+      <p:sp>
+        <p:nvSpPr>
+          <p:cNvPr id="2" name="標題 1">
+            <a:extLst>
+              <a:ext uri="{FF2B5EF4-FFF2-40B4-BE49-F238E27FC236}">
+                <a16:creationId xmlns:a16="http://schemas.microsoft.com/office/drawing/2014/main" id="{2329678A-FDEC-4A77-9803-228E054CFE3C}"/>
+              </a:ext>
+            </a:extLst>
+          </p:cNvPr>
+          <p:cNvSpPr>
+            <a:spLocks noGrp="1"/>
+          </p:cNvSpPr>
+          <p:nvPr>
+            <p:ph type="ctrTitle"/>
+          </p:nvPr>
+        </p:nvSpPr>
+        <p:spPr/>
+        <p:txBody>
+          <a:bodyPr/>
+          <a:lstStyle/>
+          <a:p>
+            <a:r>
+              <a:rPr lang="en-US" altLang="zh-TW" dirty="0"/>
+              <a:t>Example1</a:t>
+            </a:r>
+            <a:r>
+              <a:rPr lang="zh-TW" altLang="en-US" dirty="0"/>
+              <a:t> </a:t>
+            </a:r>
+          </a:p>
+        </p:txBody>
+      </p:sp>
+      <p:sp>
+        <p:nvSpPr>
+          <p:cNvPr id="3" name="副標題 2">
+            <a:extLst>
+              <a:ext uri="{FF2B5EF4-FFF2-40B4-BE49-F238E27FC236}">
+                <a16:creationId xmlns:a16="http://schemas.microsoft.com/office/drawing/2014/main" id="{62DD2162-F0A7-458A-A78C-D87B005AB6D8}"/>
+              </a:ext>
+            </a:extLst>
+          </p:cNvPr>
+          <p:cNvSpPr>
+            <a:spLocks noGrp="1"/>
+          </p:cNvSpPr>
+          <p:nvPr>
+            <p:ph type="subTitle" idx="1"/>
+          </p:nvPr>
+        </p:nvSpPr>
+        <p:spPr>
+          <a:xfrm>
+            <a:off x="1100051" y="4455620"/>
+            <a:ext cx="10058400" cy="1143000"/>
+          </a:xfrm>
+        </p:spPr>
+        <p:txBody>
+          <a:bodyPr/>
+          <a:lstStyle/>
+          <a:p>
+            <a:r>
+              <a:rPr lang="zh-TW" altLang="en-US" dirty="0"/>
+              <a:t>創造兩組電壓資料</a:t>
+            </a:r>
+          </a:p>
+        </p:txBody>
+      </p:sp>
+    </p:spTree>
+    <p:extLst>
+      <p:ext uri="{BB962C8B-B14F-4D97-AF65-F5344CB8AC3E}">
+        <p14:creationId xmlns:p14="http://schemas.microsoft.com/office/powerpoint/2010/main" val="1683922993"/>
+      </p:ext>
+    </p:extLst>
+  </p:cSld>
+  <p:clrMapOvr>
+    <a:masterClrMapping/>
+  </p:clrMapOvr>
+  <p:timing>
+    <p:tnLst>
+      <p:par>
+        <p:cTn id="1" dur="indefinite" restart="never" nodeType="tmRoot"/>
+      </p:par>
+    </p:tnLst>
+  </p:timing>
+</p:sld>
+</file>
+
+<file path=ppt/slides/slide12.xml><?xml version="1.0" encoding="utf-8"?>
+<p:sld xmlns:a="http://schemas.openxmlformats.org/drawingml/2006/main" xmlns:r="http://schemas.openxmlformats.org/officeDocument/2006/relationships" xmlns:p="http://schemas.openxmlformats.org/presentationml/2006/main">
+  <p:cSld>
+    <p:spTree>
+      <p:nvGrpSpPr>
+        <p:cNvPr id="1" name=""/>
+        <p:cNvGrpSpPr/>
+        <p:nvPr/>
+      </p:nvGrpSpPr>
+      <p:grpSpPr>
+        <a:xfrm>
+          <a:off x="0" y="0"/>
+          <a:ext cx="0" cy="0"/>
+          <a:chOff x="0" y="0"/>
+          <a:chExt cx="0" cy="0"/>
+        </a:xfrm>
+      </p:grpSpPr>
+      <p:sp>
+        <p:nvSpPr>
+          <p:cNvPr id="2" name="標題 1">
+            <a:extLst>
+              <a:ext uri="{FF2B5EF4-FFF2-40B4-BE49-F238E27FC236}">
+                <a16:creationId xmlns:a16="http://schemas.microsoft.com/office/drawing/2014/main" id="{7A0D09ED-1F82-46EC-8B78-0BB1470CB983}"/>
+              </a:ext>
+            </a:extLst>
+          </p:cNvPr>
+          <p:cNvSpPr>
+            <a:spLocks noGrp="1"/>
+          </p:cNvSpPr>
+          <p:nvPr>
+            <p:ph type="title"/>
+          </p:nvPr>
+        </p:nvSpPr>
+        <p:spPr/>
+        <p:txBody>
+          <a:bodyPr/>
+          <a:lstStyle/>
+          <a:p>
+            <a:r>
+              <a:rPr lang="zh-TW" altLang="en-US" dirty="0"/>
+              <a:t>原始電壓時域圖</a:t>
+            </a:r>
+          </a:p>
+        </p:txBody>
+      </p:sp>
+      <p:sp>
+        <p:nvSpPr>
+          <p:cNvPr id="8" name="內容版面配置區 2">
+            <a:extLst>
+              <a:ext uri="{FF2B5EF4-FFF2-40B4-BE49-F238E27FC236}">
+                <a16:creationId xmlns:a16="http://schemas.microsoft.com/office/drawing/2014/main" id="{7CB7C61B-1326-40E2-AE43-F4DE1E692056}"/>
+              </a:ext>
+            </a:extLst>
+          </p:cNvPr>
+          <p:cNvSpPr>
+            <a:spLocks noGrp="1"/>
+          </p:cNvSpPr>
+          <p:nvPr>
+            <p:ph idx="1"/>
+          </p:nvPr>
+        </p:nvSpPr>
+        <p:spPr>
+          <a:xfrm>
+            <a:off x="4025900" y="2051994"/>
+            <a:ext cx="6291580" cy="4023360"/>
+          </a:xfrm>
+        </p:spPr>
+        <p:txBody>
+          <a:bodyPr/>
+          <a:lstStyle/>
+          <a:p>
+            <a:pPr>
+              <a:buFont typeface="Wingdings" panose="05000000000000000000" pitchFamily="2" charset="2"/>
+              <a:buChar char="u"/>
+            </a:pPr>
+            <a:r>
+              <a:rPr lang="en-US" altLang="zh-TW" sz="2800" kern="100" dirty="0">
+                <a:effectLst/>
+                <a:latin typeface="Calibri" panose="020F0502020204030204" pitchFamily="34" charset="0"/>
+                <a:ea typeface="新細明體" panose="02020500000000000000" pitchFamily="18" charset="-120"/>
+                <a:cs typeface="Times New Roman" panose="02020603050405020304" pitchFamily="18" charset="0"/>
+              </a:rPr>
+              <a:t> </a:t>
+            </a:r>
+            <a:r>
+              <a:rPr lang="zh-TW" altLang="en-US" sz="2800" kern="100" dirty="0">
+                <a:effectLst/>
+                <a:latin typeface="Calibri" panose="020F0502020204030204" pitchFamily="34" charset="0"/>
+                <a:ea typeface="新細明體" panose="02020500000000000000" pitchFamily="18" charset="-120"/>
+                <a:cs typeface="Times New Roman" panose="02020603050405020304" pitchFamily="18" charset="0"/>
+              </a:rPr>
+              <a:t>總取樣數</a:t>
+            </a:r>
+            <a:r>
+              <a:rPr lang="en-US" altLang="zh-TW" sz="2800" kern="100" dirty="0">
+                <a:latin typeface="Calibri" panose="020F0502020204030204" pitchFamily="34" charset="0"/>
+                <a:ea typeface="新細明體" panose="02020500000000000000" pitchFamily="18" charset="-120"/>
+                <a:cs typeface="Times New Roman" panose="02020603050405020304" pitchFamily="18" charset="0"/>
+              </a:rPr>
+              <a:t>:25000</a:t>
+            </a:r>
+            <a:r>
+              <a:rPr lang="zh-TW" altLang="en-US" sz="2800" kern="100" dirty="0">
+                <a:latin typeface="Calibri" panose="020F0502020204030204" pitchFamily="34" charset="0"/>
+                <a:ea typeface="新細明體" panose="02020500000000000000" pitchFamily="18" charset="-120"/>
+                <a:cs typeface="Times New Roman" panose="02020603050405020304" pitchFamily="18" charset="0"/>
+              </a:rPr>
+              <a:t>個</a:t>
+            </a:r>
+            <a:r>
+              <a:rPr lang="zh-TW" altLang="zh-TW" sz="2800" kern="100" dirty="0">
+                <a:effectLst/>
+                <a:latin typeface="Calibri" panose="020F0502020204030204" pitchFamily="34" charset="0"/>
+                <a:ea typeface="新細明體" panose="02020500000000000000" pitchFamily="18" charset="-120"/>
+                <a:cs typeface="Times New Roman" panose="02020603050405020304" pitchFamily="18" charset="0"/>
+              </a:rPr>
+              <a:t>、</a:t>
+            </a:r>
+            <a:r>
+              <a:rPr lang="zh-TW" altLang="en-US" sz="2800" kern="100" dirty="0">
+                <a:effectLst/>
+                <a:latin typeface="Calibri" panose="020F0502020204030204" pitchFamily="34" charset="0"/>
+                <a:ea typeface="新細明體" panose="02020500000000000000" pitchFamily="18" charset="-120"/>
+                <a:cs typeface="Times New Roman" panose="02020603050405020304" pitchFamily="18" charset="0"/>
+              </a:rPr>
+              <a:t>總時間</a:t>
+            </a:r>
+            <a:r>
+              <a:rPr lang="en-US" altLang="zh-TW" sz="2800" kern="100" dirty="0">
+                <a:effectLst/>
+                <a:latin typeface="Calibri" panose="020F0502020204030204" pitchFamily="34" charset="0"/>
+                <a:ea typeface="新細明體" panose="02020500000000000000" pitchFamily="18" charset="-120"/>
+                <a:cs typeface="Times New Roman" panose="02020603050405020304" pitchFamily="18" charset="0"/>
+              </a:rPr>
+              <a:t>:5</a:t>
+            </a:r>
+            <a:r>
+              <a:rPr lang="zh-TW" altLang="en-US" sz="2800" kern="100" dirty="0">
+                <a:effectLst/>
+                <a:latin typeface="Calibri" panose="020F0502020204030204" pitchFamily="34" charset="0"/>
+                <a:ea typeface="新細明體" panose="02020500000000000000" pitchFamily="18" charset="-120"/>
+                <a:cs typeface="Times New Roman" panose="02020603050405020304" pitchFamily="18" charset="0"/>
+              </a:rPr>
+              <a:t>秒</a:t>
+            </a:r>
+            <a:endParaRPr lang="en-US" altLang="zh-TW" sz="2800" kern="100" dirty="0">
+              <a:latin typeface="Calibri" panose="020F0502020204030204" pitchFamily="34" charset="0"/>
+              <a:ea typeface="新細明體" panose="02020500000000000000" pitchFamily="18" charset="-120"/>
+              <a:cs typeface="Times New Roman" panose="02020603050405020304" pitchFamily="18" charset="0"/>
+            </a:endParaRPr>
+          </a:p>
+          <a:p>
+            <a:pPr>
+              <a:buFont typeface="Wingdings" panose="05000000000000000000" pitchFamily="2" charset="2"/>
+              <a:buChar char="u"/>
+            </a:pPr>
+            <a:r>
+              <a:rPr lang="zh-TW" altLang="en-US" sz="2800" kern="100" dirty="0">
+                <a:effectLst/>
+                <a:latin typeface="Calibri" panose="020F0502020204030204" pitchFamily="34" charset="0"/>
+                <a:ea typeface="新細明體" panose="02020500000000000000" pitchFamily="18" charset="-120"/>
+                <a:cs typeface="Times New Roman" panose="02020603050405020304" pitchFamily="18" charset="0"/>
+              </a:rPr>
+              <a:t> </a:t>
+            </a:r>
+            <a:r>
+              <a:rPr lang="zh-TW" altLang="zh-TW" sz="2800" kern="100" dirty="0">
+                <a:effectLst/>
+                <a:latin typeface="Calibri" panose="020F0502020204030204" pitchFamily="34" charset="0"/>
+                <a:ea typeface="新細明體" panose="02020500000000000000" pitchFamily="18" charset="-120"/>
+                <a:cs typeface="Times New Roman" panose="02020603050405020304" pitchFamily="18" charset="0"/>
+              </a:rPr>
+              <a:t>參數正確地聲儀的儀器編號</a:t>
+            </a:r>
+            <a:r>
+              <a:rPr lang="en-US" altLang="zh-TW" sz="2800" kern="100" dirty="0">
+                <a:effectLst/>
+                <a:latin typeface="Calibri" panose="020F0502020204030204" pitchFamily="34" charset="0"/>
+                <a:ea typeface="新細明體" panose="02020500000000000000" pitchFamily="18" charset="-120"/>
+                <a:cs typeface="Times New Roman" panose="02020603050405020304" pitchFamily="18" charset="0"/>
+              </a:rPr>
+              <a:t>:GS-20DX</a:t>
+            </a:r>
+            <a:endParaRPr lang="zh-TW" altLang="zh-TW" sz="2800" kern="100" dirty="0">
+              <a:effectLst/>
+              <a:latin typeface="Calibri" panose="020F0502020204030204" pitchFamily="34" charset="0"/>
+              <a:ea typeface="新細明體" panose="02020500000000000000" pitchFamily="18" charset="-120"/>
+              <a:cs typeface="Times New Roman" panose="02020603050405020304" pitchFamily="18" charset="0"/>
+            </a:endParaRPr>
+          </a:p>
+          <a:p>
+            <a:pPr>
+              <a:buFont typeface="Wingdings" panose="05000000000000000000" pitchFamily="2" charset="2"/>
+              <a:buChar char="u"/>
+            </a:pPr>
+            <a:r>
+              <a:rPr lang="zh-TW" altLang="en-US" sz="2800" kern="100" dirty="0">
+                <a:effectLst/>
+                <a:latin typeface="Calibri" panose="020F0502020204030204" pitchFamily="34" charset="0"/>
+                <a:ea typeface="新細明體" panose="02020500000000000000" pitchFamily="18" charset="-120"/>
+                <a:cs typeface="Times New Roman" panose="02020603050405020304" pitchFamily="18" charset="0"/>
+              </a:rPr>
+              <a:t> </a:t>
+            </a:r>
+            <a:r>
+              <a:rPr lang="zh-TW" altLang="zh-TW" sz="2800" kern="100" dirty="0">
+                <a:effectLst/>
+                <a:latin typeface="Calibri" panose="020F0502020204030204" pitchFamily="34" charset="0"/>
+                <a:ea typeface="新細明體" panose="02020500000000000000" pitchFamily="18" charset="-120"/>
+                <a:cs typeface="Times New Roman" panose="02020603050405020304" pitchFamily="18" charset="0"/>
+              </a:rPr>
+              <a:t>選用的頻率區間</a:t>
+            </a:r>
+            <a:r>
+              <a:rPr lang="en-US" altLang="zh-TW" sz="2800" kern="100" dirty="0">
+                <a:effectLst/>
+                <a:latin typeface="Calibri" panose="020F0502020204030204" pitchFamily="34" charset="0"/>
+                <a:ea typeface="新細明體" panose="02020500000000000000" pitchFamily="18" charset="-120"/>
+                <a:cs typeface="Times New Roman" panose="02020603050405020304" pitchFamily="18" charset="0"/>
+              </a:rPr>
+              <a:t>:20~200Hz</a:t>
+            </a:r>
+            <a:endParaRPr lang="zh-TW" altLang="zh-TW" sz="2800" kern="100" dirty="0">
+              <a:effectLst/>
+              <a:latin typeface="Calibri" panose="020F0502020204030204" pitchFamily="34" charset="0"/>
+              <a:ea typeface="新細明體" panose="02020500000000000000" pitchFamily="18" charset="-120"/>
+              <a:cs typeface="Times New Roman" panose="02020603050405020304" pitchFamily="18" charset="0"/>
+            </a:endParaRPr>
+          </a:p>
+          <a:p>
+            <a:pPr marL="0" indent="0">
+              <a:buNone/>
+            </a:pPr>
+            <a:endParaRPr lang="zh-TW" altLang="zh-TW" sz="1800" kern="100" dirty="0">
+              <a:effectLst/>
+              <a:latin typeface="Calibri" panose="020F0502020204030204" pitchFamily="34" charset="0"/>
+              <a:ea typeface="新細明體" panose="02020500000000000000" pitchFamily="18" charset="-120"/>
+              <a:cs typeface="Times New Roman" panose="02020603050405020304" pitchFamily="18" charset="0"/>
+            </a:endParaRPr>
+          </a:p>
+          <a:p>
+            <a:endParaRPr lang="en-US" altLang="zh-TW" dirty="0"/>
+          </a:p>
+        </p:txBody>
+      </p:sp>
+      <p:pic>
+        <p:nvPicPr>
+          <p:cNvPr id="4" name="圖片 3">
+            <a:extLst>
+              <a:ext uri="{FF2B5EF4-FFF2-40B4-BE49-F238E27FC236}">
+                <a16:creationId xmlns:a16="http://schemas.microsoft.com/office/drawing/2014/main" id="{6123F5D0-1481-47D1-A049-45CF29F2FD5C}"/>
+              </a:ext>
+            </a:extLst>
+          </p:cNvPr>
+          <p:cNvPicPr>
+            <a:picLocks noChangeAspect="1"/>
+          </p:cNvPicPr>
+          <p:nvPr/>
+        </p:nvPicPr>
+        <p:blipFill>
+          <a:blip r:embed="rId2"/>
+          <a:stretch>
+            <a:fillRect/>
+          </a:stretch>
+        </p:blipFill>
+        <p:spPr>
+          <a:xfrm>
+            <a:off x="380669" y="1812708"/>
+            <a:ext cx="1308431" cy="4758689"/>
+          </a:xfrm>
+          <a:prstGeom prst="rect">
+            <a:avLst/>
+          </a:prstGeom>
+        </p:spPr>
+      </p:pic>
+      <p:pic>
+        <p:nvPicPr>
+          <p:cNvPr id="6" name="圖片 5">
+            <a:extLst>
+              <a:ext uri="{FF2B5EF4-FFF2-40B4-BE49-F238E27FC236}">
+                <a16:creationId xmlns:a16="http://schemas.microsoft.com/office/drawing/2014/main" id="{51037A19-9F39-4D71-AA87-CE1D0869B1EE}"/>
+              </a:ext>
+            </a:extLst>
+          </p:cNvPr>
+          <p:cNvPicPr>
+            <a:picLocks noChangeAspect="1"/>
+          </p:cNvPicPr>
+          <p:nvPr/>
+        </p:nvPicPr>
+        <p:blipFill>
+          <a:blip r:embed="rId3"/>
+          <a:stretch>
+            <a:fillRect/>
+          </a:stretch>
+        </p:blipFill>
+        <p:spPr>
+          <a:xfrm>
+            <a:off x="1874520" y="1811980"/>
+            <a:ext cx="1021080" cy="4759417"/>
+          </a:xfrm>
+          <a:prstGeom prst="rect">
+            <a:avLst/>
+          </a:prstGeom>
+        </p:spPr>
+      </p:pic>
+    </p:spTree>
+    <p:extLst>
+      <p:ext uri="{BB962C8B-B14F-4D97-AF65-F5344CB8AC3E}">
+        <p14:creationId xmlns:p14="http://schemas.microsoft.com/office/powerpoint/2010/main" val="697555879"/>
+      </p:ext>
+    </p:extLst>
+  </p:cSld>
+  <p:clrMapOvr>
+    <a:masterClrMapping/>
+  </p:clrMapOvr>
+  <p:timing>
+    <p:tnLst>
+      <p:par>
+        <p:cTn id="1" dur="indefinite" restart="never" nodeType="tmRoot"/>
+      </p:par>
+    </p:tnLst>
+  </p:timing>
+</p:sld>
+</file>
+
+<file path=ppt/slides/slide13.xml><?xml version="1.0" encoding="utf-8"?>
 <p:sld xmlns:a="http://schemas.openxmlformats.org/drawingml/2006/main" xmlns:r="http://schemas.openxmlformats.org/officeDocument/2006/relationships" xmlns:p="http://schemas.openxmlformats.org/presentationml/2006/main">
   <p:cSld>
     <p:spTree>
@@ -15628,10 +16452,17 @@
   <p:clrMapOvr>
     <a:masterClrMapping/>
   </p:clrMapOvr>
+  <p:timing>
+    <p:tnLst>
+      <p:par>
+        <p:cTn id="1" dur="indefinite" restart="never" nodeType="tmRoot"/>
+      </p:par>
+    </p:tnLst>
+  </p:timing>
 </p:sld>
 </file>
 
-<file path=ppt/slides/slide11.xml><?xml version="1.0" encoding="utf-8"?>
+<file path=ppt/slides/slide14.xml><?xml version="1.0" encoding="utf-8"?>
 <p:sld xmlns:a="http://schemas.openxmlformats.org/drawingml/2006/main" xmlns:r="http://schemas.openxmlformats.org/officeDocument/2006/relationships" xmlns:p="http://schemas.openxmlformats.org/presentationml/2006/main">
   <p:cSld>
     <p:spTree>
@@ -15979,8 +16810,8 @@
           </p:sp>
         </mc:Fallback>
       </mc:AlternateContent>
-      <mc:AlternateContent xmlns:mc="http://schemas.openxmlformats.org/markup-compatibility/2006">
-        <mc:Choice xmlns:a14="http://schemas.microsoft.com/office/drawing/2010/main" Requires="a14">
+      <mc:AlternateContent xmlns:mc="http://schemas.openxmlformats.org/markup-compatibility/2006" xmlns:a14="http://schemas.microsoft.com/office/drawing/2010/main">
+        <mc:Choice Requires="a14">
           <p:sp>
             <p:nvSpPr>
               <p:cNvPr id="7" name="文字方塊 6">
@@ -16184,7 +17015,7 @@
             </p:txBody>
           </p:sp>
         </mc:Choice>
-        <mc:Fallback>
+        <mc:Fallback xmlns="">
           <p:sp>
             <p:nvSpPr>
               <p:cNvPr id="7" name="文字方塊 6">
@@ -16329,10 +17160,17 @@
   <p:clrMapOvr>
     <a:masterClrMapping/>
   </p:clrMapOvr>
+  <p:timing>
+    <p:tnLst>
+      <p:par>
+        <p:cTn id="1" dur="indefinite" restart="never" nodeType="tmRoot"/>
+      </p:par>
+    </p:tnLst>
+  </p:timing>
 </p:sld>
 </file>
 
-<file path=ppt/slides/slide12.xml><?xml version="1.0" encoding="utf-8"?>
+<file path=ppt/slides/slide15.xml><?xml version="1.0" encoding="utf-8"?>
 <p:sld xmlns:a="http://schemas.openxmlformats.org/drawingml/2006/main" xmlns:r="http://schemas.openxmlformats.org/officeDocument/2006/relationships" xmlns:p="http://schemas.openxmlformats.org/presentationml/2006/main">
   <p:cSld>
     <p:spTree>
@@ -16371,9 +17209,18 @@
           <a:lstStyle/>
           <a:p>
             <a:r>
-              <a:rPr lang="zh-TW" altLang="en-US" dirty="0"/>
+              <a:rPr lang="zh-TW" altLang="en-US" dirty="0" smtClean="0"/>
               <a:t>比較</a:t>
             </a:r>
+            <a:r>
+              <a:rPr lang="en-US" altLang="zh-TW" dirty="0" smtClean="0"/>
+              <a:t>GS-20DX</a:t>
+            </a:r>
+            <a:r>
+              <a:rPr lang="zh-TW" altLang="en-US" dirty="0" smtClean="0"/>
+              <a:t>參數</a:t>
+            </a:r>
+            <a:endParaRPr lang="zh-TW" altLang="en-US" dirty="0"/>
           </a:p>
         </p:txBody>
       </p:sp>
@@ -16455,10 +17302,17 @@
   <p:clrMapOvr>
     <a:masterClrMapping/>
   </p:clrMapOvr>
+  <p:timing>
+    <p:tnLst>
+      <p:par>
+        <p:cTn id="1" dur="indefinite" restart="never" nodeType="tmRoot"/>
+      </p:par>
+    </p:tnLst>
+  </p:timing>
 </p:sld>
 </file>
 
-<file path=ppt/slides/slide13.xml><?xml version="1.0" encoding="utf-8"?>
+<file path=ppt/slides/slide16.xml><?xml version="1.0" encoding="utf-8"?>
 <p:sld xmlns:a="http://schemas.openxmlformats.org/drawingml/2006/main" xmlns:r="http://schemas.openxmlformats.org/officeDocument/2006/relationships" xmlns:p="http://schemas.openxmlformats.org/presentationml/2006/main">
   <p:cSld>
     <p:spTree>
@@ -16550,10 +17404,279 @@
   <p:clrMapOvr>
     <a:masterClrMapping/>
   </p:clrMapOvr>
+  <p:timing>
+    <p:tnLst>
+      <p:par>
+        <p:cTn id="1" dur="indefinite" restart="never" nodeType="tmRoot"/>
+      </p:par>
+    </p:tnLst>
+  </p:timing>
 </p:sld>
 </file>
 
-<file path=ppt/slides/slide14.xml><?xml version="1.0" encoding="utf-8"?>
+<file path=ppt/slides/slide17.xml><?xml version="1.0" encoding="utf-8"?>
+<p:sld xmlns:a="http://schemas.openxmlformats.org/drawingml/2006/main" xmlns:r="http://schemas.openxmlformats.org/officeDocument/2006/relationships" xmlns:p="http://schemas.openxmlformats.org/presentationml/2006/main">
+  <p:cSld>
+    <p:spTree>
+      <p:nvGrpSpPr>
+        <p:cNvPr id="1" name=""/>
+        <p:cNvGrpSpPr/>
+        <p:nvPr/>
+      </p:nvGrpSpPr>
+      <p:grpSpPr>
+        <a:xfrm>
+          <a:off x="0" y="0"/>
+          <a:ext cx="0" cy="0"/>
+          <a:chOff x="0" y="0"/>
+          <a:chExt cx="0" cy="0"/>
+        </a:xfrm>
+      </p:grpSpPr>
+      <p:sp>
+        <p:nvSpPr>
+          <p:cNvPr id="2" name="標題 1"/>
+          <p:cNvSpPr>
+            <a:spLocks noGrp="1"/>
+          </p:cNvSpPr>
+          <p:nvPr>
+            <p:ph type="title"/>
+          </p:nvPr>
+        </p:nvSpPr>
+        <p:spPr/>
+        <p:txBody>
+          <a:bodyPr/>
+          <a:lstStyle/>
+          <a:p>
+            <a:r>
+              <a:rPr lang="zh-TW" altLang="en-US" dirty="0" smtClean="0"/>
+              <a:t>設置</a:t>
+            </a:r>
+            <a:endParaRPr lang="zh-TW" altLang="en-US" dirty="0"/>
+          </a:p>
+        </p:txBody>
+      </p:sp>
+      <p:pic>
+        <p:nvPicPr>
+          <p:cNvPr id="4" name="圖片 3"/>
+          <p:cNvPicPr>
+            <a:picLocks noChangeAspect="1"/>
+          </p:cNvPicPr>
+          <p:nvPr/>
+        </p:nvPicPr>
+        <p:blipFill>
+          <a:blip r:embed="rId2">
+            <a:extLst>
+              <a:ext uri="{28A0092B-C50C-407E-A947-70E740481C1C}">
+                <a14:useLocalDpi xmlns:a14="http://schemas.microsoft.com/office/drawing/2010/main" val="0"/>
+              </a:ext>
+            </a:extLst>
+          </a:blip>
+          <a:stretch>
+            <a:fillRect/>
+          </a:stretch>
+        </p:blipFill>
+        <p:spPr>
+          <a:xfrm>
+            <a:off x="553599" y="3188116"/>
+            <a:ext cx="8812822" cy="2830785"/>
+          </a:xfrm>
+          <a:prstGeom prst="rect">
+            <a:avLst/>
+          </a:prstGeom>
+        </p:spPr>
+      </p:pic>
+      <p:sp>
+        <p:nvSpPr>
+          <p:cNvPr id="5" name="向下箭號 4"/>
+          <p:cNvSpPr/>
+          <p:nvPr/>
+        </p:nvSpPr>
+        <p:spPr>
+          <a:xfrm>
+            <a:off x="4423723" y="2926735"/>
+            <a:ext cx="185348" cy="1037967"/>
+          </a:xfrm>
+          <a:prstGeom prst="downArrow">
+            <a:avLst/>
+          </a:prstGeom>
+        </p:spPr>
+        <p:style>
+          <a:lnRef idx="2">
+            <a:schemeClr val="accent1">
+              <a:shade val="50000"/>
+            </a:schemeClr>
+          </a:lnRef>
+          <a:fillRef idx="1">
+            <a:schemeClr val="accent1"/>
+          </a:fillRef>
+          <a:effectRef idx="0">
+            <a:schemeClr val="accent1"/>
+          </a:effectRef>
+          <a:fontRef idx="minor">
+            <a:schemeClr val="lt1"/>
+          </a:fontRef>
+        </p:style>
+        <p:txBody>
+          <a:bodyPr rtlCol="0" anchor="ctr"/>
+          <a:lstStyle/>
+          <a:p>
+            <a:pPr algn="ctr"/>
+            <a:endParaRPr lang="zh-TW" altLang="en-US"/>
+          </a:p>
+        </p:txBody>
+      </p:sp>
+      <p:sp>
+        <p:nvSpPr>
+          <p:cNvPr id="6" name="文字方塊 5"/>
+          <p:cNvSpPr txBox="1"/>
+          <p:nvPr/>
+        </p:nvSpPr>
+        <p:spPr>
+          <a:xfrm>
+            <a:off x="3753439" y="2280404"/>
+            <a:ext cx="2130711" cy="646331"/>
+          </a:xfrm>
+          <a:prstGeom prst="rect">
+            <a:avLst/>
+          </a:prstGeom>
+          <a:noFill/>
+        </p:spPr>
+        <p:txBody>
+          <a:bodyPr wrap="none" rtlCol="0">
+            <a:spAutoFit/>
+          </a:bodyPr>
+          <a:lstStyle/>
+          <a:p>
+            <a:r>
+              <a:rPr lang="en-US" altLang="zh-TW" dirty="0" smtClean="0"/>
+              <a:t>1.</a:t>
+            </a:r>
+            <a:r>
+              <a:rPr lang="zh-TW" altLang="en-US" dirty="0" smtClean="0"/>
+              <a:t>雜訊</a:t>
+            </a:r>
+            <a:r>
+              <a:rPr lang="en-US" altLang="zh-TW" dirty="0" smtClean="0"/>
+              <a:t>(5min)</a:t>
+            </a:r>
+            <a:endParaRPr lang="en-US" altLang="zh-TW" dirty="0"/>
+          </a:p>
+          <a:p>
+            <a:r>
+              <a:rPr lang="en-US" altLang="zh-TW" dirty="0" smtClean="0"/>
+              <a:t>2.</a:t>
+            </a:r>
+            <a:r>
+              <a:rPr lang="zh-TW" altLang="en-US" dirty="0" smtClean="0"/>
+              <a:t>十秒敲一次</a:t>
+            </a:r>
+            <a:r>
+              <a:rPr lang="en-US" altLang="zh-TW" dirty="0" smtClean="0"/>
+              <a:t>(2min)</a:t>
+            </a:r>
+            <a:endParaRPr lang="zh-TW" altLang="en-US" dirty="0"/>
+          </a:p>
+        </p:txBody>
+      </p:sp>
+    </p:spTree>
+    <p:extLst>
+      <p:ext uri="{BB962C8B-B14F-4D97-AF65-F5344CB8AC3E}">
+        <p14:creationId xmlns:p14="http://schemas.microsoft.com/office/powerpoint/2010/main" val="541364856"/>
+      </p:ext>
+    </p:extLst>
+  </p:cSld>
+  <p:clrMapOvr>
+    <a:masterClrMapping/>
+  </p:clrMapOvr>
+  <p:timing>
+    <p:tnLst>
+      <p:par>
+        <p:cTn id="1" dur="indefinite" restart="never" nodeType="tmRoot"/>
+      </p:par>
+    </p:tnLst>
+  </p:timing>
+</p:sld>
+</file>
+
+<file path=ppt/slides/slide18.xml><?xml version="1.0" encoding="utf-8"?>
+<p:sld xmlns:a="http://schemas.openxmlformats.org/drawingml/2006/main" xmlns:r="http://schemas.openxmlformats.org/officeDocument/2006/relationships" xmlns:p="http://schemas.openxmlformats.org/presentationml/2006/main">
+  <p:cSld>
+    <p:spTree>
+      <p:nvGrpSpPr>
+        <p:cNvPr id="1" name=""/>
+        <p:cNvGrpSpPr/>
+        <p:nvPr/>
+      </p:nvGrpSpPr>
+      <p:grpSpPr>
+        <a:xfrm>
+          <a:off x="0" y="0"/>
+          <a:ext cx="0" cy="0"/>
+          <a:chOff x="0" y="0"/>
+          <a:chExt cx="0" cy="0"/>
+        </a:xfrm>
+      </p:grpSpPr>
+      <p:sp>
+        <p:nvSpPr>
+          <p:cNvPr id="2" name="標題 1"/>
+          <p:cNvSpPr>
+            <a:spLocks noGrp="1"/>
+          </p:cNvSpPr>
+          <p:nvPr>
+            <p:ph type="title"/>
+          </p:nvPr>
+        </p:nvSpPr>
+        <p:spPr/>
+        <p:txBody>
+          <a:bodyPr/>
+          <a:lstStyle/>
+          <a:p>
+            <a:r>
+              <a:rPr lang="zh-TW" altLang="en-US" dirty="0" smtClean="0"/>
+              <a:t>沒ㄌ下次</a:t>
+            </a:r>
+            <a:endParaRPr lang="zh-TW" altLang="en-US" dirty="0"/>
+          </a:p>
+        </p:txBody>
+      </p:sp>
+      <p:sp>
+        <p:nvSpPr>
+          <p:cNvPr id="3" name="內容版面配置區 2"/>
+          <p:cNvSpPr>
+            <a:spLocks noGrp="1"/>
+          </p:cNvSpPr>
+          <p:nvPr>
+            <p:ph idx="1"/>
+          </p:nvPr>
+        </p:nvSpPr>
+        <p:spPr/>
+        <p:txBody>
+          <a:bodyPr/>
+          <a:lstStyle/>
+          <a:p>
+            <a:endParaRPr lang="zh-TW" altLang="en-US" dirty="0"/>
+          </a:p>
+        </p:txBody>
+      </p:sp>
+    </p:spTree>
+    <p:extLst>
+      <p:ext uri="{BB962C8B-B14F-4D97-AF65-F5344CB8AC3E}">
+        <p14:creationId xmlns:p14="http://schemas.microsoft.com/office/powerpoint/2010/main" val="1676259825"/>
+      </p:ext>
+    </p:extLst>
+  </p:cSld>
+  <p:clrMapOvr>
+    <a:masterClrMapping/>
+  </p:clrMapOvr>
+  <p:timing>
+    <p:tnLst>
+      <p:par>
+        <p:cTn id="1" dur="indefinite" restart="never" nodeType="tmRoot"/>
+      </p:par>
+    </p:tnLst>
+  </p:timing>
+</p:sld>
+</file>
+
+<file path=ppt/slides/slide19.xml><?xml version="1.0" encoding="utf-8"?>
 <p:sld xmlns:a="http://schemas.openxmlformats.org/drawingml/2006/main" xmlns:r="http://schemas.openxmlformats.org/officeDocument/2006/relationships" xmlns:p="http://schemas.openxmlformats.org/presentationml/2006/main">
   <p:cSld>
     <p:spTree>
@@ -16808,10 +17931,1305 @@
   <p:clrMapOvr>
     <a:masterClrMapping/>
   </p:clrMapOvr>
+  <p:timing>
+    <p:tnLst>
+      <p:par>
+        <p:cTn id="1" dur="indefinite" restart="never" nodeType="tmRoot"/>
+      </p:par>
+    </p:tnLst>
+  </p:timing>
 </p:sld>
 </file>
 
-<file path=ppt/slides/slide15.xml><?xml version="1.0" encoding="utf-8"?>
+<file path=ppt/slides/slide2.xml><?xml version="1.0" encoding="utf-8"?>
+<p:sld xmlns:a="http://schemas.openxmlformats.org/drawingml/2006/main" xmlns:r="http://schemas.openxmlformats.org/officeDocument/2006/relationships" xmlns:p="http://schemas.openxmlformats.org/presentationml/2006/main">
+  <p:cSld>
+    <p:spTree>
+      <p:nvGrpSpPr>
+        <p:cNvPr id="1" name=""/>
+        <p:cNvGrpSpPr/>
+        <p:nvPr/>
+      </p:nvGrpSpPr>
+      <p:grpSpPr>
+        <a:xfrm>
+          <a:off x="0" y="0"/>
+          <a:ext cx="0" cy="0"/>
+          <a:chOff x="0" y="0"/>
+          <a:chExt cx="0" cy="0"/>
+        </a:xfrm>
+      </p:grpSpPr>
+      <p:sp>
+        <p:nvSpPr>
+          <p:cNvPr id="2" name="標題 1"/>
+          <p:cNvSpPr>
+            <a:spLocks noGrp="1"/>
+          </p:cNvSpPr>
+          <p:nvPr>
+            <p:ph type="title"/>
+          </p:nvPr>
+        </p:nvSpPr>
+        <p:spPr/>
+        <p:txBody>
+          <a:bodyPr/>
+          <a:lstStyle/>
+          <a:p>
+            <a:r>
+              <a:rPr lang="zh-TW" altLang="en-US" dirty="0" smtClean="0"/>
+              <a:t>速度型地震儀</a:t>
+            </a:r>
+            <a:endParaRPr lang="zh-TW" altLang="en-US" dirty="0"/>
+          </a:p>
+        </p:txBody>
+      </p:sp>
+      <p:pic>
+        <p:nvPicPr>
+          <p:cNvPr id="4" name="圖片 3">
+            <a:extLst>
+              <a:ext uri="{FF2B5EF4-FFF2-40B4-BE49-F238E27FC236}">
+                <a16:creationId xmlns:a16="http://schemas.microsoft.com/office/drawing/2014/main" id="{334702C2-BBD3-4DF9-869B-1717F1C6C9C2}"/>
+              </a:ext>
+            </a:extLst>
+          </p:cNvPr>
+          <p:cNvPicPr>
+            <a:picLocks noChangeAspect="1"/>
+          </p:cNvPicPr>
+          <p:nvPr/>
+        </p:nvPicPr>
+        <p:blipFill>
+          <a:blip r:embed="rId2"/>
+          <a:stretch>
+            <a:fillRect/>
+          </a:stretch>
+        </p:blipFill>
+        <p:spPr>
+          <a:xfrm>
+            <a:off x="960546" y="2414126"/>
+            <a:ext cx="2486179" cy="3180765"/>
+          </a:xfrm>
+          <a:prstGeom prst="rect">
+            <a:avLst/>
+          </a:prstGeom>
+        </p:spPr>
+      </p:pic>
+      <p:pic>
+        <p:nvPicPr>
+          <p:cNvPr id="5" name="圖片 4">
+            <a:extLst>
+              <a:ext uri="{FF2B5EF4-FFF2-40B4-BE49-F238E27FC236}">
+                <a16:creationId xmlns:a16="http://schemas.microsoft.com/office/drawing/2014/main" id="{256D879D-61E5-468F-81D9-DD5582754D5D}"/>
+              </a:ext>
+            </a:extLst>
+          </p:cNvPr>
+          <p:cNvPicPr>
+            <a:picLocks noChangeAspect="1"/>
+          </p:cNvPicPr>
+          <p:nvPr/>
+        </p:nvPicPr>
+        <p:blipFill>
+          <a:blip r:embed="rId3"/>
+          <a:stretch>
+            <a:fillRect/>
+          </a:stretch>
+        </p:blipFill>
+        <p:spPr>
+          <a:xfrm>
+            <a:off x="3196155" y="2903566"/>
+            <a:ext cx="1541470" cy="1784420"/>
+          </a:xfrm>
+          <a:prstGeom prst="rect">
+            <a:avLst/>
+          </a:prstGeom>
+        </p:spPr>
+      </p:pic>
+      <mc:AlternateContent xmlns:mc="http://schemas.openxmlformats.org/markup-compatibility/2006">
+        <mc:Choice xmlns:a14="http://schemas.microsoft.com/office/drawing/2010/main" Requires="a14">
+          <p:sp>
+            <p:nvSpPr>
+              <p:cNvPr id="6" name="矩形 5"/>
+              <p:cNvSpPr/>
+              <p:nvPr/>
+            </p:nvSpPr>
+            <p:spPr>
+              <a:xfrm>
+                <a:off x="5461416" y="2082005"/>
+                <a:ext cx="6096000" cy="2755883"/>
+              </a:xfrm>
+              <a:prstGeom prst="rect">
+                <a:avLst/>
+              </a:prstGeom>
+            </p:spPr>
+            <p:txBody>
+              <a:bodyPr>
+                <a:spAutoFit/>
+              </a:bodyPr>
+              <a:lstStyle/>
+              <a:p>
+                <a:pPr lvl="0">
+                  <a:spcAft>
+                    <a:spcPts val="0"/>
+                  </a:spcAft>
+                </a:pPr>
+                <a:r>
+                  <a:rPr lang="en-US" altLang="zh-TW" kern="100" dirty="0" smtClean="0">
+                    <a:latin typeface="Times New Roman" panose="02020603050405020304" pitchFamily="18" charset="0"/>
+                    <a:ea typeface="標楷體" panose="03000509000000000000" pitchFamily="65" charset="-120"/>
+                    <a:cs typeface="Times New Roman" panose="02020603050405020304" pitchFamily="18" charset="0"/>
+                  </a:rPr>
+                  <a:t>A. </a:t>
+                </a:r>
+                <a:r>
+                  <a:rPr lang="zh-TW" altLang="zh-TW" kern="100" dirty="0" smtClean="0">
+                    <a:latin typeface="Times New Roman" panose="02020603050405020304" pitchFamily="18" charset="0"/>
+                    <a:ea typeface="標楷體" panose="03000509000000000000" pitchFamily="65" charset="-120"/>
+                    <a:cs typeface="Times New Roman" panose="02020603050405020304" pitchFamily="18" charset="0"/>
+                  </a:rPr>
+                  <a:t>感應</a:t>
+                </a:r>
+                <a:r>
+                  <a:rPr lang="zh-TW" altLang="zh-TW" kern="100" dirty="0">
+                    <a:latin typeface="Times New Roman" panose="02020603050405020304" pitchFamily="18" charset="0"/>
+                    <a:ea typeface="標楷體" panose="03000509000000000000" pitchFamily="65" charset="-120"/>
+                    <a:cs typeface="Times New Roman" panose="02020603050405020304" pitchFamily="18" charset="0"/>
+                  </a:rPr>
+                  <a:t>電壓</a:t>
+                </a:r>
+                <a:r>
+                  <a:rPr lang="en-US" altLang="zh-TW" kern="100" dirty="0">
+                    <a:latin typeface="Times New Roman" panose="02020603050405020304" pitchFamily="18" charset="0"/>
+                    <a:ea typeface="標楷體" panose="03000509000000000000" pitchFamily="65" charset="-120"/>
+                    <a:cs typeface="Times New Roman" panose="02020603050405020304" pitchFamily="18" charset="0"/>
+                  </a:rPr>
+                  <a:t>:</a:t>
+                </a:r>
+                <a:endParaRPr lang="zh-TW" altLang="zh-TW" kern="100" dirty="0">
+                  <a:latin typeface="Calibri" panose="020F0502020204030204" pitchFamily="34" charset="0"/>
+                  <a:cs typeface="Times New Roman" panose="02020603050405020304" pitchFamily="18" charset="0"/>
+                </a:endParaRPr>
+              </a:p>
+              <a:p>
+                <a:pPr marL="838200">
+                  <a:spcAft>
+                    <a:spcPts val="0"/>
+                  </a:spcAft>
+                </a:pPr>
+                <a14:m>
+                  <m:oMath xmlns:m="http://schemas.openxmlformats.org/officeDocument/2006/math">
+                    <m:r>
+                      <a:rPr lang="en-US" altLang="zh-TW" i="1" kern="100">
+                        <a:latin typeface="Cambria Math" panose="02040503050406030204" pitchFamily="18" charset="0"/>
+                        <a:ea typeface="標楷體" panose="03000509000000000000" pitchFamily="65" charset="-120"/>
+                        <a:cs typeface="Times New Roman" panose="02020603050405020304" pitchFamily="18" charset="0"/>
+                      </a:rPr>
+                      <m:t>𝐸</m:t>
+                    </m:r>
+                    <m:r>
+                      <a:rPr lang="en-US" altLang="zh-TW" i="1" kern="100">
+                        <a:latin typeface="Cambria Math" panose="02040503050406030204" pitchFamily="18" charset="0"/>
+                        <a:ea typeface="標楷體" panose="03000509000000000000" pitchFamily="65" charset="-120"/>
+                        <a:cs typeface="Times New Roman" panose="02020603050405020304" pitchFamily="18" charset="0"/>
+                      </a:rPr>
+                      <m:t>=</m:t>
+                    </m:r>
+                    <m:r>
+                      <a:rPr lang="en-US" altLang="zh-TW" i="1" kern="100">
+                        <a:latin typeface="Cambria Math" panose="02040503050406030204" pitchFamily="18" charset="0"/>
+                        <a:ea typeface="標楷體" panose="03000509000000000000" pitchFamily="65" charset="-120"/>
+                        <a:cs typeface="Times New Roman" panose="02020603050405020304" pitchFamily="18" charset="0"/>
+                      </a:rPr>
+                      <m:t>𝐺</m:t>
+                    </m:r>
+                    <m:f>
+                      <m:fPr>
+                        <m:ctrlPr>
+                          <a:rPr lang="zh-TW" altLang="zh-TW" i="1">
+                            <a:solidFill>
+                              <a:srgbClr val="000000"/>
+                            </a:solidFill>
+                            <a:latin typeface="Cambria Math" panose="02040503050406030204" pitchFamily="18" charset="0"/>
+                            <a:ea typeface="Cambria Math" panose="02040503050406030204" pitchFamily="18" charset="0"/>
+                            <a:cs typeface="Times New Roman" panose="02020603050405020304" pitchFamily="18" charset="0"/>
+                          </a:rPr>
+                        </m:ctrlPr>
+                      </m:fPr>
+                      <m:num>
+                        <m:r>
+                          <a:rPr lang="en-US" altLang="zh-TW" i="1">
+                            <a:solidFill>
+                              <a:srgbClr val="000000"/>
+                            </a:solidFill>
+                            <a:latin typeface="Cambria Math" panose="02040503050406030204" pitchFamily="18" charset="0"/>
+                            <a:cs typeface="Times New Roman" panose="02020603050405020304" pitchFamily="18" charset="0"/>
+                          </a:rPr>
+                          <m:t>𝑑𝑧</m:t>
+                        </m:r>
+                      </m:num>
+                      <m:den>
+                        <m:r>
+                          <a:rPr lang="en-US" altLang="zh-TW" i="1">
+                            <a:solidFill>
+                              <a:srgbClr val="000000"/>
+                            </a:solidFill>
+                            <a:latin typeface="Cambria Math" panose="02040503050406030204" pitchFamily="18" charset="0"/>
+                            <a:cs typeface="Times New Roman" panose="02020603050405020304" pitchFamily="18" charset="0"/>
+                          </a:rPr>
+                          <m:t>𝑑𝑡</m:t>
+                        </m:r>
+                      </m:den>
+                    </m:f>
+                  </m:oMath>
+                </a14:m>
+                <a:r>
+                  <a:rPr lang="zh-TW" altLang="zh-TW" i="1" dirty="0">
+                    <a:solidFill>
+                      <a:srgbClr val="000000"/>
+                    </a:solidFill>
+                    <a:latin typeface="Times New Roman" panose="02020603050405020304" pitchFamily="18" charset="0"/>
+                    <a:ea typeface="標楷體" panose="03000509000000000000" pitchFamily="65" charset="-120"/>
+                    <a:cs typeface="Times New Roman" panose="02020603050405020304" pitchFamily="18" charset="0"/>
+                  </a:rPr>
+                  <a:t>，</a:t>
+                </a:r>
+                <a:r>
+                  <a:rPr lang="en-US" altLang="zh-TW" i="1" dirty="0">
+                    <a:solidFill>
+                      <a:srgbClr val="000000"/>
+                    </a:solidFill>
+                    <a:latin typeface="Times New Roman" panose="02020603050405020304" pitchFamily="18" charset="0"/>
+                    <a:ea typeface="標楷體" panose="03000509000000000000" pitchFamily="65" charset="-120"/>
+                    <a:cs typeface="Times New Roman" panose="02020603050405020304" pitchFamily="18" charset="0"/>
+                  </a:rPr>
+                  <a:t>G</a:t>
+                </a:r>
+                <a:r>
+                  <a:rPr lang="zh-TW" altLang="zh-TW" dirty="0">
+                    <a:solidFill>
+                      <a:srgbClr val="000000"/>
+                    </a:solidFill>
+                    <a:latin typeface="Times New Roman" panose="02020603050405020304" pitchFamily="18" charset="0"/>
+                    <a:ea typeface="標楷體" panose="03000509000000000000" pitchFamily="65" charset="-120"/>
+                    <a:cs typeface="Times New Roman" panose="02020603050405020304" pitchFamily="18" charset="0"/>
+                  </a:rPr>
+                  <a:t>常數跟磁鐵強度和線圈緊密</a:t>
+                </a:r>
+                <a:r>
+                  <a:rPr lang="zh-TW" altLang="zh-TW" dirty="0" smtClean="0">
+                    <a:solidFill>
+                      <a:srgbClr val="000000"/>
+                    </a:solidFill>
+                    <a:latin typeface="Times New Roman" panose="02020603050405020304" pitchFamily="18" charset="0"/>
+                    <a:ea typeface="標楷體" panose="03000509000000000000" pitchFamily="65" charset="-120"/>
+                    <a:cs typeface="Times New Roman" panose="02020603050405020304" pitchFamily="18" charset="0"/>
+                  </a:rPr>
+                  <a:t>有關</a:t>
+                </a:r>
+                <a:endParaRPr lang="en-US" altLang="zh-TW" dirty="0" smtClean="0">
+                  <a:solidFill>
+                    <a:srgbClr val="000000"/>
+                  </a:solidFill>
+                  <a:latin typeface="Times New Roman" panose="02020603050405020304" pitchFamily="18" charset="0"/>
+                  <a:ea typeface="標楷體" panose="03000509000000000000" pitchFamily="65" charset="-120"/>
+                  <a:cs typeface="Times New Roman" panose="02020603050405020304" pitchFamily="18" charset="0"/>
+                </a:endParaRPr>
+              </a:p>
+              <a:p>
+                <a:pPr marL="838200">
+                  <a:spcAft>
+                    <a:spcPts val="0"/>
+                  </a:spcAft>
+                </a:pPr>
+                <a:endParaRPr lang="zh-TW" altLang="zh-TW" kern="100" dirty="0">
+                  <a:latin typeface="Calibri" panose="020F0502020204030204" pitchFamily="34" charset="0"/>
+                  <a:cs typeface="Times New Roman" panose="02020603050405020304" pitchFamily="18" charset="0"/>
+                </a:endParaRPr>
+              </a:p>
+              <a:p>
+                <a:pPr lvl="0">
+                  <a:spcAft>
+                    <a:spcPts val="0"/>
+                  </a:spcAft>
+                </a:pPr>
+                <a:r>
+                  <a:rPr lang="en-US" altLang="zh-TW" kern="100" dirty="0" smtClean="0">
+                    <a:latin typeface="Times New Roman" panose="02020603050405020304" pitchFamily="18" charset="0"/>
+                    <a:ea typeface="標楷體" panose="03000509000000000000" pitchFamily="65" charset="-120"/>
+                    <a:cs typeface="Times New Roman" panose="02020603050405020304" pitchFamily="18" charset="0"/>
+                  </a:rPr>
+                  <a:t>B. </a:t>
+                </a:r>
+                <a:r>
+                  <a:rPr lang="zh-TW" altLang="zh-TW" kern="100" dirty="0" smtClean="0">
+                    <a:latin typeface="Times New Roman" panose="02020603050405020304" pitchFamily="18" charset="0"/>
+                    <a:ea typeface="標楷體" panose="03000509000000000000" pitchFamily="65" charset="-120"/>
+                    <a:cs typeface="Times New Roman" panose="02020603050405020304" pitchFamily="18" charset="0"/>
+                  </a:rPr>
+                  <a:t>感應</a:t>
+                </a:r>
+                <a:r>
+                  <a:rPr lang="zh-TW" altLang="zh-TW" kern="100" dirty="0">
+                    <a:latin typeface="Times New Roman" panose="02020603050405020304" pitchFamily="18" charset="0"/>
+                    <a:ea typeface="標楷體" panose="03000509000000000000" pitchFamily="65" charset="-120"/>
+                    <a:cs typeface="Times New Roman" panose="02020603050405020304" pitchFamily="18" charset="0"/>
+                  </a:rPr>
+                  <a:t>電流所產生磁場跟磁鐵的作用力</a:t>
+                </a:r>
+                <a:endParaRPr lang="zh-TW" altLang="zh-TW" kern="100" dirty="0">
+                  <a:latin typeface="Calibri" panose="020F0502020204030204" pitchFamily="34" charset="0"/>
+                  <a:cs typeface="Times New Roman" panose="02020603050405020304" pitchFamily="18" charset="0"/>
+                </a:endParaRPr>
+              </a:p>
+              <a:p>
+                <a:pPr marL="838200">
+                  <a:spcAft>
+                    <a:spcPts val="0"/>
+                  </a:spcAft>
+                </a:pPr>
+                <a14:m>
+                  <m:oMathPara xmlns:m="http://schemas.openxmlformats.org/officeDocument/2006/math">
+                    <m:oMathParaPr>
+                      <m:jc m:val="left"/>
+                    </m:oMathParaPr>
+                    <m:oMath xmlns:m="http://schemas.openxmlformats.org/officeDocument/2006/math">
+                      <m:r>
+                        <a:rPr lang="en-US" altLang="zh-TW" i="1" kern="100">
+                          <a:latin typeface="Cambria Math" panose="02040503050406030204" pitchFamily="18" charset="0"/>
+                          <a:ea typeface="標楷體" panose="03000509000000000000" pitchFamily="65" charset="-120"/>
+                          <a:cs typeface="Times New Roman" panose="02020603050405020304" pitchFamily="18" charset="0"/>
+                        </a:rPr>
+                        <m:t>𝐹</m:t>
+                      </m:r>
+                      <m:r>
+                        <a:rPr lang="en-US" altLang="zh-TW" i="1" kern="100">
+                          <a:latin typeface="Cambria Math" panose="02040503050406030204" pitchFamily="18" charset="0"/>
+                          <a:ea typeface="標楷體" panose="03000509000000000000" pitchFamily="65" charset="-120"/>
+                          <a:cs typeface="Times New Roman" panose="02020603050405020304" pitchFamily="18" charset="0"/>
+                        </a:rPr>
+                        <m:t>=</m:t>
+                      </m:r>
+                      <m:r>
+                        <a:rPr lang="en-US" altLang="zh-TW" i="1" kern="100">
+                          <a:latin typeface="Cambria Math" panose="02040503050406030204" pitchFamily="18" charset="0"/>
+                          <a:ea typeface="標楷體" panose="03000509000000000000" pitchFamily="65" charset="-120"/>
+                          <a:cs typeface="Times New Roman" panose="02020603050405020304" pitchFamily="18" charset="0"/>
+                        </a:rPr>
+                        <m:t>𝐺𝐼</m:t>
+                      </m:r>
+                    </m:oMath>
+                  </m:oMathPara>
+                </a14:m>
+                <a:endParaRPr lang="en-US" altLang="zh-TW" kern="100" dirty="0" smtClean="0">
+                  <a:latin typeface="Calibri" panose="020F0502020204030204" pitchFamily="34" charset="0"/>
+                  <a:ea typeface="標楷體" panose="03000509000000000000" pitchFamily="65" charset="-120"/>
+                  <a:cs typeface="Times New Roman" panose="02020603050405020304" pitchFamily="18" charset="0"/>
+                </a:endParaRPr>
+              </a:p>
+              <a:p>
+                <a:pPr marL="838200">
+                  <a:spcAft>
+                    <a:spcPts val="0"/>
+                  </a:spcAft>
+                </a:pPr>
+                <a:endParaRPr lang="zh-TW" altLang="zh-TW" kern="100" dirty="0" smtClean="0">
+                  <a:latin typeface="Calibri" panose="020F0502020204030204" pitchFamily="34" charset="0"/>
+                  <a:cs typeface="Times New Roman" panose="02020603050405020304" pitchFamily="18" charset="0"/>
+                </a:endParaRPr>
+              </a:p>
+              <a:p>
+                <a:pPr lvl="0">
+                  <a:spcAft>
+                    <a:spcPts val="0"/>
+                  </a:spcAft>
+                </a:pPr>
+                <a:r>
+                  <a:rPr lang="en-US" altLang="zh-TW" kern="100" dirty="0" smtClean="0">
+                    <a:latin typeface="Times New Roman" panose="02020603050405020304" pitchFamily="18" charset="0"/>
+                    <a:ea typeface="標楷體" panose="03000509000000000000" pitchFamily="65" charset="-120"/>
+                    <a:cs typeface="Times New Roman" panose="02020603050405020304" pitchFamily="18" charset="0"/>
+                  </a:rPr>
+                  <a:t>C. </a:t>
+                </a:r>
+                <a:r>
+                  <a:rPr lang="zh-TW" altLang="zh-TW" kern="100" dirty="0" smtClean="0">
+                    <a:latin typeface="Times New Roman" panose="02020603050405020304" pitchFamily="18" charset="0"/>
+                    <a:ea typeface="標楷體" panose="03000509000000000000" pitchFamily="65" charset="-120"/>
+                    <a:cs typeface="Times New Roman" panose="02020603050405020304" pitchFamily="18" charset="0"/>
+                  </a:rPr>
+                  <a:t>兩</a:t>
+                </a:r>
+                <a:r>
+                  <a:rPr lang="zh-TW" altLang="zh-TW" kern="100" dirty="0">
+                    <a:latin typeface="Times New Roman" panose="02020603050405020304" pitchFamily="18" charset="0"/>
+                    <a:ea typeface="標楷體" panose="03000509000000000000" pitchFamily="65" charset="-120"/>
+                    <a:cs typeface="Times New Roman" panose="02020603050405020304" pitchFamily="18" charset="0"/>
+                  </a:rPr>
+                  <a:t>式合併</a:t>
+                </a:r>
+                <a:endParaRPr lang="zh-TW" altLang="zh-TW" kern="100" dirty="0">
+                  <a:latin typeface="Calibri" panose="020F0502020204030204" pitchFamily="34" charset="0"/>
+                  <a:cs typeface="Times New Roman" panose="02020603050405020304" pitchFamily="18" charset="0"/>
+                </a:endParaRPr>
+              </a:p>
+              <a:p>
+                <a:pPr marL="838200">
+                  <a:spcAft>
+                    <a:spcPts val="0"/>
+                  </a:spcAft>
+                </a:pPr>
+                <a14:m>
+                  <m:oMathPara xmlns:m="http://schemas.openxmlformats.org/officeDocument/2006/math">
+                    <m:oMathParaPr>
+                      <m:jc m:val="left"/>
+                    </m:oMathParaPr>
+                    <m:oMath xmlns:m="http://schemas.openxmlformats.org/officeDocument/2006/math">
+                      <m:r>
+                        <a:rPr lang="en-US" altLang="zh-TW" i="1" kern="100">
+                          <a:latin typeface="Cambria Math" panose="02040503050406030204" pitchFamily="18" charset="0"/>
+                          <a:ea typeface="標楷體" panose="03000509000000000000" pitchFamily="65" charset="-120"/>
+                          <a:cs typeface="Times New Roman" panose="02020603050405020304" pitchFamily="18" charset="0"/>
+                        </a:rPr>
+                        <m:t>𝐹</m:t>
+                      </m:r>
+                      <m:r>
+                        <a:rPr lang="en-US" altLang="zh-TW" i="1" kern="100">
+                          <a:latin typeface="Cambria Math" panose="02040503050406030204" pitchFamily="18" charset="0"/>
+                          <a:ea typeface="標楷體" panose="03000509000000000000" pitchFamily="65" charset="-120"/>
+                          <a:cs typeface="Times New Roman" panose="02020603050405020304" pitchFamily="18" charset="0"/>
+                        </a:rPr>
+                        <m:t>=</m:t>
+                      </m:r>
+                      <m:r>
+                        <a:rPr lang="en-US" altLang="zh-TW" i="1" kern="100">
+                          <a:latin typeface="Cambria Math" panose="02040503050406030204" pitchFamily="18" charset="0"/>
+                          <a:ea typeface="標楷體" panose="03000509000000000000" pitchFamily="65" charset="-120"/>
+                          <a:cs typeface="Times New Roman" panose="02020603050405020304" pitchFamily="18" charset="0"/>
+                        </a:rPr>
+                        <m:t>𝐺𝐼</m:t>
+                      </m:r>
+                      <m:r>
+                        <a:rPr lang="en-US" altLang="zh-TW" i="1" kern="100">
+                          <a:latin typeface="Cambria Math" panose="02040503050406030204" pitchFamily="18" charset="0"/>
+                          <a:ea typeface="標楷體" panose="03000509000000000000" pitchFamily="65" charset="-120"/>
+                          <a:cs typeface="Times New Roman" panose="02020603050405020304" pitchFamily="18" charset="0"/>
+                        </a:rPr>
+                        <m:t>=</m:t>
+                      </m:r>
+                      <m:r>
+                        <a:rPr lang="en-US" altLang="zh-TW" i="1" kern="100">
+                          <a:latin typeface="Cambria Math" panose="02040503050406030204" pitchFamily="18" charset="0"/>
+                          <a:ea typeface="標楷體" panose="03000509000000000000" pitchFamily="65" charset="-120"/>
+                          <a:cs typeface="Times New Roman" panose="02020603050405020304" pitchFamily="18" charset="0"/>
+                        </a:rPr>
+                        <m:t>𝐺</m:t>
+                      </m:r>
+                      <m:f>
+                        <m:fPr>
+                          <m:ctrlPr>
+                            <a:rPr lang="zh-TW" altLang="zh-TW" i="1" kern="100">
+                              <a:latin typeface="Cambria Math" panose="02040503050406030204" pitchFamily="18" charset="0"/>
+                              <a:ea typeface="Cambria Math" panose="02040503050406030204" pitchFamily="18" charset="0"/>
+                              <a:cs typeface="Times New Roman" panose="02020603050405020304" pitchFamily="18" charset="0"/>
+                            </a:rPr>
+                          </m:ctrlPr>
+                        </m:fPr>
+                        <m:num>
+                          <m:r>
+                            <a:rPr lang="en-US" altLang="zh-TW" i="1" kern="100">
+                              <a:latin typeface="Cambria Math" panose="02040503050406030204" pitchFamily="18" charset="0"/>
+                              <a:ea typeface="標楷體" panose="03000509000000000000" pitchFamily="65" charset="-120"/>
+                              <a:cs typeface="Times New Roman" panose="02020603050405020304" pitchFamily="18" charset="0"/>
+                            </a:rPr>
+                            <m:t>𝐸</m:t>
+                          </m:r>
+                        </m:num>
+                        <m:den>
+                          <m:sSub>
+                            <m:sSubPr>
+                              <m:ctrlPr>
+                                <a:rPr lang="zh-TW" altLang="zh-TW" i="1" kern="100">
+                                  <a:latin typeface="Cambria Math" panose="02040503050406030204" pitchFamily="18" charset="0"/>
+                                  <a:ea typeface="Cambria Math" panose="02040503050406030204" pitchFamily="18" charset="0"/>
+                                  <a:cs typeface="Times New Roman" panose="02020603050405020304" pitchFamily="18" charset="0"/>
+                                </a:rPr>
+                              </m:ctrlPr>
+                            </m:sSubPr>
+                            <m:e>
+                              <m:r>
+                                <a:rPr lang="en-US" altLang="zh-TW" i="1" kern="100">
+                                  <a:latin typeface="Cambria Math" panose="02040503050406030204" pitchFamily="18" charset="0"/>
+                                  <a:ea typeface="標楷體" panose="03000509000000000000" pitchFamily="65" charset="-120"/>
+                                  <a:cs typeface="Times New Roman" panose="02020603050405020304" pitchFamily="18" charset="0"/>
+                                </a:rPr>
+                                <m:t>𝑅</m:t>
+                              </m:r>
+                            </m:e>
+                            <m:sub>
+                              <m:r>
+                                <a:rPr lang="en-US" altLang="zh-TW" i="1" kern="100">
+                                  <a:latin typeface="Cambria Math" panose="02040503050406030204" pitchFamily="18" charset="0"/>
+                                  <a:ea typeface="標楷體" panose="03000509000000000000" pitchFamily="65" charset="-120"/>
+                                  <a:cs typeface="Times New Roman" panose="02020603050405020304" pitchFamily="18" charset="0"/>
+                                </a:rPr>
+                                <m:t>𝑡</m:t>
+                              </m:r>
+                            </m:sub>
+                          </m:sSub>
+                        </m:den>
+                      </m:f>
+                      <m:r>
+                        <a:rPr lang="en-US" altLang="zh-TW" i="1" kern="100">
+                          <a:latin typeface="Cambria Math" panose="02040503050406030204" pitchFamily="18" charset="0"/>
+                          <a:ea typeface="標楷體" panose="03000509000000000000" pitchFamily="65" charset="-120"/>
+                          <a:cs typeface="Times New Roman" panose="02020603050405020304" pitchFamily="18" charset="0"/>
+                        </a:rPr>
+                        <m:t>=</m:t>
+                      </m:r>
+                      <m:f>
+                        <m:fPr>
+                          <m:ctrlPr>
+                            <a:rPr lang="zh-TW" altLang="zh-TW" i="1" kern="100">
+                              <a:solidFill>
+                                <a:srgbClr val="FF0000"/>
+                              </a:solidFill>
+                              <a:latin typeface="Cambria Math" panose="02040503050406030204" pitchFamily="18" charset="0"/>
+                              <a:ea typeface="Cambria Math" panose="02040503050406030204" pitchFamily="18" charset="0"/>
+                              <a:cs typeface="Times New Roman" panose="02020603050405020304" pitchFamily="18" charset="0"/>
+                            </a:rPr>
+                          </m:ctrlPr>
+                        </m:fPr>
+                        <m:num>
+                          <m:sSup>
+                            <m:sSupPr>
+                              <m:ctrlPr>
+                                <a:rPr lang="zh-TW" altLang="zh-TW" i="1" kern="100">
+                                  <a:solidFill>
+                                    <a:srgbClr val="FF0000"/>
+                                  </a:solidFill>
+                                  <a:latin typeface="Cambria Math" panose="02040503050406030204" pitchFamily="18" charset="0"/>
+                                  <a:ea typeface="Cambria Math" panose="02040503050406030204" pitchFamily="18" charset="0"/>
+                                  <a:cs typeface="Times New Roman" panose="02020603050405020304" pitchFamily="18" charset="0"/>
+                                </a:rPr>
+                              </m:ctrlPr>
+                            </m:sSupPr>
+                            <m:e>
+                              <m:r>
+                                <a:rPr lang="en-US" altLang="zh-TW" i="1" kern="100">
+                                  <a:solidFill>
+                                    <a:srgbClr val="FF0000"/>
+                                  </a:solidFill>
+                                  <a:latin typeface="Cambria Math" panose="02040503050406030204" pitchFamily="18" charset="0"/>
+                                  <a:ea typeface="標楷體" panose="03000509000000000000" pitchFamily="65" charset="-120"/>
+                                  <a:cs typeface="Times New Roman" panose="02020603050405020304" pitchFamily="18" charset="0"/>
+                                </a:rPr>
+                                <m:t>𝐺</m:t>
+                              </m:r>
+                            </m:e>
+                            <m:sup>
+                              <m:r>
+                                <a:rPr lang="en-US" altLang="zh-TW" i="1" kern="100">
+                                  <a:solidFill>
+                                    <a:srgbClr val="FF0000"/>
+                                  </a:solidFill>
+                                  <a:latin typeface="Cambria Math" panose="02040503050406030204" pitchFamily="18" charset="0"/>
+                                  <a:ea typeface="標楷體" panose="03000509000000000000" pitchFamily="65" charset="-120"/>
+                                  <a:cs typeface="Times New Roman" panose="02020603050405020304" pitchFamily="18" charset="0"/>
+                                </a:rPr>
+                                <m:t>2</m:t>
+                              </m:r>
+                            </m:sup>
+                          </m:sSup>
+                        </m:num>
+                        <m:den>
+                          <m:sSub>
+                            <m:sSubPr>
+                              <m:ctrlPr>
+                                <a:rPr lang="zh-TW" altLang="zh-TW" i="1" kern="100">
+                                  <a:solidFill>
+                                    <a:srgbClr val="FF0000"/>
+                                  </a:solidFill>
+                                  <a:latin typeface="Cambria Math" panose="02040503050406030204" pitchFamily="18" charset="0"/>
+                                  <a:ea typeface="Cambria Math" panose="02040503050406030204" pitchFamily="18" charset="0"/>
+                                  <a:cs typeface="Times New Roman" panose="02020603050405020304" pitchFamily="18" charset="0"/>
+                                </a:rPr>
+                              </m:ctrlPr>
+                            </m:sSubPr>
+                            <m:e>
+                              <m:r>
+                                <a:rPr lang="en-US" altLang="zh-TW" i="1" kern="100">
+                                  <a:solidFill>
+                                    <a:srgbClr val="FF0000"/>
+                                  </a:solidFill>
+                                  <a:latin typeface="Cambria Math" panose="02040503050406030204" pitchFamily="18" charset="0"/>
+                                  <a:ea typeface="標楷體" panose="03000509000000000000" pitchFamily="65" charset="-120"/>
+                                  <a:cs typeface="Times New Roman" panose="02020603050405020304" pitchFamily="18" charset="0"/>
+                                </a:rPr>
+                                <m:t>𝑅</m:t>
+                              </m:r>
+                            </m:e>
+                            <m:sub>
+                              <m:r>
+                                <a:rPr lang="en-US" altLang="zh-TW" i="1" kern="100">
+                                  <a:solidFill>
+                                    <a:srgbClr val="FF0000"/>
+                                  </a:solidFill>
+                                  <a:latin typeface="Cambria Math" panose="02040503050406030204" pitchFamily="18" charset="0"/>
+                                  <a:ea typeface="標楷體" panose="03000509000000000000" pitchFamily="65" charset="-120"/>
+                                  <a:cs typeface="Times New Roman" panose="02020603050405020304" pitchFamily="18" charset="0"/>
+                                </a:rPr>
+                                <m:t>𝑡</m:t>
+                              </m:r>
+                            </m:sub>
+                          </m:sSub>
+                        </m:den>
+                      </m:f>
+                      <m:f>
+                        <m:fPr>
+                          <m:ctrlPr>
+                            <a:rPr lang="zh-TW" altLang="zh-TW" i="1">
+                              <a:solidFill>
+                                <a:srgbClr val="FF0000"/>
+                              </a:solidFill>
+                              <a:latin typeface="Cambria Math" panose="02040503050406030204" pitchFamily="18" charset="0"/>
+                              <a:ea typeface="Cambria Math" panose="02040503050406030204" pitchFamily="18" charset="0"/>
+                              <a:cs typeface="Times New Roman" panose="02020603050405020304" pitchFamily="18" charset="0"/>
+                            </a:rPr>
+                          </m:ctrlPr>
+                        </m:fPr>
+                        <m:num>
+                          <m:r>
+                            <a:rPr lang="en-US" altLang="zh-TW" i="1">
+                              <a:solidFill>
+                                <a:srgbClr val="FF0000"/>
+                              </a:solidFill>
+                              <a:latin typeface="Cambria Math" panose="02040503050406030204" pitchFamily="18" charset="0"/>
+                              <a:cs typeface="Times New Roman" panose="02020603050405020304" pitchFamily="18" charset="0"/>
+                            </a:rPr>
+                            <m:t>𝑑𝑧</m:t>
+                          </m:r>
+                        </m:num>
+                        <m:den>
+                          <m:r>
+                            <a:rPr lang="en-US" altLang="zh-TW" i="1">
+                              <a:solidFill>
+                                <a:srgbClr val="FF0000"/>
+                              </a:solidFill>
+                              <a:latin typeface="Cambria Math" panose="02040503050406030204" pitchFamily="18" charset="0"/>
+                              <a:cs typeface="Times New Roman" panose="02020603050405020304" pitchFamily="18" charset="0"/>
+                            </a:rPr>
+                            <m:t>𝑑𝑡</m:t>
+                          </m:r>
+                        </m:den>
+                      </m:f>
+                    </m:oMath>
+                  </m:oMathPara>
+                </a14:m>
+                <a:endParaRPr lang="zh-TW" altLang="zh-TW" kern="100" dirty="0">
+                  <a:latin typeface="Calibri" panose="020F0502020204030204" pitchFamily="34" charset="0"/>
+                  <a:cs typeface="Times New Roman" panose="02020603050405020304" pitchFamily="18" charset="0"/>
+                </a:endParaRPr>
+              </a:p>
+            </p:txBody>
+          </p:sp>
+        </mc:Choice>
+        <mc:Fallback>
+          <p:sp>
+            <p:nvSpPr>
+              <p:cNvPr id="6" name="矩形 5"/>
+              <p:cNvSpPr>
+                <a:spLocks noRot="1" noChangeAspect="1" noMove="1" noResize="1" noEditPoints="1" noAdjustHandles="1" noChangeArrowheads="1" noChangeShapeType="1" noTextEdit="1"/>
+              </p:cNvSpPr>
+              <p:nvPr/>
+            </p:nvSpPr>
+            <p:spPr>
+              <a:xfrm>
+                <a:off x="5461416" y="2082005"/>
+                <a:ext cx="6096000" cy="2755883"/>
+              </a:xfrm>
+              <a:prstGeom prst="rect">
+                <a:avLst/>
+              </a:prstGeom>
+              <a:blipFill>
+                <a:blip r:embed="rId4"/>
+                <a:stretch>
+                  <a:fillRect l="-900" t="-1549"/>
+                </a:stretch>
+              </a:blipFill>
+            </p:spPr>
+            <p:txBody>
+              <a:bodyPr/>
+              <a:lstStyle/>
+              <a:p>
+                <a:r>
+                  <a:rPr lang="zh-TW" altLang="en-US">
+                    <a:noFill/>
+                  </a:rPr>
+                  <a:t> </a:t>
+                </a:r>
+              </a:p>
+            </p:txBody>
+          </p:sp>
+        </mc:Fallback>
+      </mc:AlternateContent>
+      <mc:AlternateContent xmlns:mc="http://schemas.openxmlformats.org/markup-compatibility/2006">
+        <mc:Choice xmlns:a14="http://schemas.microsoft.com/office/drawing/2010/main" Requires="a14">
+          <p:sp>
+            <p:nvSpPr>
+              <p:cNvPr id="7" name="矩形 6"/>
+              <p:cNvSpPr/>
+              <p:nvPr/>
+            </p:nvSpPr>
+            <p:spPr>
+              <a:xfrm>
+                <a:off x="5461416" y="5182533"/>
+                <a:ext cx="4895378" cy="694934"/>
+              </a:xfrm>
+              <a:prstGeom prst="rect">
+                <a:avLst/>
+              </a:prstGeom>
+            </p:spPr>
+            <p:txBody>
+              <a:bodyPr wrap="none">
+                <a:spAutoFit/>
+              </a:bodyPr>
+              <a:lstStyle/>
+              <a:p>
+                <a14:m>
+                  <m:oMathPara xmlns:m="http://schemas.openxmlformats.org/officeDocument/2006/math">
+                    <m:oMathParaPr>
+                      <m:jc m:val="centerGroup"/>
+                    </m:oMathParaPr>
+                    <m:oMath xmlns:m="http://schemas.openxmlformats.org/officeDocument/2006/math">
+                      <m:r>
+                        <a:rPr lang="zh-TW" altLang="en-US" i="1">
+                          <a:latin typeface="Cambria Math" panose="02040503050406030204" pitchFamily="18" charset="0"/>
+                        </a:rPr>
+                        <m:t>𝑚</m:t>
+                      </m:r>
+                      <m:f>
+                        <m:fPr>
+                          <m:ctrlPr>
+                            <a:rPr lang="zh-TW" altLang="en-US" i="1">
+                              <a:latin typeface="Cambria Math" panose="02040503050406030204" pitchFamily="18" charset="0"/>
+                            </a:rPr>
+                          </m:ctrlPr>
+                        </m:fPr>
+                        <m:num>
+                          <m:sSup>
+                            <m:sSupPr>
+                              <m:ctrlPr>
+                                <a:rPr lang="zh-TW" altLang="en-US" i="1">
+                                  <a:latin typeface="Cambria Math" panose="02040503050406030204" pitchFamily="18" charset="0"/>
+                                </a:rPr>
+                              </m:ctrlPr>
+                            </m:sSupPr>
+                            <m:e>
+                              <m:r>
+                                <a:rPr lang="zh-TW" altLang="en-US" i="1">
+                                  <a:latin typeface="Cambria Math" panose="02040503050406030204" pitchFamily="18" charset="0"/>
+                                </a:rPr>
+                                <m:t>𝑑</m:t>
+                              </m:r>
+                            </m:e>
+                            <m:sup>
+                              <m:r>
+                                <a:rPr lang="zh-TW" altLang="en-US" i="0">
+                                  <a:latin typeface="Cambria Math" panose="02040503050406030204" pitchFamily="18" charset="0"/>
+                                </a:rPr>
+                                <m:t>2</m:t>
+                              </m:r>
+                            </m:sup>
+                          </m:sSup>
+                        </m:num>
+                        <m:den>
+                          <m:r>
+                            <a:rPr lang="zh-TW" altLang="en-US" i="1">
+                              <a:latin typeface="Cambria Math" panose="02040503050406030204" pitchFamily="18" charset="0"/>
+                            </a:rPr>
+                            <m:t>𝑑</m:t>
+                          </m:r>
+                          <m:sSup>
+                            <m:sSupPr>
+                              <m:ctrlPr>
+                                <a:rPr lang="zh-TW" altLang="en-US" i="1">
+                                  <a:latin typeface="Cambria Math" panose="02040503050406030204" pitchFamily="18" charset="0"/>
+                                </a:rPr>
+                              </m:ctrlPr>
+                            </m:sSupPr>
+                            <m:e>
+                              <m:r>
+                                <a:rPr lang="zh-TW" altLang="en-US" i="1">
+                                  <a:latin typeface="Cambria Math" panose="02040503050406030204" pitchFamily="18" charset="0"/>
+                                </a:rPr>
+                                <m:t>𝑡</m:t>
+                              </m:r>
+                            </m:e>
+                            <m:sup>
+                              <m:r>
+                                <a:rPr lang="zh-TW" altLang="en-US" i="0">
+                                  <a:latin typeface="Cambria Math" panose="02040503050406030204" pitchFamily="18" charset="0"/>
+                                </a:rPr>
+                                <m:t>2</m:t>
+                              </m:r>
+                            </m:sup>
+                          </m:sSup>
+                        </m:den>
+                      </m:f>
+                      <m:r>
+                        <a:rPr lang="zh-TW" altLang="en-US" i="1">
+                          <a:latin typeface="Cambria Math" panose="02040503050406030204" pitchFamily="18" charset="0"/>
+                        </a:rPr>
+                        <m:t>𝑢</m:t>
+                      </m:r>
+                      <m:d>
+                        <m:dPr>
+                          <m:ctrlPr>
+                            <a:rPr lang="zh-TW" altLang="en-US" i="1">
+                              <a:latin typeface="Cambria Math" panose="02040503050406030204" pitchFamily="18" charset="0"/>
+                            </a:rPr>
+                          </m:ctrlPr>
+                        </m:dPr>
+                        <m:e>
+                          <m:r>
+                            <a:rPr lang="zh-TW" altLang="en-US" i="1">
+                              <a:latin typeface="Cambria Math" panose="02040503050406030204" pitchFamily="18" charset="0"/>
+                            </a:rPr>
+                            <m:t>𝑡</m:t>
+                          </m:r>
+                        </m:e>
+                      </m:d>
+                      <m:r>
+                        <a:rPr lang="zh-TW" altLang="en-US" i="0">
+                          <a:latin typeface="Cambria Math" panose="02040503050406030204" pitchFamily="18" charset="0"/>
+                        </a:rPr>
+                        <m:t>+</m:t>
+                      </m:r>
+                      <m:r>
+                        <a:rPr lang="zh-TW" altLang="en-US" i="1">
+                          <a:latin typeface="Cambria Math" panose="02040503050406030204" pitchFamily="18" charset="0"/>
+                        </a:rPr>
+                        <m:t>𝐾𝑧</m:t>
+                      </m:r>
+                      <m:d>
+                        <m:dPr>
+                          <m:ctrlPr>
+                            <a:rPr lang="zh-TW" altLang="en-US" i="1">
+                              <a:latin typeface="Cambria Math" panose="02040503050406030204" pitchFamily="18" charset="0"/>
+                            </a:rPr>
+                          </m:ctrlPr>
+                        </m:dPr>
+                        <m:e>
+                          <m:r>
+                            <a:rPr lang="zh-TW" altLang="en-US" i="1">
+                              <a:latin typeface="Cambria Math" panose="02040503050406030204" pitchFamily="18" charset="0"/>
+                            </a:rPr>
+                            <m:t>𝑡</m:t>
+                          </m:r>
+                        </m:e>
+                      </m:d>
+                      <m:r>
+                        <a:rPr lang="zh-TW" altLang="en-US" i="0">
+                          <a:latin typeface="Cambria Math" panose="02040503050406030204" pitchFamily="18" charset="0"/>
+                        </a:rPr>
+                        <m:t>+</m:t>
+                      </m:r>
+                      <m:f>
+                        <m:fPr>
+                          <m:ctrlPr>
+                            <a:rPr lang="zh-TW" altLang="en-US" i="1">
+                              <a:latin typeface="Cambria Math" panose="02040503050406030204" pitchFamily="18" charset="0"/>
+                            </a:rPr>
+                          </m:ctrlPr>
+                        </m:fPr>
+                        <m:num>
+                          <m:sSup>
+                            <m:sSupPr>
+                              <m:ctrlPr>
+                                <a:rPr lang="zh-TW" altLang="en-US" i="1">
+                                  <a:latin typeface="Cambria Math" panose="02040503050406030204" pitchFamily="18" charset="0"/>
+                                </a:rPr>
+                              </m:ctrlPr>
+                            </m:sSupPr>
+                            <m:e>
+                              <m:r>
+                                <a:rPr lang="zh-TW" altLang="en-US" i="1">
+                                  <a:latin typeface="Cambria Math" panose="02040503050406030204" pitchFamily="18" charset="0"/>
+                                </a:rPr>
+                                <m:t>𝐺</m:t>
+                              </m:r>
+                            </m:e>
+                            <m:sup>
+                              <m:r>
+                                <a:rPr lang="zh-TW" altLang="en-US" i="0">
+                                  <a:latin typeface="Cambria Math" panose="02040503050406030204" pitchFamily="18" charset="0"/>
+                                </a:rPr>
+                                <m:t>2</m:t>
+                              </m:r>
+                            </m:sup>
+                          </m:sSup>
+                        </m:num>
+                        <m:den>
+                          <m:sSub>
+                            <m:sSubPr>
+                              <m:ctrlPr>
+                                <a:rPr lang="zh-TW" altLang="en-US" i="1">
+                                  <a:latin typeface="Cambria Math" panose="02040503050406030204" pitchFamily="18" charset="0"/>
+                                </a:rPr>
+                              </m:ctrlPr>
+                            </m:sSubPr>
+                            <m:e>
+                              <m:r>
+                                <a:rPr lang="zh-TW" altLang="en-US" i="1">
+                                  <a:latin typeface="Cambria Math" panose="02040503050406030204" pitchFamily="18" charset="0"/>
+                                </a:rPr>
+                                <m:t>𝑅</m:t>
+                              </m:r>
+                            </m:e>
+                            <m:sub>
+                              <m:r>
+                                <a:rPr lang="zh-TW" altLang="en-US" i="1">
+                                  <a:latin typeface="Cambria Math" panose="02040503050406030204" pitchFamily="18" charset="0"/>
+                                </a:rPr>
+                                <m:t>𝑡</m:t>
+                              </m:r>
+                            </m:sub>
+                          </m:sSub>
+                        </m:den>
+                      </m:f>
+                      <m:f>
+                        <m:fPr>
+                          <m:ctrlPr>
+                            <a:rPr lang="zh-TW" altLang="en-US" i="1">
+                              <a:latin typeface="Cambria Math" panose="02040503050406030204" pitchFamily="18" charset="0"/>
+                            </a:rPr>
+                          </m:ctrlPr>
+                        </m:fPr>
+                        <m:num>
+                          <m:r>
+                            <a:rPr lang="zh-TW" altLang="en-US" i="1">
+                              <a:latin typeface="Cambria Math" panose="02040503050406030204" pitchFamily="18" charset="0"/>
+                            </a:rPr>
+                            <m:t>𝑑</m:t>
+                          </m:r>
+                        </m:num>
+                        <m:den>
+                          <m:r>
+                            <a:rPr lang="zh-TW" altLang="en-US" i="1">
+                              <a:latin typeface="Cambria Math" panose="02040503050406030204" pitchFamily="18" charset="0"/>
+                            </a:rPr>
+                            <m:t>𝑑𝑡</m:t>
+                          </m:r>
+                        </m:den>
+                      </m:f>
+                      <m:r>
+                        <a:rPr lang="zh-TW" altLang="en-US" i="1">
+                          <a:latin typeface="Cambria Math" panose="02040503050406030204" pitchFamily="18" charset="0"/>
+                        </a:rPr>
+                        <m:t>𝑧</m:t>
+                      </m:r>
+                      <m:d>
+                        <m:dPr>
+                          <m:ctrlPr>
+                            <a:rPr lang="zh-TW" altLang="en-US" i="1">
+                              <a:latin typeface="Cambria Math" panose="02040503050406030204" pitchFamily="18" charset="0"/>
+                            </a:rPr>
+                          </m:ctrlPr>
+                        </m:dPr>
+                        <m:e>
+                          <m:r>
+                            <a:rPr lang="zh-TW" altLang="en-US" i="1">
+                              <a:latin typeface="Cambria Math" panose="02040503050406030204" pitchFamily="18" charset="0"/>
+                            </a:rPr>
+                            <m:t>𝑡</m:t>
+                          </m:r>
+                        </m:e>
+                      </m:d>
+                      <m:r>
+                        <a:rPr lang="zh-TW" altLang="en-US" i="0">
+                          <a:latin typeface="Cambria Math" panose="02040503050406030204" pitchFamily="18" charset="0"/>
+                        </a:rPr>
+                        <m:t>=−</m:t>
+                      </m:r>
+                      <m:r>
+                        <a:rPr lang="zh-TW" altLang="en-US" i="1">
+                          <a:latin typeface="Cambria Math" panose="02040503050406030204" pitchFamily="18" charset="0"/>
+                        </a:rPr>
+                        <m:t>𝑚</m:t>
+                      </m:r>
+                      <m:f>
+                        <m:fPr>
+                          <m:ctrlPr>
+                            <a:rPr lang="zh-TW" altLang="en-US" i="1">
+                              <a:latin typeface="Cambria Math" panose="02040503050406030204" pitchFamily="18" charset="0"/>
+                            </a:rPr>
+                          </m:ctrlPr>
+                        </m:fPr>
+                        <m:num>
+                          <m:sSup>
+                            <m:sSupPr>
+                              <m:ctrlPr>
+                                <a:rPr lang="zh-TW" altLang="en-US" i="1">
+                                  <a:latin typeface="Cambria Math" panose="02040503050406030204" pitchFamily="18" charset="0"/>
+                                </a:rPr>
+                              </m:ctrlPr>
+                            </m:sSupPr>
+                            <m:e>
+                              <m:r>
+                                <a:rPr lang="zh-TW" altLang="en-US" i="1">
+                                  <a:latin typeface="Cambria Math" panose="02040503050406030204" pitchFamily="18" charset="0"/>
+                                </a:rPr>
+                                <m:t>𝑑</m:t>
+                              </m:r>
+                            </m:e>
+                            <m:sup>
+                              <m:r>
+                                <a:rPr lang="zh-TW" altLang="en-US" i="0">
+                                  <a:latin typeface="Cambria Math" panose="02040503050406030204" pitchFamily="18" charset="0"/>
+                                </a:rPr>
+                                <m:t>2</m:t>
+                              </m:r>
+                            </m:sup>
+                          </m:sSup>
+                        </m:num>
+                        <m:den>
+                          <m:r>
+                            <a:rPr lang="zh-TW" altLang="en-US" i="1">
+                              <a:latin typeface="Cambria Math" panose="02040503050406030204" pitchFamily="18" charset="0"/>
+                            </a:rPr>
+                            <m:t>𝑑</m:t>
+                          </m:r>
+                          <m:sSup>
+                            <m:sSupPr>
+                              <m:ctrlPr>
+                                <a:rPr lang="zh-TW" altLang="en-US" i="1">
+                                  <a:latin typeface="Cambria Math" panose="02040503050406030204" pitchFamily="18" charset="0"/>
+                                </a:rPr>
+                              </m:ctrlPr>
+                            </m:sSupPr>
+                            <m:e>
+                              <m:r>
+                                <a:rPr lang="zh-TW" altLang="en-US" i="1">
+                                  <a:latin typeface="Cambria Math" panose="02040503050406030204" pitchFamily="18" charset="0"/>
+                                </a:rPr>
+                                <m:t>𝑡</m:t>
+                              </m:r>
+                            </m:e>
+                            <m:sup>
+                              <m:r>
+                                <a:rPr lang="zh-TW" altLang="en-US" i="0">
+                                  <a:latin typeface="Cambria Math" panose="02040503050406030204" pitchFamily="18" charset="0"/>
+                                </a:rPr>
+                                <m:t>2</m:t>
+                              </m:r>
+                            </m:sup>
+                          </m:sSup>
+                        </m:den>
+                      </m:f>
+                      <m:r>
+                        <a:rPr lang="zh-TW" altLang="en-US" i="1">
+                          <a:latin typeface="Cambria Math" panose="02040503050406030204" pitchFamily="18" charset="0"/>
+                        </a:rPr>
+                        <m:t>𝑧</m:t>
+                      </m:r>
+                      <m:d>
+                        <m:dPr>
+                          <m:ctrlPr>
+                            <a:rPr lang="zh-TW" altLang="en-US" i="1">
+                              <a:latin typeface="Cambria Math" panose="02040503050406030204" pitchFamily="18" charset="0"/>
+                            </a:rPr>
+                          </m:ctrlPr>
+                        </m:dPr>
+                        <m:e>
+                          <m:r>
+                            <a:rPr lang="zh-TW" altLang="en-US" i="1">
+                              <a:latin typeface="Cambria Math" panose="02040503050406030204" pitchFamily="18" charset="0"/>
+                            </a:rPr>
+                            <m:t>𝑡</m:t>
+                          </m:r>
+                        </m:e>
+                      </m:d>
+                    </m:oMath>
+                  </m:oMathPara>
+                </a14:m>
+                <a:endParaRPr lang="zh-TW" altLang="en-US" dirty="0"/>
+              </a:p>
+            </p:txBody>
+          </p:sp>
+        </mc:Choice>
+        <mc:Fallback>
+          <p:sp>
+            <p:nvSpPr>
+              <p:cNvPr id="7" name="矩形 6"/>
+              <p:cNvSpPr>
+                <a:spLocks noRot="1" noChangeAspect="1" noMove="1" noResize="1" noEditPoints="1" noAdjustHandles="1" noChangeArrowheads="1" noChangeShapeType="1" noTextEdit="1"/>
+              </p:cNvSpPr>
+              <p:nvPr/>
+            </p:nvSpPr>
+            <p:spPr>
+              <a:xfrm>
+                <a:off x="5461416" y="5182533"/>
+                <a:ext cx="4895378" cy="694934"/>
+              </a:xfrm>
+              <a:prstGeom prst="rect">
+                <a:avLst/>
+              </a:prstGeom>
+              <a:blipFill>
+                <a:blip r:embed="rId5"/>
+                <a:stretch>
+                  <a:fillRect/>
+                </a:stretch>
+              </a:blipFill>
+            </p:spPr>
+            <p:txBody>
+              <a:bodyPr/>
+              <a:lstStyle/>
+              <a:p>
+                <a:r>
+                  <a:rPr lang="zh-TW" altLang="en-US">
+                    <a:noFill/>
+                  </a:rPr>
+                  <a:t> </a:t>
+                </a:r>
+              </a:p>
+            </p:txBody>
+          </p:sp>
+        </mc:Fallback>
+      </mc:AlternateContent>
+    </p:spTree>
+    <p:extLst>
+      <p:ext uri="{BB962C8B-B14F-4D97-AF65-F5344CB8AC3E}">
+        <p14:creationId xmlns:p14="http://schemas.microsoft.com/office/powerpoint/2010/main" val="4191235255"/>
+      </p:ext>
+    </p:extLst>
+  </p:cSld>
+  <p:clrMapOvr>
+    <a:masterClrMapping/>
+  </p:clrMapOvr>
+  <p:timing>
+    <p:tnLst>
+      <p:par>
+        <p:cTn id="1" dur="indefinite" restart="never" nodeType="tmRoot">
+          <p:childTnLst>
+            <p:seq concurrent="1" nextAc="seek">
+              <p:cTn id="2" dur="indefinite" nodeType="mainSeq">
+                <p:childTnLst>
+                  <p:par>
+                    <p:cTn id="3" fill="hold">
+                      <p:stCondLst>
+                        <p:cond delay="indefinite"/>
+                      </p:stCondLst>
+                      <p:childTnLst>
+                        <p:par>
+                          <p:cTn id="4" fill="hold">
+                            <p:stCondLst>
+                              <p:cond delay="0"/>
+                            </p:stCondLst>
+                            <p:childTnLst>
+                              <p:par>
+                                <p:cTn id="5" presetID="1" presetClass="entr" presetSubtype="0" fill="hold" grpId="0" nodeType="clickEffect">
+                                  <p:stCondLst>
+                                    <p:cond delay="0"/>
+                                  </p:stCondLst>
+                                  <p:childTnLst>
+                                    <p:set>
+                                      <p:cBhvr>
+                                        <p:cTn id="6" dur="1" fill="hold">
+                                          <p:stCondLst>
+                                            <p:cond delay="0"/>
+                                          </p:stCondLst>
+                                        </p:cTn>
+                                        <p:tgtEl>
+                                          <p:spTgt spid="6"/>
+                                        </p:tgtEl>
+                                        <p:attrNameLst>
+                                          <p:attrName>style.visibility</p:attrName>
+                                        </p:attrNameLst>
+                                      </p:cBhvr>
+                                      <p:to>
+                                        <p:strVal val="visible"/>
+                                      </p:to>
+                                    </p:set>
+                                  </p:childTnLst>
+                                </p:cTn>
+                              </p:par>
+                            </p:childTnLst>
+                          </p:cTn>
+                        </p:par>
+                      </p:childTnLst>
+                    </p:cTn>
+                  </p:par>
+                  <p:par>
+                    <p:cTn id="7" fill="hold">
+                      <p:stCondLst>
+                        <p:cond delay="indefinite"/>
+                      </p:stCondLst>
+                      <p:childTnLst>
+                        <p:par>
+                          <p:cTn id="8" fill="hold">
+                            <p:stCondLst>
+                              <p:cond delay="0"/>
+                            </p:stCondLst>
+                            <p:childTnLst>
+                              <p:par>
+                                <p:cTn id="9" presetID="1" presetClass="entr" presetSubtype="0" fill="hold" grpId="0" nodeType="clickEffect">
+                                  <p:stCondLst>
+                                    <p:cond delay="0"/>
+                                  </p:stCondLst>
+                                  <p:childTnLst>
+                                    <p:set>
+                                      <p:cBhvr>
+                                        <p:cTn id="10" dur="1" fill="hold">
+                                          <p:stCondLst>
+                                            <p:cond delay="0"/>
+                                          </p:stCondLst>
+                                        </p:cTn>
+                                        <p:tgtEl>
+                                          <p:spTgt spid="7"/>
+                                        </p:tgtEl>
+                                        <p:attrNameLst>
+                                          <p:attrName>style.visibility</p:attrName>
+                                        </p:attrNameLst>
+                                      </p:cBhvr>
+                                      <p:to>
+                                        <p:strVal val="visible"/>
+                                      </p:to>
+                                    </p:set>
+                                  </p:childTnLst>
+                                </p:cTn>
+                              </p:par>
+                            </p:childTnLst>
+                          </p:cTn>
+                        </p:par>
+                      </p:childTnLst>
+                    </p:cTn>
+                  </p:par>
+                </p:childTnLst>
+              </p:cTn>
+              <p:prevCondLst>
+                <p:cond evt="onPrev" delay="0">
+                  <p:tgtEl>
+                    <p:sldTgt/>
+                  </p:tgtEl>
+                </p:cond>
+              </p:prevCondLst>
+              <p:nextCondLst>
+                <p:cond evt="onNext" delay="0">
+                  <p:tgtEl>
+                    <p:sldTgt/>
+                  </p:tgtEl>
+                </p:cond>
+              </p:nextCondLst>
+            </p:seq>
+          </p:childTnLst>
+        </p:cTn>
+      </p:par>
+    </p:tnLst>
+    <p:bldLst>
+      <p:bldP spid="6" grpId="0"/>
+      <p:bldP spid="7" grpId="0"/>
+    </p:bldLst>
+  </p:timing>
+</p:sld>
+</file>
+
+<file path=ppt/slides/slide20.xml><?xml version="1.0" encoding="utf-8"?>
 <p:sld xmlns:a="http://schemas.openxmlformats.org/drawingml/2006/main" xmlns:r="http://schemas.openxmlformats.org/officeDocument/2006/relationships" xmlns:p="http://schemas.openxmlformats.org/presentationml/2006/main">
   <p:cSld>
     <p:spTree>
@@ -16866,10 +19284,17 @@
   <p:clrMapOvr>
     <a:masterClrMapping/>
   </p:clrMapOvr>
+  <p:timing>
+    <p:tnLst>
+      <p:par>
+        <p:cTn id="1" dur="indefinite" restart="never" nodeType="tmRoot"/>
+      </p:par>
+    </p:tnLst>
+  </p:timing>
 </p:sld>
 </file>
 
-<file path=ppt/slides/slide16.xml><?xml version="1.0" encoding="utf-8"?>
+<file path=ppt/slides/slide21.xml><?xml version="1.0" encoding="utf-8"?>
 <p:sld xmlns:a="http://schemas.openxmlformats.org/drawingml/2006/main" xmlns:r="http://schemas.openxmlformats.org/officeDocument/2006/relationships" xmlns:p="http://schemas.openxmlformats.org/presentationml/2006/main">
   <p:cSld>
     <p:spTree>
@@ -17217,8 +19642,8 @@
           </p:sp>
         </mc:Fallback>
       </mc:AlternateContent>
-      <mc:AlternateContent xmlns:mc="http://schemas.openxmlformats.org/markup-compatibility/2006">
-        <mc:Choice xmlns:a14="http://schemas.microsoft.com/office/drawing/2010/main" Requires="a14">
+      <mc:AlternateContent xmlns:mc="http://schemas.openxmlformats.org/markup-compatibility/2006" xmlns:a14="http://schemas.microsoft.com/office/drawing/2010/main">
+        <mc:Choice Requires="a14">
           <p:sp>
             <p:nvSpPr>
               <p:cNvPr id="7" name="文字方塊 6">
@@ -17422,7 +19847,7 @@
             </p:txBody>
           </p:sp>
         </mc:Choice>
-        <mc:Fallback>
+        <mc:Fallback xmlns="">
           <p:sp>
             <p:nvSpPr>
               <p:cNvPr id="7" name="文字方塊 6">
@@ -17477,10 +19902,17 @@
   <p:clrMapOvr>
     <a:masterClrMapping/>
   </p:clrMapOvr>
+  <p:timing>
+    <p:tnLst>
+      <p:par>
+        <p:cTn id="1" dur="indefinite" restart="never" nodeType="tmRoot"/>
+      </p:par>
+    </p:tnLst>
+  </p:timing>
 </p:sld>
 </file>
 
-<file path=ppt/slides/slide17.xml><?xml version="1.0" encoding="utf-8"?>
+<file path=ppt/slides/slide22.xml><?xml version="1.0" encoding="utf-8"?>
 <p:sld xmlns:a="http://schemas.openxmlformats.org/drawingml/2006/main" xmlns:r="http://schemas.openxmlformats.org/officeDocument/2006/relationships" xmlns:p="http://schemas.openxmlformats.org/presentationml/2006/main">
   <p:cSld>
     <p:spTree>
@@ -17535,10 +19967,1548 @@
   <p:clrMapOvr>
     <a:masterClrMapping/>
   </p:clrMapOvr>
+  <p:timing>
+    <p:tnLst>
+      <p:par>
+        <p:cTn id="1" dur="indefinite" restart="never" nodeType="tmRoot"/>
+      </p:par>
+    </p:tnLst>
+  </p:timing>
 </p:sld>
 </file>
 
-<file path=ppt/slides/slide2.xml><?xml version="1.0" encoding="utf-8"?>
+<file path=ppt/slides/slide3.xml><?xml version="1.0" encoding="utf-8"?>
+<p:sld xmlns:a="http://schemas.openxmlformats.org/drawingml/2006/main" xmlns:r="http://schemas.openxmlformats.org/officeDocument/2006/relationships" xmlns:p="http://schemas.openxmlformats.org/presentationml/2006/main">
+  <p:cSld>
+    <p:spTree>
+      <p:nvGrpSpPr>
+        <p:cNvPr id="1" name=""/>
+        <p:cNvGrpSpPr/>
+        <p:nvPr/>
+      </p:nvGrpSpPr>
+      <p:grpSpPr>
+        <a:xfrm>
+          <a:off x="0" y="0"/>
+          <a:ext cx="0" cy="0"/>
+          <a:chOff x="0" y="0"/>
+          <a:chExt cx="0" cy="0"/>
+        </a:xfrm>
+      </p:grpSpPr>
+      <p:sp>
+        <p:nvSpPr>
+          <p:cNvPr id="2" name="標題 1"/>
+          <p:cNvSpPr>
+            <a:spLocks noGrp="1"/>
+          </p:cNvSpPr>
+          <p:nvPr>
+            <p:ph type="title"/>
+          </p:nvPr>
+        </p:nvSpPr>
+        <p:spPr/>
+        <p:txBody>
+          <a:bodyPr/>
+          <a:lstStyle/>
+          <a:p>
+            <a:r>
+              <a:rPr lang="zh-TW" altLang="en-US" dirty="0" smtClean="0"/>
+              <a:t>響應函數</a:t>
+            </a:r>
+            <a:endParaRPr lang="zh-TW" altLang="en-US" dirty="0"/>
+          </a:p>
+        </p:txBody>
+      </p:sp>
+      <p:pic>
+        <p:nvPicPr>
+          <p:cNvPr id="4" name="圖片 3"/>
+          <p:cNvPicPr>
+            <a:picLocks noChangeAspect="1"/>
+          </p:cNvPicPr>
+          <p:nvPr/>
+        </p:nvPicPr>
+        <p:blipFill>
+          <a:blip r:embed="rId2"/>
+          <a:stretch>
+            <a:fillRect/>
+          </a:stretch>
+        </p:blipFill>
+        <p:spPr>
+          <a:xfrm>
+            <a:off x="449705" y="1842291"/>
+            <a:ext cx="6520722" cy="1126853"/>
+          </a:xfrm>
+          <a:prstGeom prst="rect">
+            <a:avLst/>
+          </a:prstGeom>
+        </p:spPr>
+      </p:pic>
+      <mc:AlternateContent xmlns:mc="http://schemas.openxmlformats.org/markup-compatibility/2006">
+        <mc:Choice xmlns:a14="http://schemas.microsoft.com/office/drawing/2010/main" Requires="a14">
+          <p:sp>
+            <p:nvSpPr>
+              <p:cNvPr id="5" name="文字方塊 4"/>
+              <p:cNvSpPr txBox="1"/>
+              <p:nvPr/>
+            </p:nvSpPr>
+            <p:spPr>
+              <a:xfrm>
+                <a:off x="752505" y="3342806"/>
+                <a:ext cx="4134288" cy="1685783"/>
+              </a:xfrm>
+              <a:prstGeom prst="rect">
+                <a:avLst/>
+              </a:prstGeom>
+              <a:noFill/>
+            </p:spPr>
+            <p:txBody>
+              <a:bodyPr wrap="square" rtlCol="0">
+                <a:spAutoFit/>
+              </a:bodyPr>
+              <a:lstStyle/>
+              <a:p>
+                <a:r>
+                  <a:rPr lang="en-US" altLang="zh-TW" dirty="0" smtClean="0"/>
+                  <a:t>G: </a:t>
+                </a:r>
+                <a:r>
+                  <a:rPr lang="zh-TW" altLang="en-US" dirty="0" smtClean="0"/>
+                  <a:t>敏感係數</a:t>
+                </a:r>
+                <a:r>
+                  <a:rPr lang="en-US" altLang="zh-TW" dirty="0" smtClean="0"/>
+                  <a:t>(</a:t>
+                </a:r>
+                <a:r>
+                  <a:rPr lang="zh-TW" altLang="en-US" dirty="0" smtClean="0"/>
+                  <a:t>線圈密度、磁鐵強度</a:t>
+                </a:r>
+                <a:r>
+                  <a:rPr lang="en-US" altLang="zh-TW" dirty="0" smtClean="0"/>
+                  <a:t>)</a:t>
+                </a:r>
+              </a:p>
+              <a:p>
+                <a14:m>
+                  <m:oMath xmlns:m="http://schemas.openxmlformats.org/officeDocument/2006/math">
+                    <m:sSub>
+                      <m:sSubPr>
+                        <m:ctrlPr>
+                          <a:rPr lang="en-US" altLang="zh-TW" i="1" smtClean="0">
+                            <a:latin typeface="Cambria Math" panose="02040503050406030204" pitchFamily="18" charset="0"/>
+                          </a:rPr>
+                        </m:ctrlPr>
+                      </m:sSubPr>
+                      <m:e>
+                        <m:r>
+                          <a:rPr lang="zh-TW" altLang="en-US" i="1" smtClean="0">
+                            <a:latin typeface="Cambria Math" panose="02040503050406030204" pitchFamily="18" charset="0"/>
+                          </a:rPr>
+                          <m:t>𝜔</m:t>
+                        </m:r>
+                      </m:e>
+                      <m:sub>
+                        <m:r>
+                          <a:rPr lang="en-US" altLang="zh-TW" i="1">
+                            <a:latin typeface="Cambria Math" panose="02040503050406030204" pitchFamily="18" charset="0"/>
+                          </a:rPr>
+                          <m:t>0</m:t>
+                        </m:r>
+                      </m:sub>
+                    </m:sSub>
+                    <m:r>
+                      <a:rPr lang="en-US" altLang="zh-TW" i="1">
+                        <a:latin typeface="Cambria Math" panose="02040503050406030204" pitchFamily="18" charset="0"/>
+                      </a:rPr>
+                      <m:t>:</m:t>
+                    </m:r>
+                    <m:r>
+                      <a:rPr lang="en-US" altLang="zh-TW" b="0" i="1" smtClean="0">
+                        <a:latin typeface="Cambria Math" panose="02040503050406030204" pitchFamily="18" charset="0"/>
+                      </a:rPr>
+                      <m:t> </m:t>
+                    </m:r>
+                  </m:oMath>
+                </a14:m>
+                <a:r>
+                  <a:rPr lang="zh-TW" altLang="en-US" dirty="0" smtClean="0"/>
+                  <a:t>自然頻率</a:t>
+                </a:r>
+                <a:r>
+                  <a:rPr lang="en-US" altLang="zh-TW" dirty="0" smtClean="0"/>
+                  <a:t>(</a:t>
+                </a:r>
+                <a14:m>
+                  <m:oMath xmlns:m="http://schemas.openxmlformats.org/officeDocument/2006/math">
+                    <m:rad>
+                      <m:radPr>
+                        <m:degHide m:val="on"/>
+                        <m:ctrlPr>
+                          <a:rPr lang="en-US" altLang="zh-TW" i="1" smtClean="0">
+                            <a:latin typeface="Cambria Math" panose="02040503050406030204" pitchFamily="18" charset="0"/>
+                          </a:rPr>
+                        </m:ctrlPr>
+                      </m:radPr>
+                      <m:deg/>
+                      <m:e>
+                        <m:f>
+                          <m:fPr>
+                            <m:ctrlPr>
+                              <a:rPr lang="en-US" altLang="zh-TW" i="1" smtClean="0">
+                                <a:latin typeface="Cambria Math" panose="02040503050406030204" pitchFamily="18" charset="0"/>
+                              </a:rPr>
+                            </m:ctrlPr>
+                          </m:fPr>
+                          <m:num>
+                            <m:r>
+                              <a:rPr lang="en-US" altLang="zh-TW" b="0" i="1" smtClean="0">
+                                <a:latin typeface="Cambria Math" panose="02040503050406030204" pitchFamily="18" charset="0"/>
+                              </a:rPr>
+                              <m:t>𝑘</m:t>
+                            </m:r>
+                          </m:num>
+                          <m:den>
+                            <m:r>
+                              <a:rPr lang="en-US" altLang="zh-TW" b="0" i="1" smtClean="0">
+                                <a:latin typeface="Cambria Math" panose="02040503050406030204" pitchFamily="18" charset="0"/>
+                              </a:rPr>
+                              <m:t>𝑚</m:t>
+                            </m:r>
+                          </m:den>
+                        </m:f>
+                      </m:e>
+                    </m:rad>
+                  </m:oMath>
+                </a14:m>
+                <a:r>
+                  <a:rPr lang="en-US" altLang="zh-TW" dirty="0" smtClean="0"/>
+                  <a:t>)</a:t>
+                </a:r>
+              </a:p>
+              <a:p>
+                <a:r>
+                  <a:rPr lang="en-US" altLang="zh-TW" dirty="0"/>
+                  <a:t>h</a:t>
+                </a:r>
+                <a:r>
+                  <a:rPr lang="en-US" altLang="zh-TW" dirty="0" smtClean="0"/>
+                  <a:t>: </a:t>
+                </a:r>
+                <a:r>
+                  <a:rPr lang="zh-TW" altLang="en-US" dirty="0"/>
+                  <a:t>阻尼</a:t>
+                </a:r>
+                <a:r>
+                  <a:rPr lang="zh-TW" altLang="en-US" dirty="0" smtClean="0"/>
+                  <a:t>常數</a:t>
+                </a:r>
+                <a:r>
+                  <a:rPr lang="en-US" altLang="zh-TW" dirty="0" smtClean="0"/>
+                  <a:t>(</a:t>
+                </a:r>
+                <a14:m>
+                  <m:oMath xmlns:m="http://schemas.openxmlformats.org/officeDocument/2006/math">
+                    <m:sSub>
+                      <m:sSubPr>
+                        <m:ctrlPr>
+                          <a:rPr lang="en-US" altLang="zh-TW" i="1" smtClean="0">
+                            <a:latin typeface="Cambria Math" panose="02040503050406030204" pitchFamily="18" charset="0"/>
+                          </a:rPr>
+                        </m:ctrlPr>
+                      </m:sSubPr>
+                      <m:e>
+                        <m:r>
+                          <a:rPr lang="en-US" altLang="zh-TW" b="0" i="1" smtClean="0">
+                            <a:latin typeface="Cambria Math" panose="02040503050406030204" pitchFamily="18" charset="0"/>
+                          </a:rPr>
+                          <m:t>h</m:t>
+                        </m:r>
+                      </m:e>
+                      <m:sub>
+                        <m:r>
+                          <a:rPr lang="en-US" altLang="zh-TW" b="0" i="1" smtClean="0">
+                            <a:latin typeface="Cambria Math" panose="02040503050406030204" pitchFamily="18" charset="0"/>
+                          </a:rPr>
+                          <m:t>0</m:t>
+                        </m:r>
+                      </m:sub>
+                    </m:sSub>
+                    <m:r>
+                      <a:rPr lang="en-US" altLang="zh-TW" b="0" i="1" smtClean="0">
+                        <a:latin typeface="Cambria Math" panose="02040503050406030204" pitchFamily="18" charset="0"/>
+                      </a:rPr>
+                      <m:t>+</m:t>
+                    </m:r>
+                    <m:f>
+                      <m:fPr>
+                        <m:ctrlPr>
+                          <a:rPr lang="en-US" altLang="zh-TW" b="0" i="1" smtClean="0">
+                            <a:latin typeface="Cambria Math" panose="02040503050406030204" pitchFamily="18" charset="0"/>
+                          </a:rPr>
+                        </m:ctrlPr>
+                      </m:fPr>
+                      <m:num>
+                        <m:sSup>
+                          <m:sSupPr>
+                            <m:ctrlPr>
+                              <a:rPr lang="en-US" altLang="zh-TW" b="0" i="1" smtClean="0">
+                                <a:latin typeface="Cambria Math" panose="02040503050406030204" pitchFamily="18" charset="0"/>
+                              </a:rPr>
+                            </m:ctrlPr>
+                          </m:sSupPr>
+                          <m:e>
+                            <m:r>
+                              <a:rPr lang="en-US" altLang="zh-TW" b="0" i="1" smtClean="0">
+                                <a:latin typeface="Cambria Math" panose="02040503050406030204" pitchFamily="18" charset="0"/>
+                              </a:rPr>
+                              <m:t>𝐺</m:t>
+                            </m:r>
+                          </m:e>
+                          <m:sup>
+                            <m:r>
+                              <a:rPr lang="en-US" altLang="zh-TW" b="0" i="1" smtClean="0">
+                                <a:latin typeface="Cambria Math" panose="02040503050406030204" pitchFamily="18" charset="0"/>
+                              </a:rPr>
+                              <m:t>2</m:t>
+                            </m:r>
+                          </m:sup>
+                        </m:sSup>
+                      </m:num>
+                      <m:den>
+                        <m:r>
+                          <a:rPr lang="en-US" altLang="zh-TW" b="0" i="1" smtClean="0">
+                            <a:latin typeface="Cambria Math" panose="02040503050406030204" pitchFamily="18" charset="0"/>
+                          </a:rPr>
+                          <m:t>2</m:t>
+                        </m:r>
+                        <m:r>
+                          <a:rPr lang="en-US" altLang="zh-TW" b="0" i="1" smtClean="0">
+                            <a:latin typeface="Cambria Math" panose="02040503050406030204" pitchFamily="18" charset="0"/>
+                          </a:rPr>
+                          <m:t>𝑚𝑅</m:t>
+                        </m:r>
+                        <m:sSub>
+                          <m:sSubPr>
+                            <m:ctrlPr>
+                              <a:rPr lang="en-US" altLang="zh-TW" b="0" i="1" smtClean="0">
+                                <a:latin typeface="Cambria Math" panose="02040503050406030204" pitchFamily="18" charset="0"/>
+                              </a:rPr>
+                            </m:ctrlPr>
+                          </m:sSubPr>
+                          <m:e>
+                            <m:r>
+                              <a:rPr lang="zh-TW" altLang="en-US" b="0" i="1" smtClean="0">
+                                <a:latin typeface="Cambria Math" panose="02040503050406030204" pitchFamily="18" charset="0"/>
+                              </a:rPr>
+                              <m:t>𝜔</m:t>
+                            </m:r>
+                          </m:e>
+                          <m:sub>
+                            <m:r>
+                              <a:rPr lang="en-US" altLang="zh-TW" b="0" i="1" smtClean="0">
+                                <a:latin typeface="Cambria Math" panose="02040503050406030204" pitchFamily="18" charset="0"/>
+                              </a:rPr>
+                              <m:t>0</m:t>
+                            </m:r>
+                          </m:sub>
+                        </m:sSub>
+                      </m:den>
+                    </m:f>
+                  </m:oMath>
+                </a14:m>
+                <a:r>
+                  <a:rPr lang="en-US" altLang="zh-TW" dirty="0" smtClean="0"/>
+                  <a:t>)</a:t>
+                </a:r>
+              </a:p>
+              <a:p>
+                <a:endParaRPr lang="zh-TW" altLang="en-US" dirty="0"/>
+              </a:p>
+            </p:txBody>
+          </p:sp>
+        </mc:Choice>
+        <mc:Fallback>
+          <p:sp>
+            <p:nvSpPr>
+              <p:cNvPr id="5" name="文字方塊 4"/>
+              <p:cNvSpPr txBox="1">
+                <a:spLocks noRot="1" noChangeAspect="1" noMove="1" noResize="1" noEditPoints="1" noAdjustHandles="1" noChangeArrowheads="1" noChangeShapeType="1" noTextEdit="1"/>
+              </p:cNvSpPr>
+              <p:nvPr/>
+            </p:nvSpPr>
+            <p:spPr>
+              <a:xfrm>
+                <a:off x="752505" y="3342806"/>
+                <a:ext cx="4134288" cy="1685783"/>
+              </a:xfrm>
+              <a:prstGeom prst="rect">
+                <a:avLst/>
+              </a:prstGeom>
+              <a:blipFill>
+                <a:blip r:embed="rId3"/>
+                <a:stretch>
+                  <a:fillRect l="-1178" t="-1805"/>
+                </a:stretch>
+              </a:blipFill>
+            </p:spPr>
+            <p:txBody>
+              <a:bodyPr/>
+              <a:lstStyle/>
+              <a:p>
+                <a:r>
+                  <a:rPr lang="zh-TW" altLang="en-US">
+                    <a:noFill/>
+                  </a:rPr>
+                  <a:t> </a:t>
+                </a:r>
+              </a:p>
+            </p:txBody>
+          </p:sp>
+        </mc:Fallback>
+      </mc:AlternateContent>
+      <p:pic>
+        <p:nvPicPr>
+          <p:cNvPr id="6" name="Picture 2" descr="iT 邦幫忙::一起幫忙解決難題，拯救IT 人的一天">
+            <a:extLst>
+              <a:ext uri="{FF2B5EF4-FFF2-40B4-BE49-F238E27FC236}">
+                <a16:creationId xmlns:a16="http://schemas.microsoft.com/office/drawing/2014/main" id="{0DF53442-E3BB-4D63-8D63-485584CA4A76}"/>
+              </a:ext>
+            </a:extLst>
+          </p:cNvPr>
+          <p:cNvPicPr>
+            <a:picLocks noChangeAspect="1" noChangeArrowheads="1"/>
+          </p:cNvPicPr>
+          <p:nvPr/>
+        </p:nvPicPr>
+        <p:blipFill>
+          <a:blip r:embed="rId4">
+            <a:extLst>
+              <a:ext uri="{28A0092B-C50C-407E-A947-70E740481C1C}">
+                <a14:useLocalDpi xmlns:a14="http://schemas.microsoft.com/office/drawing/2010/main" val="0"/>
+              </a:ext>
+            </a:extLst>
+          </a:blip>
+          <a:srcRect/>
+          <a:stretch>
+            <a:fillRect/>
+          </a:stretch>
+        </p:blipFill>
+        <p:spPr bwMode="auto">
+          <a:xfrm>
+            <a:off x="8690492" y="265894"/>
+            <a:ext cx="3056890" cy="2139823"/>
+          </a:xfrm>
+          <a:prstGeom prst="rect">
+            <a:avLst/>
+          </a:prstGeom>
+          <a:noFill/>
+          <a:extLst>
+            <a:ext uri="{909E8E84-426E-40DD-AFC4-6F175D3DCCD1}">
+              <a14:hiddenFill xmlns:a14="http://schemas.microsoft.com/office/drawing/2010/main">
+                <a:solidFill>
+                  <a:srgbClr val="FFFFFF"/>
+                </a:solidFill>
+              </a14:hiddenFill>
+            </a:ext>
+          </a:extLst>
+        </p:spPr>
+      </p:pic>
+      <p:grpSp>
+        <p:nvGrpSpPr>
+          <p:cNvPr id="11" name="群組 10"/>
+          <p:cNvGrpSpPr/>
+          <p:nvPr/>
+        </p:nvGrpSpPr>
+        <p:grpSpPr>
+          <a:xfrm>
+            <a:off x="8063787" y="2836476"/>
+            <a:ext cx="3983398" cy="2177827"/>
+            <a:chOff x="7763984" y="2449080"/>
+            <a:chExt cx="3983398" cy="2177827"/>
+          </a:xfrm>
+        </p:grpSpPr>
+        <mc:AlternateContent xmlns:mc="http://schemas.openxmlformats.org/markup-compatibility/2006">
+          <mc:Choice xmlns:a14="http://schemas.microsoft.com/office/drawing/2010/main" Requires="a14">
+            <p:sp>
+              <p:nvSpPr>
+                <p:cNvPr id="7" name="矩形 6"/>
+                <p:cNvSpPr/>
+                <p:nvPr/>
+              </p:nvSpPr>
+              <p:spPr>
+                <a:xfrm>
+                  <a:off x="7763984" y="2818412"/>
+                  <a:ext cx="2364302" cy="387927"/>
+                </a:xfrm>
+                <a:prstGeom prst="rect">
+                  <a:avLst/>
+                </a:prstGeom>
+              </p:spPr>
+              <p:txBody>
+                <a:bodyPr wrap="none">
+                  <a:spAutoFit/>
+                </a:bodyPr>
+                <a:lstStyle/>
+                <a:p>
+                  <a14:m>
+                    <m:oMathPara xmlns:m="http://schemas.openxmlformats.org/officeDocument/2006/math">
+                      <m:oMathParaPr>
+                        <m:jc m:val="centerGroup"/>
+                      </m:oMathParaPr>
+                      <m:oMath xmlns:m="http://schemas.openxmlformats.org/officeDocument/2006/math">
+                        <m:r>
+                          <a:rPr lang="en-US" altLang="zh-TW" b="0" i="1" smtClean="0">
+                            <a:latin typeface="Cambria Math" panose="02040503050406030204" pitchFamily="18" charset="0"/>
+                          </a:rPr>
+                          <m:t>𝐸</m:t>
+                        </m:r>
+                        <m:d>
+                          <m:dPr>
+                            <m:ctrlPr>
+                              <a:rPr lang="zh-TW" altLang="en-US" i="1">
+                                <a:latin typeface="Cambria Math" panose="02040503050406030204" pitchFamily="18" charset="0"/>
+                              </a:rPr>
+                            </m:ctrlPr>
+                          </m:dPr>
+                          <m:e>
+                            <m:r>
+                              <a:rPr lang="zh-TW" altLang="en-US" i="1">
+                                <a:latin typeface="Cambria Math" panose="02040503050406030204" pitchFamily="18" charset="0"/>
+                              </a:rPr>
+                              <m:t>𝜔</m:t>
+                            </m:r>
+                          </m:e>
+                        </m:d>
+                        <m:r>
+                          <a:rPr lang="zh-TW" altLang="en-US" i="0">
+                            <a:latin typeface="Cambria Math" panose="02040503050406030204" pitchFamily="18" charset="0"/>
+                          </a:rPr>
+                          <m:t>=</m:t>
+                        </m:r>
+                        <m:sSub>
+                          <m:sSubPr>
+                            <m:ctrlPr>
+                              <a:rPr lang="zh-TW" altLang="en-US" i="1">
+                                <a:latin typeface="Cambria Math" panose="02040503050406030204" pitchFamily="18" charset="0"/>
+                              </a:rPr>
+                            </m:ctrlPr>
+                          </m:sSubPr>
+                          <m:e>
+                            <m:r>
+                              <a:rPr lang="zh-TW" altLang="en-US" i="1">
+                                <a:latin typeface="Cambria Math" panose="02040503050406030204" pitchFamily="18" charset="0"/>
+                              </a:rPr>
+                              <m:t>𝐴</m:t>
+                            </m:r>
+                          </m:e>
+                          <m:sub>
+                            <m:r>
+                              <a:rPr lang="zh-TW" altLang="en-US" i="0">
+                                <a:latin typeface="Cambria Math" panose="02040503050406030204" pitchFamily="18" charset="0"/>
+                              </a:rPr>
+                              <m:t>1</m:t>
+                            </m:r>
+                          </m:sub>
+                        </m:sSub>
+                        <m:r>
+                          <a:rPr lang="zh-TW" altLang="en-US" i="0">
+                            <a:latin typeface="Cambria Math" panose="02040503050406030204" pitchFamily="18" charset="0"/>
+                          </a:rPr>
+                          <m:t>(</m:t>
+                        </m:r>
+                        <m:r>
+                          <a:rPr lang="zh-TW" altLang="en-US" i="1">
+                            <a:latin typeface="Cambria Math" panose="02040503050406030204" pitchFamily="18" charset="0"/>
+                          </a:rPr>
+                          <m:t>𝜔</m:t>
+                        </m:r>
+                        <m:r>
+                          <a:rPr lang="zh-TW" altLang="en-US" i="0">
+                            <a:latin typeface="Cambria Math" panose="02040503050406030204" pitchFamily="18" charset="0"/>
+                          </a:rPr>
+                          <m:t>)</m:t>
+                        </m:r>
+                        <m:sSup>
+                          <m:sSupPr>
+                            <m:ctrlPr>
+                              <a:rPr lang="zh-TW" altLang="en-US" i="1">
+                                <a:latin typeface="Cambria Math" panose="02040503050406030204" pitchFamily="18" charset="0"/>
+                              </a:rPr>
+                            </m:ctrlPr>
+                          </m:sSupPr>
+                          <m:e>
+                            <m:r>
+                              <a:rPr lang="zh-TW" altLang="en-US" i="1">
+                                <a:latin typeface="Cambria Math" panose="02040503050406030204" pitchFamily="18" charset="0"/>
+                              </a:rPr>
+                              <m:t>𝑒</m:t>
+                            </m:r>
+                          </m:e>
+                          <m:sup>
+                            <m:d>
+                              <m:dPr>
+                                <m:begChr m:val=""/>
+                                <m:ctrlPr>
+                                  <a:rPr lang="zh-TW" altLang="en-US" i="1">
+                                    <a:latin typeface="Cambria Math" panose="02040503050406030204" pitchFamily="18" charset="0"/>
+                                  </a:rPr>
+                                </m:ctrlPr>
+                              </m:dPr>
+                              <m:e>
+                                <m:r>
+                                  <a:rPr lang="zh-TW" altLang="en-US" i="1">
+                                    <a:latin typeface="Cambria Math" panose="02040503050406030204" pitchFamily="18" charset="0"/>
+                                  </a:rPr>
+                                  <m:t>𝑖</m:t>
+                                </m:r>
+                                <m:sSub>
+                                  <m:sSubPr>
+                                    <m:ctrlPr>
+                                      <a:rPr lang="zh-TW" altLang="en-US" i="1">
+                                        <a:latin typeface="Cambria Math" panose="02040503050406030204" pitchFamily="18" charset="0"/>
+                                      </a:rPr>
+                                    </m:ctrlPr>
+                                  </m:sSubPr>
+                                  <m:e>
+                                    <m:r>
+                                      <a:rPr lang="zh-TW" altLang="en-US" i="1">
+                                        <a:latin typeface="Cambria Math" panose="02040503050406030204" pitchFamily="18" charset="0"/>
+                                      </a:rPr>
+                                      <m:t>𝜑</m:t>
+                                    </m:r>
+                                  </m:e>
+                                  <m:sub>
+                                    <m:r>
+                                      <a:rPr lang="zh-TW" altLang="en-US" i="0">
+                                        <a:latin typeface="Cambria Math" panose="02040503050406030204" pitchFamily="18" charset="0"/>
+                                      </a:rPr>
+                                      <m:t>1</m:t>
+                                    </m:r>
+                                  </m:sub>
+                                </m:sSub>
+                                <m:r>
+                                  <a:rPr lang="zh-TW" altLang="en-US" i="0">
+                                    <a:latin typeface="Cambria Math" panose="02040503050406030204" pitchFamily="18" charset="0"/>
+                                  </a:rPr>
+                                  <m:t>(</m:t>
+                                </m:r>
+                                <m:r>
+                                  <a:rPr lang="zh-TW" altLang="en-US" i="1">
+                                    <a:latin typeface="Cambria Math" panose="02040503050406030204" pitchFamily="18" charset="0"/>
+                                  </a:rPr>
+                                  <m:t>𝜔</m:t>
+                                </m:r>
+                              </m:e>
+                            </m:d>
+                          </m:sup>
+                        </m:sSup>
+                      </m:oMath>
+                    </m:oMathPara>
+                  </a14:m>
+                  <a:endParaRPr lang="zh-TW" altLang="en-US" dirty="0"/>
+                </a:p>
+              </p:txBody>
+            </p:sp>
+          </mc:Choice>
+          <mc:Fallback>
+            <p:sp>
+              <p:nvSpPr>
+                <p:cNvPr id="7" name="矩形 6"/>
+                <p:cNvSpPr>
+                  <a:spLocks noRot="1" noChangeAspect="1" noMove="1" noResize="1" noEditPoints="1" noAdjustHandles="1" noChangeArrowheads="1" noChangeShapeType="1" noTextEdit="1"/>
+                </p:cNvSpPr>
+                <p:nvPr/>
+              </p:nvSpPr>
+              <p:spPr>
+                <a:xfrm>
+                  <a:off x="7763984" y="2818412"/>
+                  <a:ext cx="2364302" cy="387927"/>
+                </a:xfrm>
+                <a:prstGeom prst="rect">
+                  <a:avLst/>
+                </a:prstGeom>
+                <a:blipFill>
+                  <a:blip r:embed="rId5"/>
+                  <a:stretch>
+                    <a:fillRect t="-85938" r="-15206" b="-100000"/>
+                  </a:stretch>
+                </a:blipFill>
+              </p:spPr>
+              <p:txBody>
+                <a:bodyPr/>
+                <a:lstStyle/>
+                <a:p>
+                  <a:r>
+                    <a:rPr lang="zh-TW" altLang="en-US">
+                      <a:noFill/>
+                    </a:rPr>
+                    <a:t> </a:t>
+                  </a:r>
+                </a:p>
+              </p:txBody>
+            </p:sp>
+          </mc:Fallback>
+        </mc:AlternateContent>
+        <mc:AlternateContent xmlns:mc="http://schemas.openxmlformats.org/markup-compatibility/2006">
+          <mc:Choice xmlns:a14="http://schemas.microsoft.com/office/drawing/2010/main" Requires="a14">
+            <p:sp>
+              <p:nvSpPr>
+                <p:cNvPr id="8" name="矩形 7"/>
+                <p:cNvSpPr/>
+                <p:nvPr/>
+              </p:nvSpPr>
+              <p:spPr>
+                <a:xfrm>
+                  <a:off x="7763984" y="3346555"/>
+                  <a:ext cx="3195811" cy="387927"/>
+                </a:xfrm>
+                <a:prstGeom prst="rect">
+                  <a:avLst/>
+                </a:prstGeom>
+              </p:spPr>
+              <p:txBody>
+                <a:bodyPr wrap="none">
+                  <a:spAutoFit/>
+                </a:bodyPr>
+                <a:lstStyle/>
+                <a:p>
+                  <a14:m>
+                    <m:oMathPara xmlns:m="http://schemas.openxmlformats.org/officeDocument/2006/math">
+                      <m:oMathParaPr>
+                        <m:jc m:val="centerGroup"/>
+                      </m:oMathParaPr>
+                      <m:oMath xmlns:m="http://schemas.openxmlformats.org/officeDocument/2006/math">
+                        <m:acc>
+                          <m:accPr>
+                            <m:chr m:val="̇"/>
+                            <m:ctrlPr>
+                              <a:rPr lang="en-US" altLang="zh-TW" b="0" i="1" smtClean="0">
+                                <a:latin typeface="Cambria Math" panose="02040503050406030204" pitchFamily="18" charset="0"/>
+                              </a:rPr>
+                            </m:ctrlPr>
+                          </m:accPr>
+                          <m:e>
+                            <m:r>
+                              <a:rPr lang="en-US" altLang="zh-TW" b="0" i="1" smtClean="0">
+                                <a:latin typeface="Cambria Math" panose="02040503050406030204" pitchFamily="18" charset="0"/>
+                              </a:rPr>
+                              <m:t>𝑈</m:t>
+                            </m:r>
+                          </m:e>
+                        </m:acc>
+                        <m:d>
+                          <m:dPr>
+                            <m:ctrlPr>
+                              <a:rPr lang="en-US" altLang="zh-TW" b="0" i="1" smtClean="0">
+                                <a:latin typeface="Cambria Math" panose="02040503050406030204" pitchFamily="18" charset="0"/>
+                              </a:rPr>
+                            </m:ctrlPr>
+                          </m:dPr>
+                          <m:e>
+                            <m:r>
+                              <a:rPr lang="zh-TW" altLang="en-US" b="0" i="1" smtClean="0">
+                                <a:latin typeface="Cambria Math" panose="02040503050406030204" pitchFamily="18" charset="0"/>
+                              </a:rPr>
+                              <m:t>𝜔</m:t>
+                            </m:r>
+                          </m:e>
+                        </m:d>
+                        <m:r>
+                          <a:rPr lang="en-US" altLang="zh-TW" b="0" i="1" smtClean="0">
+                            <a:latin typeface="Cambria Math" panose="02040503050406030204" pitchFamily="18" charset="0"/>
+                          </a:rPr>
+                          <m:t>=</m:t>
+                        </m:r>
+                        <m:r>
+                          <a:rPr lang="en-US" altLang="zh-TW" b="0" i="1" smtClean="0">
+                            <a:latin typeface="Cambria Math" panose="02040503050406030204" pitchFamily="18" charset="0"/>
+                          </a:rPr>
+                          <m:t>𝑉</m:t>
+                        </m:r>
+                        <m:d>
+                          <m:dPr>
+                            <m:ctrlPr>
+                              <a:rPr lang="zh-TW" altLang="en-US" i="1">
+                                <a:latin typeface="Cambria Math" panose="02040503050406030204" pitchFamily="18" charset="0"/>
+                              </a:rPr>
+                            </m:ctrlPr>
+                          </m:dPr>
+                          <m:e>
+                            <m:r>
+                              <a:rPr lang="zh-TW" altLang="en-US" i="1">
+                                <a:latin typeface="Cambria Math" panose="02040503050406030204" pitchFamily="18" charset="0"/>
+                              </a:rPr>
+                              <m:t>𝜔</m:t>
+                            </m:r>
+                          </m:e>
+                        </m:d>
+                        <m:r>
+                          <a:rPr lang="zh-TW" altLang="en-US" i="0">
+                            <a:latin typeface="Cambria Math" panose="02040503050406030204" pitchFamily="18" charset="0"/>
+                          </a:rPr>
+                          <m:t>=</m:t>
+                        </m:r>
+                        <m:sSub>
+                          <m:sSubPr>
+                            <m:ctrlPr>
+                              <a:rPr lang="zh-TW" altLang="en-US" i="1">
+                                <a:latin typeface="Cambria Math" panose="02040503050406030204" pitchFamily="18" charset="0"/>
+                              </a:rPr>
+                            </m:ctrlPr>
+                          </m:sSubPr>
+                          <m:e>
+                            <m:r>
+                              <a:rPr lang="zh-TW" altLang="en-US" i="1">
+                                <a:latin typeface="Cambria Math" panose="02040503050406030204" pitchFamily="18" charset="0"/>
+                              </a:rPr>
+                              <m:t>𝐴</m:t>
+                            </m:r>
+                          </m:e>
+                          <m:sub>
+                            <m:r>
+                              <a:rPr lang="zh-TW" altLang="en-US" i="0">
+                                <a:latin typeface="Cambria Math" panose="02040503050406030204" pitchFamily="18" charset="0"/>
+                              </a:rPr>
+                              <m:t>2</m:t>
+                            </m:r>
+                          </m:sub>
+                        </m:sSub>
+                        <m:r>
+                          <a:rPr lang="zh-TW" altLang="en-US" i="0">
+                            <a:latin typeface="Cambria Math" panose="02040503050406030204" pitchFamily="18" charset="0"/>
+                          </a:rPr>
+                          <m:t>(</m:t>
+                        </m:r>
+                        <m:r>
+                          <a:rPr lang="zh-TW" altLang="en-US" i="1">
+                            <a:latin typeface="Cambria Math" panose="02040503050406030204" pitchFamily="18" charset="0"/>
+                          </a:rPr>
+                          <m:t>𝜔</m:t>
+                        </m:r>
+                        <m:r>
+                          <a:rPr lang="zh-TW" altLang="en-US" i="0">
+                            <a:latin typeface="Cambria Math" panose="02040503050406030204" pitchFamily="18" charset="0"/>
+                          </a:rPr>
+                          <m:t>)</m:t>
+                        </m:r>
+                        <m:sSup>
+                          <m:sSupPr>
+                            <m:ctrlPr>
+                              <a:rPr lang="zh-TW" altLang="en-US" i="1">
+                                <a:latin typeface="Cambria Math" panose="02040503050406030204" pitchFamily="18" charset="0"/>
+                              </a:rPr>
+                            </m:ctrlPr>
+                          </m:sSupPr>
+                          <m:e>
+                            <m:r>
+                              <a:rPr lang="zh-TW" altLang="en-US" i="1">
+                                <a:latin typeface="Cambria Math" panose="02040503050406030204" pitchFamily="18" charset="0"/>
+                              </a:rPr>
+                              <m:t>𝑒</m:t>
+                            </m:r>
+                          </m:e>
+                          <m:sup>
+                            <m:d>
+                              <m:dPr>
+                                <m:begChr m:val=""/>
+                                <m:ctrlPr>
+                                  <a:rPr lang="zh-TW" altLang="en-US" i="1">
+                                    <a:latin typeface="Cambria Math" panose="02040503050406030204" pitchFamily="18" charset="0"/>
+                                  </a:rPr>
+                                </m:ctrlPr>
+                              </m:dPr>
+                              <m:e>
+                                <m:r>
+                                  <a:rPr lang="zh-TW" altLang="en-US" i="1">
+                                    <a:latin typeface="Cambria Math" panose="02040503050406030204" pitchFamily="18" charset="0"/>
+                                  </a:rPr>
+                                  <m:t>𝑖</m:t>
+                                </m:r>
+                                <m:sSub>
+                                  <m:sSubPr>
+                                    <m:ctrlPr>
+                                      <a:rPr lang="zh-TW" altLang="en-US" i="1">
+                                        <a:latin typeface="Cambria Math" panose="02040503050406030204" pitchFamily="18" charset="0"/>
+                                      </a:rPr>
+                                    </m:ctrlPr>
+                                  </m:sSubPr>
+                                  <m:e>
+                                    <m:r>
+                                      <a:rPr lang="zh-TW" altLang="en-US" i="1">
+                                        <a:latin typeface="Cambria Math" panose="02040503050406030204" pitchFamily="18" charset="0"/>
+                                      </a:rPr>
+                                      <m:t>𝜑</m:t>
+                                    </m:r>
+                                  </m:e>
+                                  <m:sub>
+                                    <m:r>
+                                      <a:rPr lang="zh-TW" altLang="en-US" i="0">
+                                        <a:latin typeface="Cambria Math" panose="02040503050406030204" pitchFamily="18" charset="0"/>
+                                      </a:rPr>
+                                      <m:t>2</m:t>
+                                    </m:r>
+                                  </m:sub>
+                                </m:sSub>
+                                <m:r>
+                                  <a:rPr lang="zh-TW" altLang="en-US" i="0">
+                                    <a:latin typeface="Cambria Math" panose="02040503050406030204" pitchFamily="18" charset="0"/>
+                                  </a:rPr>
+                                  <m:t>(</m:t>
+                                </m:r>
+                                <m:r>
+                                  <a:rPr lang="zh-TW" altLang="en-US" i="1">
+                                    <a:latin typeface="Cambria Math" panose="02040503050406030204" pitchFamily="18" charset="0"/>
+                                  </a:rPr>
+                                  <m:t>𝜔</m:t>
+                                </m:r>
+                              </m:e>
+                            </m:d>
+                          </m:sup>
+                        </m:sSup>
+                      </m:oMath>
+                    </m:oMathPara>
+                  </a14:m>
+                  <a:endParaRPr lang="zh-TW" altLang="en-US" dirty="0"/>
+                </a:p>
+              </p:txBody>
+            </p:sp>
+          </mc:Choice>
+          <mc:Fallback>
+            <p:sp>
+              <p:nvSpPr>
+                <p:cNvPr id="8" name="矩形 7"/>
+                <p:cNvSpPr>
+                  <a:spLocks noRot="1" noChangeAspect="1" noMove="1" noResize="1" noEditPoints="1" noAdjustHandles="1" noChangeArrowheads="1" noChangeShapeType="1" noTextEdit="1"/>
+                </p:cNvSpPr>
+                <p:nvPr/>
+              </p:nvSpPr>
+              <p:spPr>
+                <a:xfrm>
+                  <a:off x="7763984" y="3346555"/>
+                  <a:ext cx="3195811" cy="387927"/>
+                </a:xfrm>
+                <a:prstGeom prst="rect">
+                  <a:avLst/>
+                </a:prstGeom>
+                <a:blipFill>
+                  <a:blip r:embed="rId6"/>
+                  <a:stretch>
+                    <a:fillRect t="-87302" r="-11069" b="-103175"/>
+                  </a:stretch>
+                </a:blipFill>
+              </p:spPr>
+              <p:txBody>
+                <a:bodyPr/>
+                <a:lstStyle/>
+                <a:p>
+                  <a:r>
+                    <a:rPr lang="zh-TW" altLang="en-US">
+                      <a:noFill/>
+                    </a:rPr>
+                    <a:t> </a:t>
+                  </a:r>
+                </a:p>
+              </p:txBody>
+            </p:sp>
+          </mc:Fallback>
+        </mc:AlternateContent>
+        <mc:AlternateContent xmlns:mc="http://schemas.openxmlformats.org/markup-compatibility/2006">
+          <mc:Choice xmlns:a14="http://schemas.microsoft.com/office/drawing/2010/main" Requires="a14">
+            <p:sp>
+              <p:nvSpPr>
+                <p:cNvPr id="9" name="矩形 8"/>
+                <p:cNvSpPr/>
+                <p:nvPr/>
+              </p:nvSpPr>
+              <p:spPr>
+                <a:xfrm>
+                  <a:off x="7763984" y="3947875"/>
+                  <a:ext cx="3983398" cy="679032"/>
+                </a:xfrm>
+                <a:prstGeom prst="rect">
+                  <a:avLst/>
+                </a:prstGeom>
+              </p:spPr>
+              <p:txBody>
+                <a:bodyPr wrap="none">
+                  <a:spAutoFit/>
+                </a:bodyPr>
+                <a:lstStyle/>
+                <a:p>
+                  <a14:m>
+                    <m:oMathPara xmlns:m="http://schemas.openxmlformats.org/officeDocument/2006/math">
+                      <m:oMathParaPr>
+                        <m:jc m:val="centerGroup"/>
+                      </m:oMathParaPr>
+                      <m:oMath xmlns:m="http://schemas.openxmlformats.org/officeDocument/2006/math">
+                        <m:r>
+                          <a:rPr lang="zh-TW" altLang="en-US" i="1" smtClean="0">
+                            <a:latin typeface="Cambria Math" panose="02040503050406030204" pitchFamily="18" charset="0"/>
+                          </a:rPr>
+                          <m:t>𝑇</m:t>
+                        </m:r>
+                        <m:d>
+                          <m:dPr>
+                            <m:ctrlPr>
+                              <a:rPr lang="zh-TW" altLang="en-US" i="1">
+                                <a:latin typeface="Cambria Math" panose="02040503050406030204" pitchFamily="18" charset="0"/>
+                              </a:rPr>
+                            </m:ctrlPr>
+                          </m:dPr>
+                          <m:e>
+                            <m:r>
+                              <a:rPr lang="zh-TW" altLang="en-US" i="1">
+                                <a:latin typeface="Cambria Math" panose="02040503050406030204" pitchFamily="18" charset="0"/>
+                              </a:rPr>
+                              <m:t>𝜔</m:t>
+                            </m:r>
+                          </m:e>
+                        </m:d>
+                        <m:r>
+                          <a:rPr lang="zh-TW" altLang="en-US" i="0">
+                            <a:latin typeface="Cambria Math" panose="02040503050406030204" pitchFamily="18" charset="0"/>
+                          </a:rPr>
+                          <m:t>=</m:t>
+                        </m:r>
+                        <m:f>
+                          <m:fPr>
+                            <m:ctrlPr>
+                              <a:rPr lang="zh-TW" altLang="en-US" i="1">
+                                <a:latin typeface="Cambria Math" panose="02040503050406030204" pitchFamily="18" charset="0"/>
+                              </a:rPr>
+                            </m:ctrlPr>
+                          </m:fPr>
+                          <m:num>
+                            <m:r>
+                              <a:rPr lang="en-US" altLang="zh-TW" b="0" i="1" smtClean="0">
+                                <a:latin typeface="Cambria Math" panose="02040503050406030204" pitchFamily="18" charset="0"/>
+                              </a:rPr>
+                              <m:t>𝐸</m:t>
+                            </m:r>
+                            <m:d>
+                              <m:dPr>
+                                <m:ctrlPr>
+                                  <a:rPr lang="zh-TW" altLang="en-US" i="1">
+                                    <a:latin typeface="Cambria Math" panose="02040503050406030204" pitchFamily="18" charset="0"/>
+                                  </a:rPr>
+                                </m:ctrlPr>
+                              </m:dPr>
+                              <m:e>
+                                <m:r>
+                                  <a:rPr lang="zh-TW" altLang="en-US" i="1">
+                                    <a:latin typeface="Cambria Math" panose="02040503050406030204" pitchFamily="18" charset="0"/>
+                                  </a:rPr>
+                                  <m:t>𝜔</m:t>
+                                </m:r>
+                              </m:e>
+                            </m:d>
+                          </m:num>
+                          <m:den>
+                            <m:r>
+                              <a:rPr lang="en-US" altLang="zh-TW" b="0" i="1" smtClean="0">
+                                <a:latin typeface="Cambria Math" panose="02040503050406030204" pitchFamily="18" charset="0"/>
+                              </a:rPr>
+                              <m:t>𝑉</m:t>
+                            </m:r>
+                            <m:d>
+                              <m:dPr>
+                                <m:ctrlPr>
+                                  <a:rPr lang="zh-TW" altLang="en-US" i="1">
+                                    <a:latin typeface="Cambria Math" panose="02040503050406030204" pitchFamily="18" charset="0"/>
+                                  </a:rPr>
+                                </m:ctrlPr>
+                              </m:dPr>
+                              <m:e>
+                                <m:r>
+                                  <a:rPr lang="zh-TW" altLang="en-US" i="1">
+                                    <a:latin typeface="Cambria Math" panose="02040503050406030204" pitchFamily="18" charset="0"/>
+                                  </a:rPr>
+                                  <m:t>𝜔</m:t>
+                                </m:r>
+                              </m:e>
+                            </m:d>
+                          </m:den>
+                        </m:f>
+                        <m:r>
+                          <a:rPr lang="zh-TW" altLang="en-US" i="0">
+                            <a:latin typeface="Cambria Math" panose="02040503050406030204" pitchFamily="18" charset="0"/>
+                          </a:rPr>
+                          <m:t>=</m:t>
+                        </m:r>
+                        <m:f>
+                          <m:fPr>
+                            <m:ctrlPr>
+                              <a:rPr lang="zh-TW" altLang="en-US" i="1">
+                                <a:latin typeface="Cambria Math" panose="02040503050406030204" pitchFamily="18" charset="0"/>
+                              </a:rPr>
+                            </m:ctrlPr>
+                          </m:fPr>
+                          <m:num>
+                            <m:d>
+                              <m:dPr>
+                                <m:begChr m:val=""/>
+                                <m:ctrlPr>
+                                  <a:rPr lang="zh-TW" altLang="en-US" i="1">
+                                    <a:latin typeface="Cambria Math" panose="02040503050406030204" pitchFamily="18" charset="0"/>
+                                  </a:rPr>
+                                </m:ctrlPr>
+                              </m:dPr>
+                              <m:e>
+                                <m:sSub>
+                                  <m:sSubPr>
+                                    <m:ctrlPr>
+                                      <a:rPr lang="zh-TW" altLang="en-US" i="1">
+                                        <a:latin typeface="Cambria Math" panose="02040503050406030204" pitchFamily="18" charset="0"/>
+                                      </a:rPr>
+                                    </m:ctrlPr>
+                                  </m:sSubPr>
+                                  <m:e>
+                                    <m:r>
+                                      <a:rPr lang="zh-TW" altLang="en-US" i="1">
+                                        <a:latin typeface="Cambria Math" panose="02040503050406030204" pitchFamily="18" charset="0"/>
+                                      </a:rPr>
+                                      <m:t>𝐴</m:t>
+                                    </m:r>
+                                  </m:e>
+                                  <m:sub>
+                                    <m:r>
+                                      <a:rPr lang="zh-TW" altLang="en-US" i="0">
+                                        <a:latin typeface="Cambria Math" panose="02040503050406030204" pitchFamily="18" charset="0"/>
+                                      </a:rPr>
+                                      <m:t>1</m:t>
+                                    </m:r>
+                                  </m:sub>
+                                </m:sSub>
+                                <m:r>
+                                  <a:rPr lang="zh-TW" altLang="en-US" i="0">
+                                    <a:latin typeface="Cambria Math" panose="02040503050406030204" pitchFamily="18" charset="0"/>
+                                  </a:rPr>
+                                  <m:t>(</m:t>
+                                </m:r>
+                                <m:r>
+                                  <a:rPr lang="zh-TW" altLang="en-US" i="1">
+                                    <a:latin typeface="Cambria Math" panose="02040503050406030204" pitchFamily="18" charset="0"/>
+                                  </a:rPr>
+                                  <m:t>𝜔</m:t>
+                                </m:r>
+                              </m:e>
+                            </m:d>
+                          </m:num>
+                          <m:den>
+                            <m:d>
+                              <m:dPr>
+                                <m:begChr m:val=""/>
+                                <m:ctrlPr>
+                                  <a:rPr lang="zh-TW" altLang="en-US" i="1">
+                                    <a:latin typeface="Cambria Math" panose="02040503050406030204" pitchFamily="18" charset="0"/>
+                                  </a:rPr>
+                                </m:ctrlPr>
+                              </m:dPr>
+                              <m:e>
+                                <m:sSub>
+                                  <m:sSubPr>
+                                    <m:ctrlPr>
+                                      <a:rPr lang="zh-TW" altLang="en-US" i="1">
+                                        <a:latin typeface="Cambria Math" panose="02040503050406030204" pitchFamily="18" charset="0"/>
+                                      </a:rPr>
+                                    </m:ctrlPr>
+                                  </m:sSubPr>
+                                  <m:e>
+                                    <m:r>
+                                      <a:rPr lang="zh-TW" altLang="en-US" i="1">
+                                        <a:latin typeface="Cambria Math" panose="02040503050406030204" pitchFamily="18" charset="0"/>
+                                      </a:rPr>
+                                      <m:t>𝐴</m:t>
+                                    </m:r>
+                                  </m:e>
+                                  <m:sub>
+                                    <m:r>
+                                      <a:rPr lang="zh-TW" altLang="en-US" i="0">
+                                        <a:latin typeface="Cambria Math" panose="02040503050406030204" pitchFamily="18" charset="0"/>
+                                      </a:rPr>
+                                      <m:t>2</m:t>
+                                    </m:r>
+                                  </m:sub>
+                                </m:sSub>
+                                <m:r>
+                                  <a:rPr lang="zh-TW" altLang="en-US" i="0">
+                                    <a:latin typeface="Cambria Math" panose="02040503050406030204" pitchFamily="18" charset="0"/>
+                                  </a:rPr>
+                                  <m:t>(</m:t>
+                                </m:r>
+                                <m:r>
+                                  <a:rPr lang="zh-TW" altLang="en-US" i="1">
+                                    <a:latin typeface="Cambria Math" panose="02040503050406030204" pitchFamily="18" charset="0"/>
+                                  </a:rPr>
+                                  <m:t>𝜔</m:t>
+                                </m:r>
+                              </m:e>
+                            </m:d>
+                          </m:den>
+                        </m:f>
+                        <m:sSup>
+                          <m:sSupPr>
+                            <m:ctrlPr>
+                              <a:rPr lang="zh-TW" altLang="en-US" i="1">
+                                <a:latin typeface="Cambria Math" panose="02040503050406030204" pitchFamily="18" charset="0"/>
+                              </a:rPr>
+                            </m:ctrlPr>
+                          </m:sSupPr>
+                          <m:e>
+                            <m:r>
+                              <a:rPr lang="zh-TW" altLang="en-US" i="1">
+                                <a:latin typeface="Cambria Math" panose="02040503050406030204" pitchFamily="18" charset="0"/>
+                              </a:rPr>
+                              <m:t>𝑒</m:t>
+                            </m:r>
+                          </m:e>
+                          <m:sup>
+                            <m:d>
+                              <m:dPr>
+                                <m:begChr m:val=""/>
+                                <m:ctrlPr>
+                                  <a:rPr lang="zh-TW" altLang="en-US" i="1">
+                                    <a:latin typeface="Cambria Math" panose="02040503050406030204" pitchFamily="18" charset="0"/>
+                                  </a:rPr>
+                                </m:ctrlPr>
+                              </m:dPr>
+                              <m:e>
+                                <m:r>
+                                  <a:rPr lang="zh-TW" altLang="en-US" i="1">
+                                    <a:latin typeface="Cambria Math" panose="02040503050406030204" pitchFamily="18" charset="0"/>
+                                  </a:rPr>
+                                  <m:t>𝑖</m:t>
+                                </m:r>
+                                <m:r>
+                                  <a:rPr lang="zh-TW" altLang="en-US" i="0">
+                                    <a:latin typeface="Cambria Math" panose="02040503050406030204" pitchFamily="18" charset="0"/>
+                                  </a:rPr>
+                                  <m:t>(</m:t>
+                                </m:r>
+                                <m:sSub>
+                                  <m:sSubPr>
+                                    <m:ctrlPr>
+                                      <a:rPr lang="zh-TW" altLang="en-US" i="1">
+                                        <a:latin typeface="Cambria Math" panose="02040503050406030204" pitchFamily="18" charset="0"/>
+                                      </a:rPr>
+                                    </m:ctrlPr>
+                                  </m:sSubPr>
+                                  <m:e>
+                                    <m:r>
+                                      <a:rPr lang="zh-TW" altLang="en-US" i="1">
+                                        <a:latin typeface="Cambria Math" panose="02040503050406030204" pitchFamily="18" charset="0"/>
+                                      </a:rPr>
+                                      <m:t>𝜑</m:t>
+                                    </m:r>
+                                  </m:e>
+                                  <m:sub>
+                                    <m:r>
+                                      <a:rPr lang="zh-TW" altLang="en-US" i="0">
+                                        <a:latin typeface="Cambria Math" panose="02040503050406030204" pitchFamily="18" charset="0"/>
+                                      </a:rPr>
+                                      <m:t>1</m:t>
+                                    </m:r>
+                                  </m:sub>
+                                </m:sSub>
+                                <m:d>
+                                  <m:dPr>
+                                    <m:ctrlPr>
+                                      <a:rPr lang="zh-TW" altLang="en-US" i="1">
+                                        <a:latin typeface="Cambria Math" panose="02040503050406030204" pitchFamily="18" charset="0"/>
+                                      </a:rPr>
+                                    </m:ctrlPr>
+                                  </m:dPr>
+                                  <m:e>
+                                    <m:r>
+                                      <a:rPr lang="zh-TW" altLang="en-US" i="1">
+                                        <a:latin typeface="Cambria Math" panose="02040503050406030204" pitchFamily="18" charset="0"/>
+                                      </a:rPr>
+                                      <m:t>𝜔</m:t>
+                                    </m:r>
+                                  </m:e>
+                                </m:d>
+                                <m:r>
+                                  <a:rPr lang="zh-TW" altLang="en-US" i="0">
+                                    <a:latin typeface="Cambria Math" panose="02040503050406030204" pitchFamily="18" charset="0"/>
+                                  </a:rPr>
+                                  <m:t>−</m:t>
+                                </m:r>
+                                <m:sSub>
+                                  <m:sSubPr>
+                                    <m:ctrlPr>
+                                      <a:rPr lang="zh-TW" altLang="en-US" i="1">
+                                        <a:latin typeface="Cambria Math" panose="02040503050406030204" pitchFamily="18" charset="0"/>
+                                      </a:rPr>
+                                    </m:ctrlPr>
+                                  </m:sSubPr>
+                                  <m:e>
+                                    <m:r>
+                                      <a:rPr lang="zh-TW" altLang="en-US" i="1">
+                                        <a:latin typeface="Cambria Math" panose="02040503050406030204" pitchFamily="18" charset="0"/>
+                                      </a:rPr>
+                                      <m:t>𝜑</m:t>
+                                    </m:r>
+                                  </m:e>
+                                  <m:sub>
+                                    <m:r>
+                                      <a:rPr lang="zh-TW" altLang="en-US" i="0">
+                                        <a:latin typeface="Cambria Math" panose="02040503050406030204" pitchFamily="18" charset="0"/>
+                                      </a:rPr>
+                                      <m:t>2</m:t>
+                                    </m:r>
+                                  </m:sub>
+                                </m:sSub>
+                                <m:r>
+                                  <a:rPr lang="zh-TW" altLang="en-US" i="0">
+                                    <a:latin typeface="Cambria Math" panose="02040503050406030204" pitchFamily="18" charset="0"/>
+                                  </a:rPr>
+                                  <m:t>(</m:t>
+                                </m:r>
+                                <m:r>
+                                  <a:rPr lang="zh-TW" altLang="en-US" i="1">
+                                    <a:latin typeface="Cambria Math" panose="02040503050406030204" pitchFamily="18" charset="0"/>
+                                  </a:rPr>
+                                  <m:t>𝜔</m:t>
+                                </m:r>
+                                <m:r>
+                                  <a:rPr lang="zh-TW" altLang="en-US" i="0">
+                                    <a:latin typeface="Cambria Math" panose="02040503050406030204" pitchFamily="18" charset="0"/>
+                                  </a:rPr>
+                                  <m:t>)</m:t>
+                                </m:r>
+                              </m:e>
+                            </m:d>
+                          </m:sup>
+                        </m:sSup>
+                      </m:oMath>
+                    </m:oMathPara>
+                  </a14:m>
+                  <a:endParaRPr lang="zh-TW" altLang="en-US" dirty="0"/>
+                </a:p>
+              </p:txBody>
+            </p:sp>
+          </mc:Choice>
+          <mc:Fallback>
+            <p:sp>
+              <p:nvSpPr>
+                <p:cNvPr id="9" name="矩形 8"/>
+                <p:cNvSpPr>
+                  <a:spLocks noRot="1" noChangeAspect="1" noMove="1" noResize="1" noEditPoints="1" noAdjustHandles="1" noChangeArrowheads="1" noChangeShapeType="1" noTextEdit="1"/>
+                </p:cNvSpPr>
+                <p:nvPr/>
+              </p:nvSpPr>
+              <p:spPr>
+                <a:xfrm>
+                  <a:off x="7763984" y="3947875"/>
+                  <a:ext cx="3983398" cy="679032"/>
+                </a:xfrm>
+                <a:prstGeom prst="rect">
+                  <a:avLst/>
+                </a:prstGeom>
+                <a:blipFill>
+                  <a:blip r:embed="rId7"/>
+                  <a:stretch>
+                    <a:fillRect/>
+                  </a:stretch>
+                </a:blipFill>
+              </p:spPr>
+              <p:txBody>
+                <a:bodyPr/>
+                <a:lstStyle/>
+                <a:p>
+                  <a:r>
+                    <a:rPr lang="zh-TW" altLang="en-US">
+                      <a:noFill/>
+                    </a:rPr>
+                    <a:t> </a:t>
+                  </a:r>
+                </a:p>
+              </p:txBody>
+            </p:sp>
+          </mc:Fallback>
+        </mc:AlternateContent>
+        <p:sp>
+          <p:nvSpPr>
+            <p:cNvPr id="10" name="文字方塊 9"/>
+            <p:cNvSpPr txBox="1"/>
+            <p:nvPr/>
+          </p:nvSpPr>
+          <p:spPr>
+            <a:xfrm>
+              <a:off x="7763984" y="2449080"/>
+              <a:ext cx="1800493" cy="369332"/>
+            </a:xfrm>
+            <a:prstGeom prst="rect">
+              <a:avLst/>
+            </a:prstGeom>
+            <a:noFill/>
+          </p:spPr>
+          <p:txBody>
+            <a:bodyPr wrap="none" rtlCol="0">
+              <a:spAutoFit/>
+            </a:bodyPr>
+            <a:lstStyle/>
+            <a:p>
+              <a:r>
+                <a:rPr lang="zh-TW" altLang="en-US" dirty="0"/>
+                <a:t>響應函數的意義</a:t>
+              </a:r>
+            </a:p>
+          </p:txBody>
+        </p:sp>
+      </p:grpSp>
+    </p:spTree>
+    <p:extLst>
+      <p:ext uri="{BB962C8B-B14F-4D97-AF65-F5344CB8AC3E}">
+        <p14:creationId xmlns:p14="http://schemas.microsoft.com/office/powerpoint/2010/main" val="82611092"/>
+      </p:ext>
+    </p:extLst>
+  </p:cSld>
+  <p:clrMapOvr>
+    <a:masterClrMapping/>
+  </p:clrMapOvr>
+  <p:timing>
+    <p:tnLst>
+      <p:par>
+        <p:cTn id="1" dur="indefinite" restart="never" nodeType="tmRoot">
+          <p:childTnLst>
+            <p:seq concurrent="1" nextAc="seek">
+              <p:cTn id="2" dur="indefinite" nodeType="mainSeq">
+                <p:childTnLst>
+                  <p:par>
+                    <p:cTn id="3" fill="hold">
+                      <p:stCondLst>
+                        <p:cond delay="indefinite"/>
+                      </p:stCondLst>
+                      <p:childTnLst>
+                        <p:par>
+                          <p:cTn id="4" fill="hold">
+                            <p:stCondLst>
+                              <p:cond delay="0"/>
+                            </p:stCondLst>
+                            <p:childTnLst>
+                              <p:par>
+                                <p:cTn id="5" presetID="1" presetClass="entr" presetSubtype="0" fill="hold" nodeType="clickEffect">
+                                  <p:stCondLst>
+                                    <p:cond delay="0"/>
+                                  </p:stCondLst>
+                                  <p:childTnLst>
+                                    <p:set>
+                                      <p:cBhvr>
+                                        <p:cTn id="6" dur="1" fill="hold">
+                                          <p:stCondLst>
+                                            <p:cond delay="0"/>
+                                          </p:stCondLst>
+                                        </p:cTn>
+                                        <p:tgtEl>
+                                          <p:spTgt spid="11"/>
+                                        </p:tgtEl>
+                                        <p:attrNameLst>
+                                          <p:attrName>style.visibility</p:attrName>
+                                        </p:attrNameLst>
+                                      </p:cBhvr>
+                                      <p:to>
+                                        <p:strVal val="visible"/>
+                                      </p:to>
+                                    </p:set>
+                                  </p:childTnLst>
+                                </p:cTn>
+                              </p:par>
+                            </p:childTnLst>
+                          </p:cTn>
+                        </p:par>
+                      </p:childTnLst>
+                    </p:cTn>
+                  </p:par>
+                </p:childTnLst>
+              </p:cTn>
+              <p:prevCondLst>
+                <p:cond evt="onPrev" delay="0">
+                  <p:tgtEl>
+                    <p:sldTgt/>
+                  </p:tgtEl>
+                </p:cond>
+              </p:prevCondLst>
+              <p:nextCondLst>
+                <p:cond evt="onNext" delay="0">
+                  <p:tgtEl>
+                    <p:sldTgt/>
+                  </p:tgtEl>
+                </p:cond>
+              </p:nextCondLst>
+            </p:seq>
+          </p:childTnLst>
+        </p:cTn>
+      </p:par>
+    </p:tnLst>
+  </p:timing>
+</p:sld>
+</file>
+
+<file path=ppt/slides/slide4.xml><?xml version="1.0" encoding="utf-8"?>
+<p:sld xmlns:a="http://schemas.openxmlformats.org/drawingml/2006/main" xmlns:r="http://schemas.openxmlformats.org/officeDocument/2006/relationships" xmlns:p="http://schemas.openxmlformats.org/presentationml/2006/main">
+  <p:cSld>
+    <p:spTree>
+      <p:nvGrpSpPr>
+        <p:cNvPr id="1" name=""/>
+        <p:cNvGrpSpPr/>
+        <p:nvPr/>
+      </p:nvGrpSpPr>
+      <p:grpSpPr>
+        <a:xfrm>
+          <a:off x="0" y="0"/>
+          <a:ext cx="0" cy="0"/>
+          <a:chOff x="0" y="0"/>
+          <a:chExt cx="0" cy="0"/>
+        </a:xfrm>
+      </p:grpSpPr>
+      <p:sp>
+        <p:nvSpPr>
+          <p:cNvPr id="2" name="標題 1">
+            <a:extLst>
+              <a:ext uri="{FF2B5EF4-FFF2-40B4-BE49-F238E27FC236}">
+                <a16:creationId xmlns:a16="http://schemas.microsoft.com/office/drawing/2014/main" id="{2329678A-FDEC-4A77-9803-228E054CFE3C}"/>
+              </a:ext>
+            </a:extLst>
+          </p:cNvPr>
+          <p:cNvSpPr>
+            <a:spLocks noGrp="1"/>
+          </p:cNvSpPr>
+          <p:nvPr>
+            <p:ph type="ctrTitle"/>
+          </p:nvPr>
+        </p:nvSpPr>
+        <p:spPr/>
+        <p:txBody>
+          <a:bodyPr/>
+          <a:lstStyle/>
+          <a:p>
+            <a:r>
+              <a:rPr lang="zh-TW" altLang="en-US" dirty="0"/>
+              <a:t>求地聲儀參數 </a:t>
+            </a:r>
+          </a:p>
+        </p:txBody>
+      </p:sp>
+    </p:spTree>
+    <p:extLst>
+      <p:ext uri="{BB962C8B-B14F-4D97-AF65-F5344CB8AC3E}">
+        <p14:creationId xmlns:p14="http://schemas.microsoft.com/office/powerpoint/2010/main" val="413649266"/>
+      </p:ext>
+    </p:extLst>
+  </p:cSld>
+  <p:clrMapOvr>
+    <a:masterClrMapping/>
+  </p:clrMapOvr>
+  <p:timing>
+    <p:tnLst>
+      <p:par>
+        <p:cTn id="1" dur="indefinite" restart="never" nodeType="tmRoot"/>
+      </p:par>
+    </p:tnLst>
+  </p:timing>
+</p:sld>
+</file>
+
+<file path=ppt/slides/slide5.xml><?xml version="1.0" encoding="utf-8"?>
 <p:sld xmlns:a="http://schemas.openxmlformats.org/drawingml/2006/main" xmlns:r="http://schemas.openxmlformats.org/officeDocument/2006/relationships" xmlns:p="http://schemas.openxmlformats.org/presentationml/2006/main">
   <p:cSld>
     <p:spTree>
@@ -17627,7 +21597,7 @@
           <p:nvPr/>
         </p:nvPicPr>
         <p:blipFill rotWithShape="1">
-          <a:blip r:embed="rId3">
+          <a:blip r:embed="rId3" cstate="hqprint">
             <a:extLst>
               <a:ext uri="{28A0092B-C50C-407E-A947-70E740481C1C}">
                 <a14:useLocalDpi xmlns:a14="http://schemas.microsoft.com/office/drawing/2010/main" val="0"/>
@@ -17672,7 +21642,7 @@
           <p:nvPr/>
         </p:nvPicPr>
         <p:blipFill rotWithShape="1">
-          <a:blip r:embed="rId3">
+          <a:blip r:embed="rId3" cstate="hqprint">
             <a:extLst>
               <a:ext uri="{28A0092B-C50C-407E-A947-70E740481C1C}">
                 <a14:useLocalDpi xmlns:a14="http://schemas.microsoft.com/office/drawing/2010/main" val="0"/>
@@ -17716,8 +21686,8 @@
         </p:nvSpPr>
         <p:spPr>
           <a:xfrm>
-            <a:off x="6930157" y="4873674"/>
-            <a:ext cx="6096000" cy="400110"/>
+            <a:off x="6795246" y="4762860"/>
+            <a:ext cx="6096000" cy="707886"/>
           </a:xfrm>
           <a:prstGeom prst="rect">
             <a:avLst/>
@@ -17731,12 +21701,51 @@
           <a:lstStyle/>
           <a:p>
             <a:r>
+              <a:rPr lang="en-US" altLang="zh-TW" sz="2000" kern="100" dirty="0" smtClean="0">
+                <a:latin typeface="Calibri" panose="020F0502020204030204" pitchFamily="34" charset="0"/>
+                <a:ea typeface="新細明體" panose="02020500000000000000" pitchFamily="18" charset="-120"/>
+                <a:cs typeface="Times New Roman" panose="02020603050405020304" pitchFamily="18" charset="0"/>
+              </a:rPr>
+              <a:t>1.</a:t>
+            </a:r>
+            <a:r>
+              <a:rPr lang="zh-TW" altLang="en-US" sz="2000" kern="100" dirty="0" smtClean="0">
+                <a:latin typeface="Calibri" panose="020F0502020204030204" pitchFamily="34" charset="0"/>
+                <a:ea typeface="新細明體" panose="02020500000000000000" pitchFamily="18" charset="-120"/>
+                <a:cs typeface="Times New Roman" panose="02020603050405020304" pitchFamily="18" charset="0"/>
+              </a:rPr>
+              <a:t> 有一個參數正確的儀器</a:t>
+            </a:r>
+            <a:endParaRPr lang="en-US" altLang="zh-TW" sz="2000" kern="100" dirty="0" smtClean="0">
+              <a:latin typeface="Calibri" panose="020F0502020204030204" pitchFamily="34" charset="0"/>
+              <a:ea typeface="新細明體" panose="02020500000000000000" pitchFamily="18" charset="-120"/>
+              <a:cs typeface="Times New Roman" panose="02020603050405020304" pitchFamily="18" charset="0"/>
+            </a:endParaRPr>
+          </a:p>
+          <a:p>
+            <a:r>
+              <a:rPr lang="en-US" altLang="zh-TW" sz="2000" kern="100" dirty="0" smtClean="0">
+                <a:latin typeface="Calibri" panose="020F0502020204030204" pitchFamily="34" charset="0"/>
+                <a:ea typeface="新細明體" panose="02020500000000000000" pitchFamily="18" charset="-120"/>
+                <a:cs typeface="Times New Roman" panose="02020603050405020304" pitchFamily="18" charset="0"/>
+              </a:rPr>
+              <a:t>2.</a:t>
+            </a:r>
+            <a:r>
+              <a:rPr lang="zh-TW" altLang="en-US" sz="2000" kern="100" dirty="0" smtClean="0">
+                <a:latin typeface="Calibri" panose="020F0502020204030204" pitchFamily="34" charset="0"/>
+                <a:ea typeface="新細明體" panose="02020500000000000000" pitchFamily="18" charset="-120"/>
+                <a:cs typeface="Times New Roman" panose="02020603050405020304" pitchFamily="18" charset="0"/>
+              </a:rPr>
+              <a:t> 兩</a:t>
+            </a:r>
+            <a:r>
               <a:rPr lang="zh-TW" altLang="en-US" sz="2000" kern="100" dirty="0">
                 <a:latin typeface="Calibri" panose="020F0502020204030204" pitchFamily="34" charset="0"/>
                 <a:ea typeface="新細明體" panose="02020500000000000000" pitchFamily="18" charset="-120"/>
                 <a:cs typeface="Times New Roman" panose="02020603050405020304" pitchFamily="18" charset="0"/>
               </a:rPr>
-              <a:t>兩個儀器的地表震動速度訊號完全一樣</a:t>
+              <a:t>個儀器的地表震動速度訊號完全一樣</a:t>
             </a:r>
             <a:endParaRPr lang="en-US" altLang="zh-TW" sz="2000" kern="100" dirty="0">
               <a:latin typeface="Calibri" panose="020F0502020204030204" pitchFamily="34" charset="0"/>
@@ -17756,10 +21765,17 @@
   <p:clrMapOvr>
     <a:masterClrMapping/>
   </p:clrMapOvr>
+  <p:timing>
+    <p:tnLst>
+      <p:par>
+        <p:cTn id="1" dur="indefinite" restart="never" nodeType="tmRoot"/>
+      </p:par>
+    </p:tnLst>
+  </p:timing>
 </p:sld>
 </file>
 
-<file path=ppt/slides/slide3.xml><?xml version="1.0" encoding="utf-8"?>
+<file path=ppt/slides/slide6.xml><?xml version="1.0" encoding="utf-8"?>
 <p:sld xmlns:a="http://schemas.openxmlformats.org/drawingml/2006/main" xmlns:r="http://schemas.openxmlformats.org/officeDocument/2006/relationships" xmlns:p="http://schemas.openxmlformats.org/presentationml/2006/main">
   <p:cSld>
     <p:spTree>
@@ -17799,8 +21815,17 @@
           <a:p>
             <a:r>
               <a:rPr lang="zh-TW" altLang="en-US" dirty="0"/>
-              <a:t>程式做的事</a:t>
+              <a:t>程式做的</a:t>
             </a:r>
+            <a:r>
+              <a:rPr lang="zh-TW" altLang="en-US" dirty="0" smtClean="0"/>
+              <a:t>事</a:t>
+            </a:r>
+            <a:r>
+              <a:rPr lang="en-US" altLang="zh-TW" dirty="0" smtClean="0"/>
+              <a:t>(FFT)</a:t>
+            </a:r>
+            <a:endParaRPr lang="zh-TW" altLang="en-US" dirty="0"/>
           </a:p>
         </p:txBody>
       </p:sp>
@@ -17834,69 +21859,9 @@
         </p:blipFill>
         <p:spPr>
           <a:xfrm>
-            <a:off x="1097280" y="2039859"/>
-            <a:ext cx="4909892" cy="3571946"/>
+            <a:off x="975358" y="2101642"/>
+            <a:ext cx="4295897" cy="3125265"/>
           </a:xfrm>
-        </p:spPr>
-      </p:pic>
-      <p:pic>
-        <p:nvPicPr>
-          <p:cNvPr id="6" name="圖片 5">
-            <a:extLst>
-              <a:ext uri="{FF2B5EF4-FFF2-40B4-BE49-F238E27FC236}">
-                <a16:creationId xmlns:a16="http://schemas.microsoft.com/office/drawing/2014/main" id="{334702C2-BBD3-4DF9-869B-1717F1C6C9C2}"/>
-              </a:ext>
-            </a:extLst>
-          </p:cNvPr>
-          <p:cNvPicPr>
-            <a:picLocks noChangeAspect="1"/>
-          </p:cNvPicPr>
-          <p:nvPr/>
-        </p:nvPicPr>
-        <p:blipFill>
-          <a:blip r:embed="rId3"/>
-          <a:stretch>
-            <a:fillRect/>
-          </a:stretch>
-        </p:blipFill>
-        <p:spPr>
-          <a:xfrm>
-            <a:off x="7388151" y="2414129"/>
-            <a:ext cx="2378149" cy="3042554"/>
-          </a:xfrm>
-          <a:prstGeom prst="rect">
-            <a:avLst/>
-          </a:prstGeom>
-        </p:spPr>
-      </p:pic>
-      <p:pic>
-        <p:nvPicPr>
-          <p:cNvPr id="8" name="圖片 7">
-            <a:extLst>
-              <a:ext uri="{FF2B5EF4-FFF2-40B4-BE49-F238E27FC236}">
-                <a16:creationId xmlns:a16="http://schemas.microsoft.com/office/drawing/2014/main" id="{256D879D-61E5-468F-81D9-DD5582754D5D}"/>
-              </a:ext>
-            </a:extLst>
-          </p:cNvPr>
-          <p:cNvPicPr>
-            <a:picLocks noChangeAspect="1"/>
-          </p:cNvPicPr>
-          <p:nvPr/>
-        </p:nvPicPr>
-        <p:blipFill>
-          <a:blip r:embed="rId4"/>
-          <a:stretch>
-            <a:fillRect/>
-          </a:stretch>
-        </p:blipFill>
-        <p:spPr>
-          <a:xfrm>
-            <a:off x="9553250" y="3530600"/>
-            <a:ext cx="1541470" cy="1784420"/>
-          </a:xfrm>
-          <a:prstGeom prst="rect">
-            <a:avLst/>
-          </a:prstGeom>
         </p:spPr>
       </p:pic>
       <p:pic>
@@ -17914,7 +21879,7 @@
           <p:nvPr/>
         </p:nvPicPr>
         <p:blipFill rotWithShape="1">
-          <a:blip r:embed="rId5">
+          <a:blip r:embed="rId3">
             <a:extLst>
               <a:ext uri="{28A0092B-C50C-407E-A947-70E740481C1C}">
                 <a14:useLocalDpi xmlns:a14="http://schemas.microsoft.com/office/drawing/2010/main" val="0"/>
@@ -17959,7 +21924,7 @@
           <p:nvPr/>
         </p:nvPicPr>
         <p:blipFill rotWithShape="1">
-          <a:blip r:embed="rId5">
+          <a:blip r:embed="rId3">
             <a:extLst>
               <a:ext uri="{28A0092B-C50C-407E-A947-70E740481C1C}">
                 <a14:useLocalDpi xmlns:a14="http://schemas.microsoft.com/office/drawing/2010/main" val="0"/>
@@ -18059,6 +22024,642 @@
           </a:p>
         </p:txBody>
       </p:sp>
+      <p:sp>
+        <p:nvSpPr>
+          <p:cNvPr id="4" name="文字方塊 3"/>
+          <p:cNvSpPr txBox="1"/>
+          <p:nvPr/>
+        </p:nvSpPr>
+        <p:spPr>
+          <a:xfrm>
+            <a:off x="2298357" y="5591189"/>
+            <a:ext cx="184731" cy="646331"/>
+          </a:xfrm>
+          <a:prstGeom prst="rect">
+            <a:avLst/>
+          </a:prstGeom>
+          <a:noFill/>
+        </p:spPr>
+        <p:txBody>
+          <a:bodyPr wrap="none" rtlCol="0">
+            <a:spAutoFit/>
+          </a:bodyPr>
+          <a:lstStyle/>
+          <a:p>
+            <a:endParaRPr lang="en-US" altLang="zh-TW" dirty="0" smtClean="0"/>
+          </a:p>
+          <a:p>
+            <a:endParaRPr lang="zh-TW" altLang="en-US" dirty="0"/>
+          </a:p>
+        </p:txBody>
+      </p:sp>
+      <mc:AlternateContent xmlns:mc="http://schemas.openxmlformats.org/markup-compatibility/2006">
+        <mc:Choice xmlns:a14="http://schemas.microsoft.com/office/drawing/2010/main" Requires="a14">
+          <p:sp>
+            <p:nvSpPr>
+              <p:cNvPr id="7" name="文字方塊 6"/>
+              <p:cNvSpPr txBox="1"/>
+              <p:nvPr/>
+            </p:nvSpPr>
+            <p:spPr>
+              <a:xfrm>
+                <a:off x="64813" y="4231459"/>
+                <a:ext cx="226024" cy="276999"/>
+              </a:xfrm>
+              <a:prstGeom prst="rect">
+                <a:avLst/>
+              </a:prstGeom>
+              <a:noFill/>
+            </p:spPr>
+            <p:txBody>
+              <a:bodyPr wrap="none" lIns="0" tIns="0" rIns="0" bIns="0" rtlCol="0">
+                <a:spAutoFit/>
+              </a:bodyPr>
+              <a:lstStyle/>
+              <a:p>
+                <a14:m>
+                  <m:oMathPara xmlns:m="http://schemas.openxmlformats.org/officeDocument/2006/math">
+                    <m:oMathParaPr>
+                      <m:jc m:val="centerGroup"/>
+                    </m:oMathParaPr>
+                    <m:oMath xmlns:m="http://schemas.openxmlformats.org/officeDocument/2006/math">
+                      <m:r>
+                        <a:rPr lang="zh-TW" altLang="en-US" i="1" smtClean="0">
+                          <a:latin typeface="Cambria Math" panose="02040503050406030204" pitchFamily="18" charset="0"/>
+                        </a:rPr>
+                        <m:t>≠</m:t>
+                      </m:r>
+                    </m:oMath>
+                  </m:oMathPara>
+                </a14:m>
+                <a:endParaRPr lang="zh-TW" altLang="en-US" dirty="0"/>
+              </a:p>
+            </p:txBody>
+          </p:sp>
+        </mc:Choice>
+        <mc:Fallback>
+          <p:sp>
+            <p:nvSpPr>
+              <p:cNvPr id="7" name="文字方塊 6"/>
+              <p:cNvSpPr txBox="1">
+                <a:spLocks noRot="1" noChangeAspect="1" noMove="1" noResize="1" noEditPoints="1" noAdjustHandles="1" noChangeArrowheads="1" noChangeShapeType="1" noTextEdit="1"/>
+              </p:cNvSpPr>
+              <p:nvPr/>
+            </p:nvSpPr>
+            <p:spPr>
+              <a:xfrm>
+                <a:off x="64813" y="4231459"/>
+                <a:ext cx="226024" cy="276999"/>
+              </a:xfrm>
+              <a:prstGeom prst="rect">
+                <a:avLst/>
+              </a:prstGeom>
+              <a:blipFill>
+                <a:blip r:embed="rId4"/>
+                <a:stretch>
+                  <a:fillRect l="-21622" r="-16216" b="-4348"/>
+                </a:stretch>
+              </a:blipFill>
+            </p:spPr>
+            <p:txBody>
+              <a:bodyPr/>
+              <a:lstStyle/>
+              <a:p>
+                <a:r>
+                  <a:rPr lang="zh-TW" altLang="en-US">
+                    <a:noFill/>
+                  </a:rPr>
+                  <a:t> </a:t>
+                </a:r>
+              </a:p>
+            </p:txBody>
+          </p:sp>
+        </mc:Fallback>
+      </mc:AlternateContent>
+      <mc:AlternateContent xmlns:mc="http://schemas.openxmlformats.org/markup-compatibility/2006">
+        <mc:Choice xmlns:a14="http://schemas.microsoft.com/office/drawing/2010/main" Requires="a14">
+          <p:sp>
+            <p:nvSpPr>
+              <p:cNvPr id="14" name="矩形 13"/>
+              <p:cNvSpPr/>
+              <p:nvPr/>
+            </p:nvSpPr>
+            <p:spPr>
+              <a:xfrm>
+                <a:off x="5883894" y="1857563"/>
+                <a:ext cx="6096000" cy="1200329"/>
+              </a:xfrm>
+              <a:prstGeom prst="rect">
+                <a:avLst/>
+              </a:prstGeom>
+            </p:spPr>
+            <p:txBody>
+              <a:bodyPr>
+                <a:spAutoFit/>
+              </a:bodyPr>
+              <a:lstStyle/>
+              <a:p>
+                <a:r>
+                  <a:rPr lang="en-US" altLang="zh-TW" dirty="0" smtClean="0">
+                    <a:effectLst/>
+                    <a:ea typeface="Cambria Math" panose="02040503050406030204" pitchFamily="18" charset="0"/>
+                    <a:cs typeface="Times New Roman" panose="02020603050405020304" pitchFamily="18" charset="0"/>
+                  </a:rPr>
+                  <a:t>E</a:t>
+                </a:r>
+                <a14:m>
+                  <m:oMath xmlns:m="http://schemas.openxmlformats.org/officeDocument/2006/math">
+                    <m:d>
+                      <m:dPr>
+                        <m:ctrlPr>
+                          <a:rPr lang="zh-TW" altLang="zh-TW" i="1">
+                            <a:effectLst/>
+                            <a:latin typeface="Cambria Math" panose="02040503050406030204" pitchFamily="18" charset="0"/>
+                            <a:ea typeface="Cambria Math" panose="02040503050406030204" pitchFamily="18" charset="0"/>
+                            <a:cs typeface="Times New Roman" panose="02020603050405020304" pitchFamily="18" charset="0"/>
+                          </a:rPr>
+                        </m:ctrlPr>
+                      </m:dPr>
+                      <m:e>
+                        <m:r>
+                          <a:rPr lang="en-US" altLang="zh-TW" i="1">
+                            <a:latin typeface="Cambria Math" panose="02040503050406030204" pitchFamily="18" charset="0"/>
+                            <a:ea typeface="標楷體" panose="03000509000000000000" pitchFamily="65" charset="-120"/>
+                            <a:cs typeface="Times New Roman" panose="02020603050405020304" pitchFamily="18" charset="0"/>
+                          </a:rPr>
+                          <m:t>𝜔</m:t>
+                        </m:r>
+                      </m:e>
+                    </m:d>
+                    <m:r>
+                      <a:rPr lang="en-US" altLang="zh-TW" i="1">
+                        <a:latin typeface="Cambria Math" panose="02040503050406030204" pitchFamily="18" charset="0"/>
+                        <a:ea typeface="標楷體" panose="03000509000000000000" pitchFamily="65" charset="-120"/>
+                        <a:cs typeface="Times New Roman" panose="02020603050405020304" pitchFamily="18" charset="0"/>
+                      </a:rPr>
+                      <m:t>=</m:t>
+                    </m:r>
+                    <m:sSub>
+                      <m:sSubPr>
+                        <m:ctrlPr>
+                          <a:rPr lang="zh-TW" altLang="zh-TW" i="1">
+                            <a:effectLst/>
+                            <a:latin typeface="Cambria Math" panose="02040503050406030204" pitchFamily="18" charset="0"/>
+                            <a:ea typeface="Cambria Math" panose="02040503050406030204" pitchFamily="18" charset="0"/>
+                            <a:cs typeface="Times New Roman" panose="02020603050405020304" pitchFamily="18" charset="0"/>
+                          </a:rPr>
+                        </m:ctrlPr>
+                      </m:sSubPr>
+                      <m:e>
+                        <m:r>
+                          <a:rPr lang="en-US" altLang="zh-TW" i="1">
+                            <a:latin typeface="Cambria Math" panose="02040503050406030204" pitchFamily="18" charset="0"/>
+                            <a:ea typeface="標楷體" panose="03000509000000000000" pitchFamily="65" charset="-120"/>
+                            <a:cs typeface="Times New Roman" panose="02020603050405020304" pitchFamily="18" charset="0"/>
+                          </a:rPr>
+                          <m:t>𝐴</m:t>
+                        </m:r>
+                      </m:e>
+                      <m:sub>
+                        <m:r>
+                          <a:rPr lang="en-US" altLang="zh-TW" i="1">
+                            <a:latin typeface="Cambria Math" panose="02040503050406030204" pitchFamily="18" charset="0"/>
+                            <a:ea typeface="標楷體" panose="03000509000000000000" pitchFamily="65" charset="-120"/>
+                            <a:cs typeface="Times New Roman" panose="02020603050405020304" pitchFamily="18" charset="0"/>
+                          </a:rPr>
+                          <m:t>𝑑</m:t>
+                        </m:r>
+                      </m:sub>
+                    </m:sSub>
+                    <m:r>
+                      <a:rPr lang="en-US" altLang="zh-TW" i="1">
+                        <a:latin typeface="Cambria Math" panose="02040503050406030204" pitchFamily="18" charset="0"/>
+                        <a:ea typeface="標楷體" panose="03000509000000000000" pitchFamily="65" charset="-120"/>
+                        <a:cs typeface="Times New Roman" panose="02020603050405020304" pitchFamily="18" charset="0"/>
+                      </a:rPr>
+                      <m:t>(</m:t>
+                    </m:r>
+                    <m:r>
+                      <a:rPr lang="en-US" altLang="zh-TW" i="1">
+                        <a:latin typeface="Cambria Math" panose="02040503050406030204" pitchFamily="18" charset="0"/>
+                        <a:ea typeface="標楷體" panose="03000509000000000000" pitchFamily="65" charset="-120"/>
+                        <a:cs typeface="Times New Roman" panose="02020603050405020304" pitchFamily="18" charset="0"/>
+                      </a:rPr>
+                      <m:t>𝜔</m:t>
+                    </m:r>
+                    <m:r>
+                      <a:rPr lang="en-US" altLang="zh-TW" i="1">
+                        <a:latin typeface="Cambria Math" panose="02040503050406030204" pitchFamily="18" charset="0"/>
+                        <a:ea typeface="標楷體" panose="03000509000000000000" pitchFamily="65" charset="-120"/>
+                        <a:cs typeface="Times New Roman" panose="02020603050405020304" pitchFamily="18" charset="0"/>
+                      </a:rPr>
+                      <m:t>)</m:t>
+                    </m:r>
+                    <m:r>
+                      <m:rPr>
+                        <m:sty m:val="p"/>
+                      </m:rPr>
+                      <a:rPr lang="en-US" altLang="zh-TW">
+                        <a:latin typeface="Cambria Math" panose="02040503050406030204" pitchFamily="18" charset="0"/>
+                        <a:ea typeface="標楷體" panose="03000509000000000000" pitchFamily="65" charset="-120"/>
+                        <a:cs typeface="Times New Roman" panose="02020603050405020304" pitchFamily="18" charset="0"/>
+                      </a:rPr>
+                      <m:t>exp</m:t>
+                    </m:r>
+                    <m:r>
+                      <a:rPr lang="en-US" altLang="zh-TW">
+                        <a:latin typeface="Cambria Math" panose="02040503050406030204" pitchFamily="18" charset="0"/>
+                        <a:ea typeface="標楷體" panose="03000509000000000000" pitchFamily="65" charset="-120"/>
+                        <a:cs typeface="Times New Roman" panose="02020603050405020304" pitchFamily="18" charset="0"/>
+                      </a:rPr>
+                      <m:t>⁡</m:t>
+                    </m:r>
+                    <m:r>
+                      <a:rPr lang="en-US" altLang="zh-TW" i="1">
+                        <a:latin typeface="Cambria Math" panose="02040503050406030204" pitchFamily="18" charset="0"/>
+                        <a:ea typeface="標楷體" panose="03000509000000000000" pitchFamily="65" charset="-120"/>
+                        <a:cs typeface="Times New Roman" panose="02020603050405020304" pitchFamily="18" charset="0"/>
+                      </a:rPr>
+                      <m:t>(</m:t>
+                    </m:r>
+                    <m:r>
+                      <a:rPr lang="en-US" altLang="zh-TW" i="1">
+                        <a:latin typeface="Cambria Math" panose="02040503050406030204" pitchFamily="18" charset="0"/>
+                        <a:ea typeface="標楷體" panose="03000509000000000000" pitchFamily="65" charset="-120"/>
+                        <a:cs typeface="Times New Roman" panose="02020603050405020304" pitchFamily="18" charset="0"/>
+                      </a:rPr>
+                      <m:t>𝑖</m:t>
+                    </m:r>
+                    <m:sSub>
+                      <m:sSubPr>
+                        <m:ctrlPr>
+                          <a:rPr lang="zh-TW" altLang="zh-TW" i="1">
+                            <a:effectLst/>
+                            <a:latin typeface="Cambria Math" panose="02040503050406030204" pitchFamily="18" charset="0"/>
+                            <a:ea typeface="Cambria Math" panose="02040503050406030204" pitchFamily="18" charset="0"/>
+                            <a:cs typeface="Times New Roman" panose="02020603050405020304" pitchFamily="18" charset="0"/>
+                          </a:rPr>
+                        </m:ctrlPr>
+                      </m:sSubPr>
+                      <m:e>
+                        <m:r>
+                          <a:rPr lang="en-US" altLang="zh-TW" i="1">
+                            <a:latin typeface="Cambria Math" panose="02040503050406030204" pitchFamily="18" charset="0"/>
+                            <a:ea typeface="標楷體" panose="03000509000000000000" pitchFamily="65" charset="-120"/>
+                            <a:cs typeface="Times New Roman" panose="02020603050405020304" pitchFamily="18" charset="0"/>
+                          </a:rPr>
+                          <m:t>𝜑</m:t>
+                        </m:r>
+                      </m:e>
+                      <m:sub>
+                        <m:r>
+                          <a:rPr lang="en-US" altLang="zh-TW" i="1">
+                            <a:latin typeface="Cambria Math" panose="02040503050406030204" pitchFamily="18" charset="0"/>
+                            <a:ea typeface="標楷體" panose="03000509000000000000" pitchFamily="65" charset="-120"/>
+                            <a:cs typeface="Times New Roman" panose="02020603050405020304" pitchFamily="18" charset="0"/>
+                          </a:rPr>
+                          <m:t>𝑑</m:t>
+                        </m:r>
+                      </m:sub>
+                    </m:sSub>
+                    <m:r>
+                      <a:rPr lang="en-US" altLang="zh-TW" i="1">
+                        <a:latin typeface="Cambria Math" panose="02040503050406030204" pitchFamily="18" charset="0"/>
+                        <a:ea typeface="標楷體" panose="03000509000000000000" pitchFamily="65" charset="-120"/>
+                        <a:cs typeface="Times New Roman" panose="02020603050405020304" pitchFamily="18" charset="0"/>
+                      </a:rPr>
+                      <m:t>(</m:t>
+                    </m:r>
+                    <m:r>
+                      <a:rPr lang="en-US" altLang="zh-TW" i="1">
+                        <a:latin typeface="Cambria Math" panose="02040503050406030204" pitchFamily="18" charset="0"/>
+                        <a:ea typeface="標楷體" panose="03000509000000000000" pitchFamily="65" charset="-120"/>
+                        <a:cs typeface="Times New Roman" panose="02020603050405020304" pitchFamily="18" charset="0"/>
+                      </a:rPr>
+                      <m:t>𝜔</m:t>
+                    </m:r>
+                    <m:r>
+                      <a:rPr lang="en-US" altLang="zh-TW" i="1">
+                        <a:latin typeface="Cambria Math" panose="02040503050406030204" pitchFamily="18" charset="0"/>
+                        <a:ea typeface="標楷體" panose="03000509000000000000" pitchFamily="65" charset="-120"/>
+                        <a:cs typeface="Times New Roman" panose="02020603050405020304" pitchFamily="18" charset="0"/>
+                      </a:rPr>
+                      <m:t>))</m:t>
+                    </m:r>
+                  </m:oMath>
+                </a14:m>
+                <a:r>
+                  <a:rPr lang="zh-TW" altLang="zh-TW" dirty="0">
+                    <a:latin typeface="Times New Roman" panose="02020603050405020304" pitchFamily="18" charset="0"/>
+                    <a:ea typeface="標楷體" panose="03000509000000000000" pitchFamily="65" charset="-120"/>
+                    <a:cs typeface="Times New Roman" panose="02020603050405020304" pitchFamily="18" charset="0"/>
+                  </a:rPr>
+                  <a:t>。</a:t>
+                </a:r>
+                <a:endParaRPr lang="en-US" altLang="zh-TW" dirty="0" smtClean="0">
+                  <a:latin typeface="Times New Roman" panose="02020603050405020304" pitchFamily="18" charset="0"/>
+                  <a:ea typeface="標楷體" panose="03000509000000000000" pitchFamily="65" charset="-120"/>
+                  <a:cs typeface="Times New Roman" panose="02020603050405020304" pitchFamily="18" charset="0"/>
+                </a:endParaRPr>
+              </a:p>
+              <a:p>
+                <a:endParaRPr lang="en-US" altLang="zh-TW" i="1" dirty="0">
+                  <a:latin typeface="Times New Roman" panose="02020603050405020304" pitchFamily="18" charset="0"/>
+                  <a:ea typeface="標楷體" panose="03000509000000000000" pitchFamily="65" charset="-120"/>
+                  <a:cs typeface="Times New Roman" panose="02020603050405020304" pitchFamily="18" charset="0"/>
+                </a:endParaRPr>
+              </a:p>
+              <a:p>
+                <a14:m>
+                  <m:oMath xmlns:m="http://schemas.openxmlformats.org/officeDocument/2006/math">
+                    <m:r>
+                      <a:rPr lang="en-US" altLang="zh-TW" i="1">
+                        <a:latin typeface="Cambria Math" panose="02040503050406030204" pitchFamily="18" charset="0"/>
+                        <a:ea typeface="標楷體" panose="03000509000000000000" pitchFamily="65" charset="-120"/>
+                        <a:cs typeface="Times New Roman" panose="02020603050405020304" pitchFamily="18" charset="0"/>
+                      </a:rPr>
+                      <m:t>𝜔</m:t>
+                    </m:r>
+                  </m:oMath>
+                </a14:m>
+                <a:r>
+                  <a:rPr lang="en-US" altLang="zh-TW" dirty="0">
+                    <a:latin typeface="Times New Roman" panose="02020603050405020304" pitchFamily="18" charset="0"/>
+                    <a:ea typeface="標楷體" panose="03000509000000000000" pitchFamily="65" charset="-120"/>
+                  </a:rPr>
+                  <a:t> </a:t>
+                </a:r>
+                <a:r>
+                  <a:rPr lang="zh-TW" altLang="zh-TW" dirty="0">
+                    <a:latin typeface="Times New Roman" panose="02020603050405020304" pitchFamily="18" charset="0"/>
+                    <a:ea typeface="標楷體" panose="03000509000000000000" pitchFamily="65" charset="-120"/>
+                    <a:cs typeface="Times New Roman" panose="02020603050405020304" pitchFamily="18" charset="0"/>
+                  </a:rPr>
+                  <a:t>可代不同頻率、</a:t>
+                </a:r>
+                <a14:m>
+                  <m:oMath xmlns:m="http://schemas.openxmlformats.org/officeDocument/2006/math">
+                    <m:sSub>
+                      <m:sSubPr>
+                        <m:ctrlPr>
+                          <a:rPr lang="zh-TW" altLang="zh-TW" i="1">
+                            <a:effectLst/>
+                            <a:latin typeface="Cambria Math" panose="02040503050406030204" pitchFamily="18" charset="0"/>
+                            <a:ea typeface="Cambria Math" panose="02040503050406030204" pitchFamily="18" charset="0"/>
+                            <a:cs typeface="Times New Roman" panose="02020603050405020304" pitchFamily="18" charset="0"/>
+                          </a:rPr>
+                        </m:ctrlPr>
+                      </m:sSubPr>
+                      <m:e>
+                        <m:r>
+                          <a:rPr lang="en-US" altLang="zh-TW" i="1">
+                            <a:latin typeface="Cambria Math" panose="02040503050406030204" pitchFamily="18" charset="0"/>
+                            <a:ea typeface="標楷體" panose="03000509000000000000" pitchFamily="65" charset="-120"/>
+                            <a:cs typeface="Times New Roman" panose="02020603050405020304" pitchFamily="18" charset="0"/>
+                          </a:rPr>
+                          <m:t>𝐴</m:t>
+                        </m:r>
+                      </m:e>
+                      <m:sub>
+                        <m:r>
+                          <a:rPr lang="en-US" altLang="zh-TW" i="1">
+                            <a:latin typeface="Cambria Math" panose="02040503050406030204" pitchFamily="18" charset="0"/>
+                            <a:ea typeface="標楷體" panose="03000509000000000000" pitchFamily="65" charset="-120"/>
+                            <a:cs typeface="Times New Roman" panose="02020603050405020304" pitchFamily="18" charset="0"/>
+                          </a:rPr>
+                          <m:t>𝑑</m:t>
+                        </m:r>
+                      </m:sub>
+                    </m:sSub>
+                    <m:r>
+                      <a:rPr lang="en-US" altLang="zh-TW" i="1">
+                        <a:latin typeface="Cambria Math" panose="02040503050406030204" pitchFamily="18" charset="0"/>
+                        <a:ea typeface="標楷體" panose="03000509000000000000" pitchFamily="65" charset="-120"/>
+                        <a:cs typeface="Times New Roman" panose="02020603050405020304" pitchFamily="18" charset="0"/>
+                      </a:rPr>
+                      <m:t>(</m:t>
+                    </m:r>
+                    <m:r>
+                      <a:rPr lang="en-US" altLang="zh-TW" i="1">
+                        <a:latin typeface="Cambria Math" panose="02040503050406030204" pitchFamily="18" charset="0"/>
+                        <a:ea typeface="標楷體" panose="03000509000000000000" pitchFamily="65" charset="-120"/>
+                        <a:cs typeface="Times New Roman" panose="02020603050405020304" pitchFamily="18" charset="0"/>
+                      </a:rPr>
+                      <m:t>𝜔</m:t>
+                    </m:r>
+                    <m:r>
+                      <a:rPr lang="en-US" altLang="zh-TW" i="1">
+                        <a:latin typeface="Cambria Math" panose="02040503050406030204" pitchFamily="18" charset="0"/>
+                        <a:ea typeface="標楷體" panose="03000509000000000000" pitchFamily="65" charset="-120"/>
+                        <a:cs typeface="Times New Roman" panose="02020603050405020304" pitchFamily="18" charset="0"/>
+                      </a:rPr>
+                      <m:t>)</m:t>
+                    </m:r>
+                  </m:oMath>
+                </a14:m>
+                <a:r>
+                  <a:rPr lang="zh-TW" altLang="zh-TW" dirty="0">
+                    <a:latin typeface="Times New Roman" panose="02020603050405020304" pitchFamily="18" charset="0"/>
+                    <a:ea typeface="標楷體" panose="03000509000000000000" pitchFamily="65" charset="-120"/>
+                    <a:cs typeface="Times New Roman" panose="02020603050405020304" pitchFamily="18" charset="0"/>
+                  </a:rPr>
+                  <a:t>是振幅大小、</a:t>
+                </a:r>
+                <a14:m>
+                  <m:oMath xmlns:m="http://schemas.openxmlformats.org/officeDocument/2006/math">
+                    <m:sSub>
+                      <m:sSubPr>
+                        <m:ctrlPr>
+                          <a:rPr lang="zh-TW" altLang="zh-TW" i="1">
+                            <a:effectLst/>
+                            <a:latin typeface="Cambria Math" panose="02040503050406030204" pitchFamily="18" charset="0"/>
+                            <a:ea typeface="Cambria Math" panose="02040503050406030204" pitchFamily="18" charset="0"/>
+                            <a:cs typeface="Times New Roman" panose="02020603050405020304" pitchFamily="18" charset="0"/>
+                          </a:rPr>
+                        </m:ctrlPr>
+                      </m:sSubPr>
+                      <m:e>
+                        <m:r>
+                          <a:rPr lang="en-US" altLang="zh-TW" i="1">
+                            <a:latin typeface="Cambria Math" panose="02040503050406030204" pitchFamily="18" charset="0"/>
+                            <a:ea typeface="標楷體" panose="03000509000000000000" pitchFamily="65" charset="-120"/>
+                            <a:cs typeface="Times New Roman" panose="02020603050405020304" pitchFamily="18" charset="0"/>
+                          </a:rPr>
+                          <m:t>𝜑</m:t>
+                        </m:r>
+                      </m:e>
+                      <m:sub>
+                        <m:r>
+                          <a:rPr lang="en-US" altLang="zh-TW" i="1">
+                            <a:latin typeface="Cambria Math" panose="02040503050406030204" pitchFamily="18" charset="0"/>
+                            <a:ea typeface="標楷體" panose="03000509000000000000" pitchFamily="65" charset="-120"/>
+                            <a:cs typeface="Times New Roman" panose="02020603050405020304" pitchFamily="18" charset="0"/>
+                          </a:rPr>
+                          <m:t>𝑑</m:t>
+                        </m:r>
+                      </m:sub>
+                    </m:sSub>
+                    <m:r>
+                      <a:rPr lang="en-US" altLang="zh-TW" i="1">
+                        <a:latin typeface="Cambria Math" panose="02040503050406030204" pitchFamily="18" charset="0"/>
+                        <a:ea typeface="標楷體" panose="03000509000000000000" pitchFamily="65" charset="-120"/>
+                        <a:cs typeface="Times New Roman" panose="02020603050405020304" pitchFamily="18" charset="0"/>
+                      </a:rPr>
+                      <m:t>(</m:t>
+                    </m:r>
+                    <m:r>
+                      <a:rPr lang="en-US" altLang="zh-TW" i="1">
+                        <a:latin typeface="Cambria Math" panose="02040503050406030204" pitchFamily="18" charset="0"/>
+                        <a:ea typeface="標楷體" panose="03000509000000000000" pitchFamily="65" charset="-120"/>
+                        <a:cs typeface="Times New Roman" panose="02020603050405020304" pitchFamily="18" charset="0"/>
+                      </a:rPr>
+                      <m:t>𝜔</m:t>
+                    </m:r>
+                    <m:r>
+                      <a:rPr lang="en-US" altLang="zh-TW" i="1">
+                        <a:latin typeface="Cambria Math" panose="02040503050406030204" pitchFamily="18" charset="0"/>
+                        <a:ea typeface="標楷體" panose="03000509000000000000" pitchFamily="65" charset="-120"/>
+                        <a:cs typeface="Times New Roman" panose="02020603050405020304" pitchFamily="18" charset="0"/>
+                      </a:rPr>
+                      <m:t>)</m:t>
+                    </m:r>
+                  </m:oMath>
+                </a14:m>
+                <a:r>
+                  <a:rPr lang="zh-TW" altLang="zh-TW" dirty="0">
+                    <a:latin typeface="Times New Roman" panose="02020603050405020304" pitchFamily="18" charset="0"/>
+                    <a:ea typeface="標楷體" panose="03000509000000000000" pitchFamily="65" charset="-120"/>
+                    <a:cs typeface="Times New Roman" panose="02020603050405020304" pitchFamily="18" charset="0"/>
+                  </a:rPr>
+                  <a:t>是相位</a:t>
+                </a:r>
+                <a:r>
+                  <a:rPr lang="zh-TW" altLang="zh-TW" dirty="0" smtClean="0">
+                    <a:latin typeface="Times New Roman" panose="02020603050405020304" pitchFamily="18" charset="0"/>
+                    <a:ea typeface="標楷體" panose="03000509000000000000" pitchFamily="65" charset="-120"/>
+                    <a:cs typeface="Times New Roman" panose="02020603050405020304" pitchFamily="18" charset="0"/>
+                  </a:rPr>
+                  <a:t>，</a:t>
+                </a:r>
+                <a:endParaRPr lang="en-US" altLang="zh-TW" dirty="0" smtClean="0">
+                  <a:latin typeface="Times New Roman" panose="02020603050405020304" pitchFamily="18" charset="0"/>
+                  <a:ea typeface="標楷體" panose="03000509000000000000" pitchFamily="65" charset="-120"/>
+                  <a:cs typeface="Times New Roman" panose="02020603050405020304" pitchFamily="18" charset="0"/>
+                </a:endParaRPr>
+              </a:p>
+              <a:p>
+                <a:r>
+                  <a:rPr lang="zh-TW" altLang="zh-TW" dirty="0" smtClean="0">
+                    <a:latin typeface="Times New Roman" panose="02020603050405020304" pitchFamily="18" charset="0"/>
+                    <a:ea typeface="標楷體" panose="03000509000000000000" pitchFamily="65" charset="-120"/>
+                    <a:cs typeface="Times New Roman" panose="02020603050405020304" pitchFamily="18" charset="0"/>
+                  </a:rPr>
+                  <a:t>不同</a:t>
+                </a:r>
+                <a:r>
+                  <a:rPr lang="zh-TW" altLang="zh-TW" dirty="0">
+                    <a:latin typeface="Times New Roman" panose="02020603050405020304" pitchFamily="18" charset="0"/>
+                    <a:ea typeface="標楷體" panose="03000509000000000000" pitchFamily="65" charset="-120"/>
+                    <a:cs typeface="Times New Roman" panose="02020603050405020304" pitchFamily="18" charset="0"/>
+                  </a:rPr>
+                  <a:t>頻率可得不同振幅和</a:t>
+                </a:r>
+                <a:r>
+                  <a:rPr lang="zh-TW" altLang="zh-TW" dirty="0" smtClean="0">
+                    <a:latin typeface="Times New Roman" panose="02020603050405020304" pitchFamily="18" charset="0"/>
+                    <a:ea typeface="標楷體" panose="03000509000000000000" pitchFamily="65" charset="-120"/>
+                    <a:cs typeface="Times New Roman" panose="02020603050405020304" pitchFamily="18" charset="0"/>
+                  </a:rPr>
+                  <a:t>相位</a:t>
+                </a:r>
+                <a:r>
+                  <a:rPr lang="zh-TW" altLang="en-US" dirty="0" smtClean="0">
+                    <a:latin typeface="Times New Roman" panose="02020603050405020304" pitchFamily="18" charset="0"/>
+                    <a:ea typeface="標楷體" panose="03000509000000000000" pitchFamily="65" charset="-120"/>
+                    <a:cs typeface="Times New Roman" panose="02020603050405020304" pitchFamily="18" charset="0"/>
+                  </a:rPr>
+                  <a:t>。</a:t>
+                </a:r>
+                <a:endParaRPr lang="zh-TW" altLang="en-US" dirty="0"/>
+              </a:p>
+            </p:txBody>
+          </p:sp>
+        </mc:Choice>
+        <mc:Fallback>
+          <p:sp>
+            <p:nvSpPr>
+              <p:cNvPr id="14" name="矩形 13"/>
+              <p:cNvSpPr>
+                <a:spLocks noRot="1" noChangeAspect="1" noMove="1" noResize="1" noEditPoints="1" noAdjustHandles="1" noChangeArrowheads="1" noChangeShapeType="1" noTextEdit="1"/>
+              </p:cNvSpPr>
+              <p:nvPr/>
+            </p:nvSpPr>
+            <p:spPr>
+              <a:xfrm>
+                <a:off x="5883894" y="1857563"/>
+                <a:ext cx="6096000" cy="1200329"/>
+              </a:xfrm>
+              <a:prstGeom prst="rect">
+                <a:avLst/>
+              </a:prstGeom>
+              <a:blipFill>
+                <a:blip r:embed="rId5"/>
+                <a:stretch>
+                  <a:fillRect l="-800" t="-3046" b="-7107"/>
+                </a:stretch>
+              </a:blipFill>
+            </p:spPr>
+            <p:txBody>
+              <a:bodyPr/>
+              <a:lstStyle/>
+              <a:p>
+                <a:r>
+                  <a:rPr lang="zh-TW" altLang="en-US">
+                    <a:noFill/>
+                  </a:rPr>
+                  <a:t> </a:t>
+                </a:r>
+              </a:p>
+            </p:txBody>
+          </p:sp>
+        </mc:Fallback>
+      </mc:AlternateContent>
+      <p:pic>
+        <p:nvPicPr>
+          <p:cNvPr id="15" name="圖片 14">
+            <a:extLst>
+              <a:ext uri="{FF2B5EF4-FFF2-40B4-BE49-F238E27FC236}">
+                <a16:creationId xmlns:a16="http://schemas.microsoft.com/office/drawing/2014/main" id="{B2E23155-CFE0-4736-BE42-03F770347E2C}"/>
+              </a:ext>
+            </a:extLst>
+          </p:cNvPr>
+          <p:cNvPicPr>
+            <a:picLocks noChangeAspect="1"/>
+          </p:cNvPicPr>
+          <p:nvPr/>
+        </p:nvPicPr>
+        <p:blipFill>
+          <a:blip r:embed="rId6">
+            <a:extLst>
+              <a:ext uri="{28A0092B-C50C-407E-A947-70E740481C1C}">
+                <a14:useLocalDpi xmlns:a14="http://schemas.microsoft.com/office/drawing/2010/main" val="0"/>
+              </a:ext>
+            </a:extLst>
+          </a:blip>
+          <a:stretch>
+            <a:fillRect/>
+          </a:stretch>
+        </p:blipFill>
+        <p:spPr>
+          <a:xfrm>
+            <a:off x="6822786" y="3057892"/>
+            <a:ext cx="3260328" cy="2979751"/>
+          </a:xfrm>
+          <a:prstGeom prst="rect">
+            <a:avLst/>
+          </a:prstGeom>
+        </p:spPr>
+      </p:pic>
     </p:spTree>
     <p:extLst>
       <p:ext uri="{BB962C8B-B14F-4D97-AF65-F5344CB8AC3E}">
@@ -18069,10 +22670,115 @@
   <p:clrMapOvr>
     <a:masterClrMapping/>
   </p:clrMapOvr>
+  <p:timing>
+    <p:tnLst>
+      <p:par>
+        <p:cTn id="1" dur="indefinite" restart="never" nodeType="tmRoot">
+          <p:childTnLst>
+            <p:seq concurrent="1" nextAc="seek">
+              <p:cTn id="2" dur="indefinite" nodeType="mainSeq">
+                <p:childTnLst>
+                  <p:par>
+                    <p:cTn id="3" fill="hold">
+                      <p:stCondLst>
+                        <p:cond delay="indefinite"/>
+                      </p:stCondLst>
+                      <p:childTnLst>
+                        <p:par>
+                          <p:cTn id="4" fill="hold">
+                            <p:stCondLst>
+                              <p:cond delay="0"/>
+                            </p:stCondLst>
+                            <p:childTnLst>
+                              <p:par>
+                                <p:cTn id="5" presetID="1" presetClass="entr" presetSubtype="0" fill="hold" grpId="0" nodeType="clickEffect">
+                                  <p:stCondLst>
+                                    <p:cond delay="0"/>
+                                  </p:stCondLst>
+                                  <p:childTnLst>
+                                    <p:set>
+                                      <p:cBhvr>
+                                        <p:cTn id="6" dur="1" fill="hold">
+                                          <p:stCondLst>
+                                            <p:cond delay="0"/>
+                                          </p:stCondLst>
+                                        </p:cTn>
+                                        <p:tgtEl>
+                                          <p:spTgt spid="14"/>
+                                        </p:tgtEl>
+                                        <p:attrNameLst>
+                                          <p:attrName>style.visibility</p:attrName>
+                                        </p:attrNameLst>
+                                      </p:cBhvr>
+                                      <p:to>
+                                        <p:strVal val="visible"/>
+                                      </p:to>
+                                    </p:set>
+                                  </p:childTnLst>
+                                </p:cTn>
+                              </p:par>
+                              <p:par>
+                                <p:cTn id="7" presetID="1" presetClass="entr" presetSubtype="0" fill="hold" nodeType="withEffect">
+                                  <p:stCondLst>
+                                    <p:cond delay="0"/>
+                                  </p:stCondLst>
+                                  <p:childTnLst>
+                                    <p:set>
+                                      <p:cBhvr>
+                                        <p:cTn id="8" dur="1" fill="hold">
+                                          <p:stCondLst>
+                                            <p:cond delay="0"/>
+                                          </p:stCondLst>
+                                        </p:cTn>
+                                        <p:tgtEl>
+                                          <p:spTgt spid="15"/>
+                                        </p:tgtEl>
+                                        <p:attrNameLst>
+                                          <p:attrName>style.visibility</p:attrName>
+                                        </p:attrNameLst>
+                                      </p:cBhvr>
+                                      <p:to>
+                                        <p:strVal val="visible"/>
+                                      </p:to>
+                                    </p:set>
+                                  </p:childTnLst>
+                                </p:cTn>
+                              </p:par>
+                            </p:childTnLst>
+                          </p:cTn>
+                        </p:par>
+                      </p:childTnLst>
+                    </p:cTn>
+                  </p:par>
+                </p:childTnLst>
+              </p:cTn>
+              <p:prevCondLst>
+                <p:cond evt="onPrev" delay="0">
+                  <p:tgtEl>
+                    <p:sldTgt/>
+                  </p:tgtEl>
+                </p:cond>
+              </p:prevCondLst>
+              <p:nextCondLst>
+                <p:cond evt="onNext" delay="0">
+                  <p:tgtEl>
+                    <p:sldTgt/>
+                  </p:tgtEl>
+                </p:cond>
+              </p:nextCondLst>
+            </p:seq>
+          </p:childTnLst>
+        </p:cTn>
+      </p:par>
+    </p:tnLst>
+    <p:bldLst>
+      <p:bldP spid="14" grpId="0"/>
+    </p:bldLst>
+  </p:timing>
 </p:sld>
 </file>
 
-<file path=ppt/slides/slide4.xml><?xml version="1.0" encoding="utf-8"?>
+<file path=ppt/slides/slide7.xml><?xml version="1.0" encoding="utf-8"?>
 <p:sld xmlns:a="http://schemas.openxmlformats.org/drawingml/2006/main" xmlns:r="http://schemas.openxmlformats.org/officeDocument/2006/relationships" xmlns:p="http://schemas.openxmlformats.org/presentationml/2006/main">
   <p:cSld>
     <p:spTree>
@@ -18380,6 +23086,96 @@
           </a:p>
         </p:txBody>
       </p:sp>
+      <p:sp>
+        <p:nvSpPr>
+          <p:cNvPr id="3" name="文字方塊 2"/>
+          <p:cNvSpPr txBox="1"/>
+          <p:nvPr/>
+        </p:nvSpPr>
+        <p:spPr>
+          <a:xfrm>
+            <a:off x="5974810" y="3177033"/>
+            <a:ext cx="646331" cy="369332"/>
+          </a:xfrm>
+          <a:prstGeom prst="rect">
+            <a:avLst/>
+          </a:prstGeom>
+          <a:noFill/>
+        </p:spPr>
+        <p:txBody>
+          <a:bodyPr wrap="none" rtlCol="0">
+            <a:spAutoFit/>
+          </a:bodyPr>
+          <a:lstStyle/>
+          <a:p>
+            <a:r>
+              <a:rPr lang="zh-TW" altLang="en-US" dirty="0" smtClean="0"/>
+              <a:t>已知</a:t>
+            </a:r>
+            <a:endParaRPr lang="zh-TW" altLang="en-US" dirty="0"/>
+          </a:p>
+        </p:txBody>
+      </p:sp>
+      <p:sp>
+        <p:nvSpPr>
+          <p:cNvPr id="11" name="文字方塊 10"/>
+          <p:cNvSpPr txBox="1"/>
+          <p:nvPr/>
+        </p:nvSpPr>
+        <p:spPr>
+          <a:xfrm>
+            <a:off x="5981880" y="4576082"/>
+            <a:ext cx="646331" cy="369332"/>
+          </a:xfrm>
+          <a:prstGeom prst="rect">
+            <a:avLst/>
+          </a:prstGeom>
+          <a:noFill/>
+        </p:spPr>
+        <p:txBody>
+          <a:bodyPr wrap="none" rtlCol="0">
+            <a:spAutoFit/>
+          </a:bodyPr>
+          <a:lstStyle/>
+          <a:p>
+            <a:r>
+              <a:rPr lang="zh-TW" altLang="en-US" dirty="0" smtClean="0"/>
+              <a:t>已知</a:t>
+            </a:r>
+            <a:endParaRPr lang="zh-TW" altLang="en-US" dirty="0"/>
+          </a:p>
+        </p:txBody>
+      </p:sp>
+      <p:sp>
+        <p:nvSpPr>
+          <p:cNvPr id="12" name="文字方塊 11"/>
+          <p:cNvSpPr txBox="1"/>
+          <p:nvPr/>
+        </p:nvSpPr>
+        <p:spPr>
+          <a:xfrm>
+            <a:off x="9855913" y="3205143"/>
+            <a:ext cx="646331" cy="369332"/>
+          </a:xfrm>
+          <a:prstGeom prst="rect">
+            <a:avLst/>
+          </a:prstGeom>
+          <a:noFill/>
+        </p:spPr>
+        <p:txBody>
+          <a:bodyPr wrap="none" rtlCol="0">
+            <a:spAutoFit/>
+          </a:bodyPr>
+          <a:lstStyle/>
+          <a:p>
+            <a:r>
+              <a:rPr lang="zh-TW" altLang="en-US" dirty="0" smtClean="0"/>
+              <a:t>已知</a:t>
+            </a:r>
+            <a:endParaRPr lang="zh-TW" altLang="en-US" dirty="0"/>
+          </a:p>
+        </p:txBody>
+      </p:sp>
     </p:spTree>
     <p:extLst>
       <p:ext uri="{BB962C8B-B14F-4D97-AF65-F5344CB8AC3E}">
@@ -18402,6 +23198,9 @@
                     <p:cTn id="3" fill="hold">
                       <p:stCondLst>
                         <p:cond delay="indefinite"/>
+                        <p:cond evt="onBegin" delay="0">
+                          <p:tn val="2"/>
+                        </p:cond>
                       </p:stCondLst>
                       <p:childTnLst>
                         <p:par>
@@ -18411,7 +23210,7 @@
                             </p:stCondLst>
                             <p:childTnLst>
                               <p:par>
-                                <p:cTn id="5" presetID="1" presetClass="entr" presetSubtype="0" fill="hold" grpId="0" nodeType="clickEffect">
+                                <p:cTn id="5" presetID="1" presetClass="entr" presetSubtype="0" fill="hold" grpId="0" nodeType="withEffect">
                                   <p:stCondLst>
                                     <p:cond delay="0"/>
                                   </p:stCondLst>
@@ -18424,7 +23223,7 @@
                                           </p:stCondLst>
                                         </p:cTn>
                                         <p:tgtEl>
-                                          <p:spTgt spid="20"/>
+                                          <p:spTgt spid="12"/>
                                         </p:tgtEl>
                                         <p:attrNameLst>
                                           <p:attrName>style.visibility</p:attrName>
@@ -18451,7 +23250,7 @@
                                           </p:stCondLst>
                                         </p:cTn>
                                         <p:tgtEl>
-                                          <p:spTgt spid="19"/>
+                                          <p:spTgt spid="3"/>
                                         </p:tgtEl>
                                         <p:attrNameLst>
                                           <p:attrName>style.visibility</p:attrName>
@@ -18478,7 +23277,7 @@
                                           </p:stCondLst>
                                         </p:cTn>
                                         <p:tgtEl>
-                                          <p:spTgt spid="14"/>
+                                          <p:spTgt spid="11"/>
                                         </p:tgtEl>
                                         <p:attrNameLst>
                                           <p:attrName>style.visibility</p:attrName>
@@ -18519,15 +23318,15 @@
       </p:par>
     </p:tnLst>
     <p:bldLst>
-      <p:bldP spid="14" grpId="0"/>
-      <p:bldP spid="19" grpId="0"/>
-      <p:bldP spid="20" grpId="0"/>
+      <p:bldP spid="3" grpId="0"/>
+      <p:bldP spid="11" grpId="0"/>
+      <p:bldP spid="12" grpId="0"/>
     </p:bldLst>
   </p:timing>
 </p:sld>
 </file>
 
-<file path=ppt/slides/slide5.xml><?xml version="1.0" encoding="utf-8"?>
+<file path=ppt/slides/slide8.xml><?xml version="1.0" encoding="utf-8"?>
 <p:sld xmlns:a="http://schemas.openxmlformats.org/drawingml/2006/main" xmlns:r="http://schemas.openxmlformats.org/officeDocument/2006/relationships" xmlns:p="http://schemas.openxmlformats.org/presentationml/2006/main">
   <p:cSld>
     <p:spTree>
@@ -19213,7 +24012,7 @@
                   <a:buChar char=""/>
                 </a:pPr>
                 <a:r>
-                  <a:rPr lang="zh-TW" altLang="zh-TW" sz="1800" kern="100" dirty="0">
+                  <a:rPr lang="zh-TW" altLang="zh-TW" sz="1800" b="1" kern="100" dirty="0">
                     <a:effectLst/>
                     <a:latin typeface="Times New Roman" panose="02020603050405020304" pitchFamily="18" charset="0"/>
                     <a:ea typeface="標楷體" panose="03000509000000000000" pitchFamily="65" charset="-120"/>
@@ -19221,7 +24020,7 @@
                   </a:rPr>
                   <a:t>兩邊取倒數</a:t>
                 </a:r>
-                <a:endParaRPr lang="zh-TW" altLang="zh-TW" sz="1800" kern="100" dirty="0">
+                <a:endParaRPr lang="zh-TW" altLang="zh-TW" sz="1800" b="1" kern="100" dirty="0">
                   <a:effectLst/>
                   <a:latin typeface="Calibri" panose="020F0502020204030204" pitchFamily="34" charset="0"/>
                   <a:ea typeface="新細明體" panose="02020500000000000000" pitchFamily="18" charset="-120"/>
@@ -20642,7 +25441,7 @@
         </p:blipFill>
         <p:spPr>
           <a:xfrm>
-            <a:off x="5829300" y="4686425"/>
+            <a:off x="6713720" y="4521534"/>
             <a:ext cx="2917022" cy="1117476"/>
           </a:xfrm>
           <a:prstGeom prst="rect">
@@ -20784,7 +25583,7 @@
 </p:sld>
 </file>
 
-<file path=ppt/slides/slide6.xml><?xml version="1.0" encoding="utf-8"?>
+<file path=ppt/slides/slide9.xml><?xml version="1.0" encoding="utf-8"?>
 <p:sld xmlns:a="http://schemas.openxmlformats.org/drawingml/2006/main" xmlns:r="http://schemas.openxmlformats.org/officeDocument/2006/relationships" xmlns:p="http://schemas.openxmlformats.org/presentationml/2006/main">
   <p:cSld>
     <p:spTree>
@@ -20898,7 +25697,16 @@
                 <a:ea typeface="新細明體" panose="02020500000000000000" pitchFamily="18" charset="-120"/>
                 <a:cs typeface="Times New Roman" panose="02020603050405020304" pitchFamily="18" charset="0"/>
               </a:rPr>
-              <a:t>總時間</a:t>
+              <a:t>總</a:t>
+            </a:r>
+            <a:r>
+              <a:rPr lang="zh-TW" altLang="en-US" sz="2800" kern="100" dirty="0" smtClean="0">
+                <a:effectLst/>
+                <a:latin typeface="Calibri" panose="020F0502020204030204" pitchFamily="34" charset="0"/>
+                <a:ea typeface="新細明體" panose="02020500000000000000" pitchFamily="18" charset="-120"/>
+                <a:cs typeface="Times New Roman" panose="02020603050405020304" pitchFamily="18" charset="0"/>
+              </a:rPr>
+              <a:t>時間</a:t>
             </a:r>
             <a:endParaRPr lang="en-US" altLang="zh-TW" sz="2800" kern="100" dirty="0">
               <a:latin typeface="Calibri" panose="020F0502020204030204" pitchFamily="34" charset="0"/>
@@ -20980,770 +25788,13 @@
   <p:clrMapOvr>
     <a:masterClrMapping/>
   </p:clrMapOvr>
-</p:sld>
-</file>
-
-<file path=ppt/slides/slide7.xml><?xml version="1.0" encoding="utf-8"?>
-<p:sld xmlns:a="http://schemas.openxmlformats.org/drawingml/2006/main" xmlns:r="http://schemas.openxmlformats.org/officeDocument/2006/relationships" xmlns:p="http://schemas.openxmlformats.org/presentationml/2006/main">
-  <p:cSld>
-    <p:spTree>
-      <p:nvGrpSpPr>
-        <p:cNvPr id="1" name=""/>
-        <p:cNvGrpSpPr/>
-        <p:nvPr/>
-      </p:nvGrpSpPr>
-      <p:grpSpPr>
-        <a:xfrm>
-          <a:off x="0" y="0"/>
-          <a:ext cx="0" cy="0"/>
-          <a:chOff x="0" y="0"/>
-          <a:chExt cx="0" cy="0"/>
-        </a:xfrm>
-      </p:grpSpPr>
-      <p:sp>
-        <p:nvSpPr>
-          <p:cNvPr id="2" name="標題 1">
-            <a:extLst>
-              <a:ext uri="{FF2B5EF4-FFF2-40B4-BE49-F238E27FC236}">
-                <a16:creationId xmlns:a16="http://schemas.microsoft.com/office/drawing/2014/main" id="{4E93AF22-34CE-4495-8DD0-7EAF30BB3997}"/>
-              </a:ext>
-            </a:extLst>
-          </p:cNvPr>
-          <p:cNvSpPr>
-            <a:spLocks noGrp="1"/>
-          </p:cNvSpPr>
-          <p:nvPr>
-            <p:ph type="title"/>
-          </p:nvPr>
-        </p:nvSpPr>
-        <p:spPr/>
-        <p:txBody>
-          <a:bodyPr/>
-          <a:lstStyle/>
-          <a:p>
-            <a:r>
-              <a:rPr lang="zh-TW" altLang="en-US" dirty="0"/>
-              <a:t>其他</a:t>
-            </a:r>
-          </a:p>
-        </p:txBody>
-      </p:sp>
-      <p:sp>
-        <p:nvSpPr>
-          <p:cNvPr id="3" name="內容版面配置區 2">
-            <a:extLst>
-              <a:ext uri="{FF2B5EF4-FFF2-40B4-BE49-F238E27FC236}">
-                <a16:creationId xmlns:a16="http://schemas.microsoft.com/office/drawing/2014/main" id="{A171B860-ED1A-436D-B1E4-F162E947185F}"/>
-              </a:ext>
-            </a:extLst>
-          </p:cNvPr>
-          <p:cNvSpPr>
-            <a:spLocks noGrp="1"/>
-          </p:cNvSpPr>
-          <p:nvPr>
-            <p:ph idx="1"/>
-          </p:nvPr>
-        </p:nvSpPr>
-        <p:spPr/>
-        <p:txBody>
-          <a:bodyPr/>
-          <a:lstStyle/>
-          <a:p>
-            <a:pPr marL="0" lvl="0" indent="0">
-              <a:buNone/>
-            </a:pPr>
-            <a:r>
-              <a:rPr lang="zh-TW" altLang="zh-TW" sz="2800" kern="100" dirty="0">
-                <a:effectLst/>
-                <a:latin typeface="Calibri" panose="020F0502020204030204" pitchFamily="34" charset="0"/>
-                <a:ea typeface="新細明體" panose="02020500000000000000" pitchFamily="18" charset="-120"/>
-                <a:cs typeface="Times New Roman" panose="02020603050405020304" pitchFamily="18" charset="0"/>
-              </a:rPr>
-              <a:t>已確定所用</a:t>
-            </a:r>
-            <a:r>
-              <a:rPr lang="en-US" altLang="zh-TW" sz="2800" kern="100" dirty="0">
-                <a:effectLst/>
-                <a:latin typeface="Calibri" panose="020F0502020204030204" pitchFamily="34" charset="0"/>
-                <a:ea typeface="新細明體" panose="02020500000000000000" pitchFamily="18" charset="-120"/>
-                <a:cs typeface="Times New Roman" panose="02020603050405020304" pitchFamily="18" charset="0"/>
-              </a:rPr>
-              <a:t>python</a:t>
-            </a:r>
-            <a:r>
-              <a:rPr lang="zh-TW" altLang="en-US" sz="2800" kern="100" dirty="0">
-                <a:effectLst/>
-                <a:latin typeface="Calibri" panose="020F0502020204030204" pitchFamily="34" charset="0"/>
-                <a:ea typeface="新細明體" panose="02020500000000000000" pitchFamily="18" charset="-120"/>
-                <a:cs typeface="Times New Roman" panose="02020603050405020304" pitchFamily="18" charset="0"/>
-              </a:rPr>
-              <a:t> </a:t>
-            </a:r>
-            <a:r>
-              <a:rPr lang="zh-TW" altLang="zh-TW" sz="2800" kern="100" dirty="0">
-                <a:effectLst/>
-                <a:latin typeface="Calibri" panose="020F0502020204030204" pitchFamily="34" charset="0"/>
-                <a:ea typeface="新細明體" panose="02020500000000000000" pitchFamily="18" charset="-120"/>
-                <a:cs typeface="Times New Roman" panose="02020603050405020304" pitchFamily="18" charset="0"/>
-              </a:rPr>
-              <a:t>模塊的正確性</a:t>
-            </a:r>
-          </a:p>
-          <a:p>
-            <a:pPr lvl="0">
-              <a:buFont typeface="Wingdings" panose="05000000000000000000" pitchFamily="2" charset="2"/>
-              <a:buChar char="u"/>
-            </a:pPr>
-            <a:r>
-              <a:rPr lang="zh-TW" altLang="en-US" sz="2800" kern="100" dirty="0">
-                <a:effectLst/>
-                <a:latin typeface="Calibri" panose="020F0502020204030204" pitchFamily="34" charset="0"/>
-                <a:ea typeface="新細明體" panose="02020500000000000000" pitchFamily="18" charset="-120"/>
-                <a:cs typeface="Times New Roman" panose="02020603050405020304" pitchFamily="18" charset="0"/>
-              </a:rPr>
-              <a:t> </a:t>
-            </a:r>
-            <a:r>
-              <a:rPr lang="en-US" altLang="zh-TW" sz="2800" kern="100" dirty="0">
-                <a:effectLst/>
-                <a:latin typeface="Calibri" panose="020F0502020204030204" pitchFamily="34" charset="0"/>
-                <a:ea typeface="新細明體" panose="02020500000000000000" pitchFamily="18" charset="-120"/>
-                <a:cs typeface="Times New Roman" panose="02020603050405020304" pitchFamily="18" charset="0"/>
-              </a:rPr>
-              <a:t>FFT (from </a:t>
-            </a:r>
-            <a:r>
-              <a:rPr lang="en-US" altLang="zh-TW" sz="2800" kern="100" dirty="0" err="1">
-                <a:effectLst/>
-                <a:latin typeface="Calibri" panose="020F0502020204030204" pitchFamily="34" charset="0"/>
-                <a:ea typeface="新細明體" panose="02020500000000000000" pitchFamily="18" charset="-120"/>
-                <a:cs typeface="Times New Roman" panose="02020603050405020304" pitchFamily="18" charset="0"/>
-              </a:rPr>
-              <a:t>scipy.fftpack</a:t>
-            </a:r>
-            <a:r>
-              <a:rPr lang="en-US" altLang="zh-TW" sz="2800" kern="100" dirty="0">
-                <a:effectLst/>
-                <a:latin typeface="Calibri" panose="020F0502020204030204" pitchFamily="34" charset="0"/>
-                <a:ea typeface="新細明體" panose="02020500000000000000" pitchFamily="18" charset="-120"/>
-                <a:cs typeface="Times New Roman" panose="02020603050405020304" pitchFamily="18" charset="0"/>
-              </a:rPr>
-              <a:t> import </a:t>
-            </a:r>
-            <a:r>
-              <a:rPr lang="en-US" altLang="zh-TW" sz="2800" kern="100" dirty="0" err="1">
-                <a:effectLst/>
-                <a:latin typeface="Calibri" panose="020F0502020204030204" pitchFamily="34" charset="0"/>
-                <a:ea typeface="新細明體" panose="02020500000000000000" pitchFamily="18" charset="-120"/>
-                <a:cs typeface="Times New Roman" panose="02020603050405020304" pitchFamily="18" charset="0"/>
-              </a:rPr>
-              <a:t>fft</a:t>
-            </a:r>
-            <a:r>
-              <a:rPr lang="en-US" altLang="zh-TW" sz="2800" kern="100" dirty="0">
-                <a:effectLst/>
-                <a:latin typeface="Calibri" panose="020F0502020204030204" pitchFamily="34" charset="0"/>
-                <a:ea typeface="新細明體" panose="02020500000000000000" pitchFamily="18" charset="-120"/>
-                <a:cs typeface="Times New Roman" panose="02020603050405020304" pitchFamily="18" charset="0"/>
-              </a:rPr>
-              <a:t>)</a:t>
-            </a:r>
-          </a:p>
-          <a:p>
-            <a:pPr marL="0" lvl="0" indent="0">
-              <a:buNone/>
-            </a:pPr>
-            <a:r>
-              <a:rPr lang="en-US" altLang="zh-TW" sz="2800" kern="100" dirty="0">
-                <a:latin typeface="Calibri" panose="020F0502020204030204" pitchFamily="34" charset="0"/>
-                <a:ea typeface="新細明體" panose="02020500000000000000" pitchFamily="18" charset="-120"/>
-                <a:cs typeface="Times New Roman" panose="02020603050405020304" pitchFamily="18" charset="0"/>
-              </a:rPr>
-              <a:t>	</a:t>
-            </a:r>
-            <a:r>
-              <a:rPr lang="zh-TW" altLang="en-US" sz="2800" kern="100" dirty="0">
-                <a:latin typeface="Calibri" panose="020F0502020204030204" pitchFamily="34" charset="0"/>
-                <a:ea typeface="新細明體" panose="02020500000000000000" pitchFamily="18" charset="-120"/>
-                <a:cs typeface="Times New Roman" panose="02020603050405020304" pitchFamily="18" charset="0"/>
-              </a:rPr>
-              <a:t>用幾個頻率固定</a:t>
-            </a:r>
-            <a:r>
-              <a:rPr lang="en-US" altLang="zh-TW" sz="2800" kern="100" dirty="0">
-                <a:latin typeface="Calibri" panose="020F0502020204030204" pitchFamily="34" charset="0"/>
-                <a:ea typeface="新細明體" panose="02020500000000000000" pitchFamily="18" charset="-120"/>
-                <a:cs typeface="Times New Roman" panose="02020603050405020304" pitchFamily="18" charset="0"/>
-              </a:rPr>
-              <a:t>sin</a:t>
-            </a:r>
-            <a:r>
-              <a:rPr lang="zh-TW" altLang="en-US" sz="2800" kern="100" dirty="0">
-                <a:latin typeface="Calibri" panose="020F0502020204030204" pitchFamily="34" charset="0"/>
-                <a:ea typeface="新細明體" panose="02020500000000000000" pitchFamily="18" charset="-120"/>
-                <a:cs typeface="Times New Roman" panose="02020603050405020304" pitchFamily="18" charset="0"/>
-              </a:rPr>
-              <a:t>波組合，在傅立葉轉換回去</a:t>
-            </a:r>
-            <a:endParaRPr lang="en-US" altLang="zh-TW" sz="2800" kern="100" dirty="0">
-              <a:effectLst/>
-              <a:latin typeface="Calibri" panose="020F0502020204030204" pitchFamily="34" charset="0"/>
-              <a:ea typeface="新細明體" panose="02020500000000000000" pitchFamily="18" charset="-120"/>
-              <a:cs typeface="Times New Roman" panose="02020603050405020304" pitchFamily="18" charset="0"/>
-            </a:endParaRPr>
-          </a:p>
-          <a:p>
-            <a:pPr>
-              <a:buFont typeface="Wingdings" panose="05000000000000000000" pitchFamily="2" charset="2"/>
-              <a:buChar char="u"/>
-            </a:pPr>
-            <a:r>
-              <a:rPr lang="zh-TW" altLang="en-US" sz="2800" kern="100" dirty="0">
-                <a:effectLst/>
-                <a:latin typeface="Calibri" panose="020F0502020204030204" pitchFamily="34" charset="0"/>
-                <a:ea typeface="新細明體" panose="02020500000000000000" pitchFamily="18" charset="-120"/>
-                <a:cs typeface="Times New Roman" panose="02020603050405020304" pitchFamily="18" charset="0"/>
-              </a:rPr>
-              <a:t> </a:t>
-            </a:r>
-            <a:r>
-              <a:rPr lang="zh-TW" altLang="zh-TW" sz="2800" kern="100" dirty="0">
-                <a:effectLst/>
-                <a:latin typeface="Calibri" panose="020F0502020204030204" pitchFamily="34" charset="0"/>
-                <a:ea typeface="新細明體" panose="02020500000000000000" pitchFamily="18" charset="-120"/>
-                <a:cs typeface="Times New Roman" panose="02020603050405020304" pitchFamily="18" charset="0"/>
-              </a:rPr>
-              <a:t>簡單迴歸、過原點簡單迴歸 </a:t>
-            </a:r>
-            <a:r>
-              <a:rPr lang="en-US" altLang="zh-TW" sz="2800" kern="100" dirty="0">
-                <a:effectLst/>
-                <a:latin typeface="Calibri" panose="020F0502020204030204" pitchFamily="34" charset="0"/>
-                <a:ea typeface="新細明體" panose="02020500000000000000" pitchFamily="18" charset="-120"/>
-                <a:cs typeface="Times New Roman" panose="02020603050405020304" pitchFamily="18" charset="0"/>
-              </a:rPr>
-              <a:t>(from </a:t>
-            </a:r>
-            <a:r>
-              <a:rPr lang="en-US" altLang="zh-TW" sz="2800" kern="100" dirty="0" err="1">
-                <a:effectLst/>
-                <a:latin typeface="Calibri" panose="020F0502020204030204" pitchFamily="34" charset="0"/>
-                <a:ea typeface="新細明體" panose="02020500000000000000" pitchFamily="18" charset="-120"/>
-                <a:cs typeface="Times New Roman" panose="02020603050405020304" pitchFamily="18" charset="0"/>
-              </a:rPr>
-              <a:t>sklearn</a:t>
-            </a:r>
-            <a:r>
-              <a:rPr lang="en-US" altLang="zh-TW" sz="2800" kern="100" dirty="0">
-                <a:effectLst/>
-                <a:latin typeface="Calibri" panose="020F0502020204030204" pitchFamily="34" charset="0"/>
-                <a:ea typeface="新細明體" panose="02020500000000000000" pitchFamily="18" charset="-120"/>
-                <a:cs typeface="Times New Roman" panose="02020603050405020304" pitchFamily="18" charset="0"/>
-              </a:rPr>
-              <a:t> import </a:t>
-            </a:r>
-            <a:r>
-              <a:rPr lang="en-US" altLang="zh-TW" sz="2800" kern="100" dirty="0" err="1">
-                <a:effectLst/>
-                <a:latin typeface="Calibri" panose="020F0502020204030204" pitchFamily="34" charset="0"/>
-                <a:ea typeface="新細明體" panose="02020500000000000000" pitchFamily="18" charset="-120"/>
-                <a:cs typeface="Times New Roman" panose="02020603050405020304" pitchFamily="18" charset="0"/>
-              </a:rPr>
-              <a:t>linear_model</a:t>
-            </a:r>
-            <a:r>
-              <a:rPr lang="en-US" altLang="zh-TW" sz="2800" kern="100" dirty="0">
-                <a:effectLst/>
-                <a:latin typeface="Calibri" panose="020F0502020204030204" pitchFamily="34" charset="0"/>
-                <a:ea typeface="新細明體" panose="02020500000000000000" pitchFamily="18" charset="-120"/>
-                <a:cs typeface="Times New Roman" panose="02020603050405020304" pitchFamily="18" charset="0"/>
-              </a:rPr>
-              <a:t>)</a:t>
-            </a:r>
-          </a:p>
-          <a:p>
-            <a:pPr marL="0" indent="0">
-              <a:buNone/>
-            </a:pPr>
-            <a:r>
-              <a:rPr lang="en-US" altLang="zh-TW" sz="2800" kern="100" dirty="0">
-                <a:latin typeface="Calibri" panose="020F0502020204030204" pitchFamily="34" charset="0"/>
-                <a:ea typeface="新細明體" panose="02020500000000000000" pitchFamily="18" charset="-120"/>
-                <a:cs typeface="Times New Roman" panose="02020603050405020304" pitchFamily="18" charset="0"/>
-              </a:rPr>
-              <a:t>	</a:t>
-            </a:r>
-            <a:r>
-              <a:rPr lang="zh-TW" altLang="en-US" sz="2800" kern="100" dirty="0">
-                <a:latin typeface="Calibri" panose="020F0502020204030204" pitchFamily="34" charset="0"/>
-                <a:ea typeface="新細明體" panose="02020500000000000000" pitchFamily="18" charset="-120"/>
-                <a:cs typeface="Times New Roman" panose="02020603050405020304" pitchFamily="18" charset="0"/>
-              </a:rPr>
-              <a:t>用</a:t>
-            </a:r>
-            <a:r>
-              <a:rPr lang="en-US" altLang="zh-TW" sz="2800" kern="100" dirty="0">
-                <a:latin typeface="Calibri" panose="020F0502020204030204" pitchFamily="34" charset="0"/>
-                <a:ea typeface="新細明體" panose="02020500000000000000" pitchFamily="18" charset="-120"/>
-                <a:cs typeface="Times New Roman" panose="02020603050405020304" pitchFamily="18" charset="0"/>
-              </a:rPr>
-              <a:t>Excel</a:t>
-            </a:r>
-            <a:r>
-              <a:rPr lang="zh-TW" altLang="en-US" sz="2800" kern="100" dirty="0">
-                <a:latin typeface="Calibri" panose="020F0502020204030204" pitchFamily="34" charset="0"/>
-                <a:ea typeface="新細明體" panose="02020500000000000000" pitchFamily="18" charset="-120"/>
-                <a:cs typeface="Times New Roman" panose="02020603050405020304" pitchFamily="18" charset="0"/>
-              </a:rPr>
-              <a:t>的迴歸也做一次</a:t>
-            </a:r>
-            <a:endParaRPr lang="zh-TW" altLang="zh-TW" sz="2800" kern="100" dirty="0">
-              <a:effectLst/>
-              <a:latin typeface="Calibri" panose="020F0502020204030204" pitchFamily="34" charset="0"/>
-              <a:ea typeface="新細明體" panose="02020500000000000000" pitchFamily="18" charset="-120"/>
-              <a:cs typeface="Times New Roman" panose="02020603050405020304" pitchFamily="18" charset="0"/>
-            </a:endParaRPr>
-          </a:p>
-          <a:p>
-            <a:pPr lvl="0">
-              <a:buFont typeface="Wingdings" panose="05000000000000000000" pitchFamily="2" charset="2"/>
-              <a:buChar char="u"/>
-            </a:pPr>
-            <a:endParaRPr lang="zh-TW" altLang="zh-TW" sz="1800" kern="100" dirty="0">
-              <a:effectLst/>
-              <a:latin typeface="Calibri" panose="020F0502020204030204" pitchFamily="34" charset="0"/>
-              <a:ea typeface="新細明體" panose="02020500000000000000" pitchFamily="18" charset="-120"/>
-              <a:cs typeface="Times New Roman" panose="02020603050405020304" pitchFamily="18" charset="0"/>
-            </a:endParaRPr>
-          </a:p>
-          <a:p>
-            <a:endParaRPr lang="zh-TW" altLang="en-US" dirty="0"/>
-          </a:p>
-        </p:txBody>
-      </p:sp>
-    </p:spTree>
-    <p:extLst>
-      <p:ext uri="{BB962C8B-B14F-4D97-AF65-F5344CB8AC3E}">
-        <p14:creationId xmlns:p14="http://schemas.microsoft.com/office/powerpoint/2010/main" val="2882627438"/>
-      </p:ext>
-    </p:extLst>
-  </p:cSld>
-  <p:clrMapOvr>
-    <a:masterClrMapping/>
-  </p:clrMapOvr>
-</p:sld>
-</file>
-
-<file path=ppt/slides/slide8.xml><?xml version="1.0" encoding="utf-8"?>
-<p:sld xmlns:a="http://schemas.openxmlformats.org/drawingml/2006/main" xmlns:r="http://schemas.openxmlformats.org/officeDocument/2006/relationships" xmlns:p="http://schemas.openxmlformats.org/presentationml/2006/main">
-  <p:cSld>
-    <p:spTree>
-      <p:nvGrpSpPr>
-        <p:cNvPr id="1" name=""/>
-        <p:cNvGrpSpPr/>
-        <p:nvPr/>
-      </p:nvGrpSpPr>
-      <p:grpSpPr>
-        <a:xfrm>
-          <a:off x="0" y="0"/>
-          <a:ext cx="0" cy="0"/>
-          <a:chOff x="0" y="0"/>
-          <a:chExt cx="0" cy="0"/>
-        </a:xfrm>
-      </p:grpSpPr>
-      <p:sp>
-        <p:nvSpPr>
-          <p:cNvPr id="2" name="標題 1">
-            <a:extLst>
-              <a:ext uri="{FF2B5EF4-FFF2-40B4-BE49-F238E27FC236}">
-                <a16:creationId xmlns:a16="http://schemas.microsoft.com/office/drawing/2014/main" id="{2329678A-FDEC-4A77-9803-228E054CFE3C}"/>
-              </a:ext>
-            </a:extLst>
-          </p:cNvPr>
-          <p:cNvSpPr>
-            <a:spLocks noGrp="1"/>
-          </p:cNvSpPr>
-          <p:nvPr>
-            <p:ph type="ctrTitle"/>
-          </p:nvPr>
-        </p:nvSpPr>
-        <p:spPr/>
-        <p:txBody>
-          <a:bodyPr/>
-          <a:lstStyle/>
-          <a:p>
-            <a:r>
-              <a:rPr lang="en-US" altLang="zh-TW" dirty="0"/>
-              <a:t>Example1</a:t>
-            </a:r>
-            <a:r>
-              <a:rPr lang="zh-TW" altLang="en-US" dirty="0"/>
-              <a:t> </a:t>
-            </a:r>
-          </a:p>
-        </p:txBody>
-      </p:sp>
-      <p:sp>
-        <p:nvSpPr>
-          <p:cNvPr id="3" name="副標題 2">
-            <a:extLst>
-              <a:ext uri="{FF2B5EF4-FFF2-40B4-BE49-F238E27FC236}">
-                <a16:creationId xmlns:a16="http://schemas.microsoft.com/office/drawing/2014/main" id="{62DD2162-F0A7-458A-A78C-D87B005AB6D8}"/>
-              </a:ext>
-            </a:extLst>
-          </p:cNvPr>
-          <p:cNvSpPr>
-            <a:spLocks noGrp="1"/>
-          </p:cNvSpPr>
-          <p:nvPr>
-            <p:ph type="subTitle" idx="1"/>
-          </p:nvPr>
-        </p:nvSpPr>
-        <p:spPr>
-          <a:xfrm>
-            <a:off x="1100051" y="4455620"/>
-            <a:ext cx="10058400" cy="1143000"/>
-          </a:xfrm>
-        </p:spPr>
-        <p:txBody>
-          <a:bodyPr/>
-          <a:lstStyle/>
-          <a:p>
-            <a:r>
-              <a:rPr lang="zh-TW" altLang="en-US" dirty="0"/>
-              <a:t>創造兩組電壓資料</a:t>
-            </a:r>
-          </a:p>
-        </p:txBody>
-      </p:sp>
-    </p:spTree>
-    <p:extLst>
-      <p:ext uri="{BB962C8B-B14F-4D97-AF65-F5344CB8AC3E}">
-        <p14:creationId xmlns:p14="http://schemas.microsoft.com/office/powerpoint/2010/main" val="1683922993"/>
-      </p:ext>
-    </p:extLst>
-  </p:cSld>
-  <p:clrMapOvr>
-    <a:masterClrMapping/>
-  </p:clrMapOvr>
-</p:sld>
-</file>
-
-<file path=ppt/slides/slide9.xml><?xml version="1.0" encoding="utf-8"?>
-<p:sld xmlns:a="http://schemas.openxmlformats.org/drawingml/2006/main" xmlns:r="http://schemas.openxmlformats.org/officeDocument/2006/relationships" xmlns:p="http://schemas.openxmlformats.org/presentationml/2006/main">
-  <p:cSld>
-    <p:spTree>
-      <p:nvGrpSpPr>
-        <p:cNvPr id="1" name=""/>
-        <p:cNvGrpSpPr/>
-        <p:nvPr/>
-      </p:nvGrpSpPr>
-      <p:grpSpPr>
-        <a:xfrm>
-          <a:off x="0" y="0"/>
-          <a:ext cx="0" cy="0"/>
-          <a:chOff x="0" y="0"/>
-          <a:chExt cx="0" cy="0"/>
-        </a:xfrm>
-      </p:grpSpPr>
-      <p:sp>
-        <p:nvSpPr>
-          <p:cNvPr id="2" name="標題 1">
-            <a:extLst>
-              <a:ext uri="{FF2B5EF4-FFF2-40B4-BE49-F238E27FC236}">
-                <a16:creationId xmlns:a16="http://schemas.microsoft.com/office/drawing/2014/main" id="{7A0D09ED-1F82-46EC-8B78-0BB1470CB983}"/>
-              </a:ext>
-            </a:extLst>
-          </p:cNvPr>
-          <p:cNvSpPr>
-            <a:spLocks noGrp="1"/>
-          </p:cNvSpPr>
-          <p:nvPr>
-            <p:ph type="title"/>
-          </p:nvPr>
-        </p:nvSpPr>
-        <p:spPr/>
-        <p:txBody>
-          <a:bodyPr/>
-          <a:lstStyle/>
-          <a:p>
-            <a:r>
-              <a:rPr lang="zh-TW" altLang="en-US" dirty="0"/>
-              <a:t>原始電壓時域圖</a:t>
-            </a:r>
-          </a:p>
-        </p:txBody>
-      </p:sp>
-      <p:sp>
-        <p:nvSpPr>
-          <p:cNvPr id="8" name="內容版面配置區 2">
-            <a:extLst>
-              <a:ext uri="{FF2B5EF4-FFF2-40B4-BE49-F238E27FC236}">
-                <a16:creationId xmlns:a16="http://schemas.microsoft.com/office/drawing/2014/main" id="{7CB7C61B-1326-40E2-AE43-F4DE1E692056}"/>
-              </a:ext>
-            </a:extLst>
-          </p:cNvPr>
-          <p:cNvSpPr>
-            <a:spLocks noGrp="1"/>
-          </p:cNvSpPr>
-          <p:nvPr>
-            <p:ph idx="1"/>
-          </p:nvPr>
-        </p:nvSpPr>
-        <p:spPr>
-          <a:xfrm>
-            <a:off x="4025900" y="2051994"/>
-            <a:ext cx="6291580" cy="4023360"/>
-          </a:xfrm>
-        </p:spPr>
-        <p:txBody>
-          <a:bodyPr/>
-          <a:lstStyle/>
-          <a:p>
-            <a:pPr>
-              <a:buFont typeface="Wingdings" panose="05000000000000000000" pitchFamily="2" charset="2"/>
-              <a:buChar char="u"/>
-            </a:pPr>
-            <a:r>
-              <a:rPr lang="en-US" altLang="zh-TW" sz="2800" kern="100" dirty="0">
-                <a:effectLst/>
-                <a:latin typeface="Calibri" panose="020F0502020204030204" pitchFamily="34" charset="0"/>
-                <a:ea typeface="新細明體" panose="02020500000000000000" pitchFamily="18" charset="-120"/>
-                <a:cs typeface="Times New Roman" panose="02020603050405020304" pitchFamily="18" charset="0"/>
-              </a:rPr>
-              <a:t> </a:t>
-            </a:r>
-            <a:r>
-              <a:rPr lang="zh-TW" altLang="en-US" sz="2800" kern="100" dirty="0">
-                <a:effectLst/>
-                <a:latin typeface="Calibri" panose="020F0502020204030204" pitchFamily="34" charset="0"/>
-                <a:ea typeface="新細明體" panose="02020500000000000000" pitchFamily="18" charset="-120"/>
-                <a:cs typeface="Times New Roman" panose="02020603050405020304" pitchFamily="18" charset="0"/>
-              </a:rPr>
-              <a:t>總取樣數</a:t>
-            </a:r>
-            <a:r>
-              <a:rPr lang="en-US" altLang="zh-TW" sz="2800" kern="100" dirty="0">
-                <a:latin typeface="Calibri" panose="020F0502020204030204" pitchFamily="34" charset="0"/>
-                <a:ea typeface="新細明體" panose="02020500000000000000" pitchFamily="18" charset="-120"/>
-                <a:cs typeface="Times New Roman" panose="02020603050405020304" pitchFamily="18" charset="0"/>
-              </a:rPr>
-              <a:t>:25000</a:t>
-            </a:r>
-            <a:r>
-              <a:rPr lang="zh-TW" altLang="en-US" sz="2800" kern="100" dirty="0">
-                <a:latin typeface="Calibri" panose="020F0502020204030204" pitchFamily="34" charset="0"/>
-                <a:ea typeface="新細明體" panose="02020500000000000000" pitchFamily="18" charset="-120"/>
-                <a:cs typeface="Times New Roman" panose="02020603050405020304" pitchFamily="18" charset="0"/>
-              </a:rPr>
-              <a:t>個</a:t>
-            </a:r>
-            <a:r>
-              <a:rPr lang="zh-TW" altLang="zh-TW" sz="2800" kern="100" dirty="0">
-                <a:effectLst/>
-                <a:latin typeface="Calibri" panose="020F0502020204030204" pitchFamily="34" charset="0"/>
-                <a:ea typeface="新細明體" panose="02020500000000000000" pitchFamily="18" charset="-120"/>
-                <a:cs typeface="Times New Roman" panose="02020603050405020304" pitchFamily="18" charset="0"/>
-              </a:rPr>
-              <a:t>、</a:t>
-            </a:r>
-            <a:r>
-              <a:rPr lang="zh-TW" altLang="en-US" sz="2800" kern="100" dirty="0">
-                <a:effectLst/>
-                <a:latin typeface="Calibri" panose="020F0502020204030204" pitchFamily="34" charset="0"/>
-                <a:ea typeface="新細明體" panose="02020500000000000000" pitchFamily="18" charset="-120"/>
-                <a:cs typeface="Times New Roman" panose="02020603050405020304" pitchFamily="18" charset="0"/>
-              </a:rPr>
-              <a:t>總時間</a:t>
-            </a:r>
-            <a:r>
-              <a:rPr lang="en-US" altLang="zh-TW" sz="2800" kern="100" dirty="0">
-                <a:effectLst/>
-                <a:latin typeface="Calibri" panose="020F0502020204030204" pitchFamily="34" charset="0"/>
-                <a:ea typeface="新細明體" panose="02020500000000000000" pitchFamily="18" charset="-120"/>
-                <a:cs typeface="Times New Roman" panose="02020603050405020304" pitchFamily="18" charset="0"/>
-              </a:rPr>
-              <a:t>:5</a:t>
-            </a:r>
-            <a:r>
-              <a:rPr lang="zh-TW" altLang="en-US" sz="2800" kern="100" dirty="0">
-                <a:effectLst/>
-                <a:latin typeface="Calibri" panose="020F0502020204030204" pitchFamily="34" charset="0"/>
-                <a:ea typeface="新細明體" panose="02020500000000000000" pitchFamily="18" charset="-120"/>
-                <a:cs typeface="Times New Roman" panose="02020603050405020304" pitchFamily="18" charset="0"/>
-              </a:rPr>
-              <a:t>秒</a:t>
-            </a:r>
-            <a:endParaRPr lang="en-US" altLang="zh-TW" sz="2800" kern="100" dirty="0">
-              <a:latin typeface="Calibri" panose="020F0502020204030204" pitchFamily="34" charset="0"/>
-              <a:ea typeface="新細明體" panose="02020500000000000000" pitchFamily="18" charset="-120"/>
-              <a:cs typeface="Times New Roman" panose="02020603050405020304" pitchFamily="18" charset="0"/>
-            </a:endParaRPr>
-          </a:p>
-          <a:p>
-            <a:pPr>
-              <a:buFont typeface="Wingdings" panose="05000000000000000000" pitchFamily="2" charset="2"/>
-              <a:buChar char="u"/>
-            </a:pPr>
-            <a:r>
-              <a:rPr lang="zh-TW" altLang="en-US" sz="2800" kern="100" dirty="0">
-                <a:effectLst/>
-                <a:latin typeface="Calibri" panose="020F0502020204030204" pitchFamily="34" charset="0"/>
-                <a:ea typeface="新細明體" panose="02020500000000000000" pitchFamily="18" charset="-120"/>
-                <a:cs typeface="Times New Roman" panose="02020603050405020304" pitchFamily="18" charset="0"/>
-              </a:rPr>
-              <a:t> </a:t>
-            </a:r>
-            <a:r>
-              <a:rPr lang="zh-TW" altLang="zh-TW" sz="2800" kern="100" dirty="0">
-                <a:effectLst/>
-                <a:latin typeface="Calibri" panose="020F0502020204030204" pitchFamily="34" charset="0"/>
-                <a:ea typeface="新細明體" panose="02020500000000000000" pitchFamily="18" charset="-120"/>
-                <a:cs typeface="Times New Roman" panose="02020603050405020304" pitchFamily="18" charset="0"/>
-              </a:rPr>
-              <a:t>參數正確地聲儀的儀器編號</a:t>
-            </a:r>
-            <a:r>
-              <a:rPr lang="en-US" altLang="zh-TW" sz="2800" kern="100" dirty="0">
-                <a:effectLst/>
-                <a:latin typeface="Calibri" panose="020F0502020204030204" pitchFamily="34" charset="0"/>
-                <a:ea typeface="新細明體" panose="02020500000000000000" pitchFamily="18" charset="-120"/>
-                <a:cs typeface="Times New Roman" panose="02020603050405020304" pitchFamily="18" charset="0"/>
-              </a:rPr>
-              <a:t>:GS-20DX</a:t>
-            </a:r>
-            <a:endParaRPr lang="zh-TW" altLang="zh-TW" sz="2800" kern="100" dirty="0">
-              <a:effectLst/>
-              <a:latin typeface="Calibri" panose="020F0502020204030204" pitchFamily="34" charset="0"/>
-              <a:ea typeface="新細明體" panose="02020500000000000000" pitchFamily="18" charset="-120"/>
-              <a:cs typeface="Times New Roman" panose="02020603050405020304" pitchFamily="18" charset="0"/>
-            </a:endParaRPr>
-          </a:p>
-          <a:p>
-            <a:pPr>
-              <a:buFont typeface="Wingdings" panose="05000000000000000000" pitchFamily="2" charset="2"/>
-              <a:buChar char="u"/>
-            </a:pPr>
-            <a:r>
-              <a:rPr lang="zh-TW" altLang="en-US" sz="2800" kern="100" dirty="0">
-                <a:effectLst/>
-                <a:latin typeface="Calibri" panose="020F0502020204030204" pitchFamily="34" charset="0"/>
-                <a:ea typeface="新細明體" panose="02020500000000000000" pitchFamily="18" charset="-120"/>
-                <a:cs typeface="Times New Roman" panose="02020603050405020304" pitchFamily="18" charset="0"/>
-              </a:rPr>
-              <a:t> </a:t>
-            </a:r>
-            <a:r>
-              <a:rPr lang="zh-TW" altLang="zh-TW" sz="2800" kern="100" dirty="0">
-                <a:effectLst/>
-                <a:latin typeface="Calibri" panose="020F0502020204030204" pitchFamily="34" charset="0"/>
-                <a:ea typeface="新細明體" panose="02020500000000000000" pitchFamily="18" charset="-120"/>
-                <a:cs typeface="Times New Roman" panose="02020603050405020304" pitchFamily="18" charset="0"/>
-              </a:rPr>
-              <a:t>選用的頻率區間</a:t>
-            </a:r>
-            <a:r>
-              <a:rPr lang="en-US" altLang="zh-TW" sz="2800" kern="100" dirty="0">
-                <a:effectLst/>
-                <a:latin typeface="Calibri" panose="020F0502020204030204" pitchFamily="34" charset="0"/>
-                <a:ea typeface="新細明體" panose="02020500000000000000" pitchFamily="18" charset="-120"/>
-                <a:cs typeface="Times New Roman" panose="02020603050405020304" pitchFamily="18" charset="0"/>
-              </a:rPr>
-              <a:t>:20~200Hz</a:t>
-            </a:r>
-            <a:endParaRPr lang="zh-TW" altLang="zh-TW" sz="2800" kern="100" dirty="0">
-              <a:effectLst/>
-              <a:latin typeface="Calibri" panose="020F0502020204030204" pitchFamily="34" charset="0"/>
-              <a:ea typeface="新細明體" panose="02020500000000000000" pitchFamily="18" charset="-120"/>
-              <a:cs typeface="Times New Roman" panose="02020603050405020304" pitchFamily="18" charset="0"/>
-            </a:endParaRPr>
-          </a:p>
-          <a:p>
-            <a:pPr marL="0" indent="0">
-              <a:buNone/>
-            </a:pPr>
-            <a:endParaRPr lang="zh-TW" altLang="zh-TW" sz="1800" kern="100" dirty="0">
-              <a:effectLst/>
-              <a:latin typeface="Calibri" panose="020F0502020204030204" pitchFamily="34" charset="0"/>
-              <a:ea typeface="新細明體" panose="02020500000000000000" pitchFamily="18" charset="-120"/>
-              <a:cs typeface="Times New Roman" panose="02020603050405020304" pitchFamily="18" charset="0"/>
-            </a:endParaRPr>
-          </a:p>
-          <a:p>
-            <a:endParaRPr lang="en-US" altLang="zh-TW" dirty="0"/>
-          </a:p>
-        </p:txBody>
-      </p:sp>
-      <p:pic>
-        <p:nvPicPr>
-          <p:cNvPr id="4" name="圖片 3">
-            <a:extLst>
-              <a:ext uri="{FF2B5EF4-FFF2-40B4-BE49-F238E27FC236}">
-                <a16:creationId xmlns:a16="http://schemas.microsoft.com/office/drawing/2014/main" id="{6123F5D0-1481-47D1-A049-45CF29F2FD5C}"/>
-              </a:ext>
-            </a:extLst>
-          </p:cNvPr>
-          <p:cNvPicPr>
-            <a:picLocks noChangeAspect="1"/>
-          </p:cNvPicPr>
-          <p:nvPr/>
-        </p:nvPicPr>
-        <p:blipFill>
-          <a:blip r:embed="rId2"/>
-          <a:stretch>
-            <a:fillRect/>
-          </a:stretch>
-        </p:blipFill>
-        <p:spPr>
-          <a:xfrm>
-            <a:off x="380669" y="1812708"/>
-            <a:ext cx="1308431" cy="4758689"/>
-          </a:xfrm>
-          <a:prstGeom prst="rect">
-            <a:avLst/>
-          </a:prstGeom>
-        </p:spPr>
-      </p:pic>
-      <p:pic>
-        <p:nvPicPr>
-          <p:cNvPr id="6" name="圖片 5">
-            <a:extLst>
-              <a:ext uri="{FF2B5EF4-FFF2-40B4-BE49-F238E27FC236}">
-                <a16:creationId xmlns:a16="http://schemas.microsoft.com/office/drawing/2014/main" id="{51037A19-9F39-4D71-AA87-CE1D0869B1EE}"/>
-              </a:ext>
-            </a:extLst>
-          </p:cNvPr>
-          <p:cNvPicPr>
-            <a:picLocks noChangeAspect="1"/>
-          </p:cNvPicPr>
-          <p:nvPr/>
-        </p:nvPicPr>
-        <p:blipFill>
-          <a:blip r:embed="rId3"/>
-          <a:stretch>
-            <a:fillRect/>
-          </a:stretch>
-        </p:blipFill>
-        <p:spPr>
-          <a:xfrm>
-            <a:off x="1874520" y="1811980"/>
-            <a:ext cx="1021080" cy="4759417"/>
-          </a:xfrm>
-          <a:prstGeom prst="rect">
-            <a:avLst/>
-          </a:prstGeom>
-        </p:spPr>
-      </p:pic>
-    </p:spTree>
-    <p:extLst>
-      <p:ext uri="{BB962C8B-B14F-4D97-AF65-F5344CB8AC3E}">
-        <p14:creationId xmlns:p14="http://schemas.microsoft.com/office/powerpoint/2010/main" val="697555879"/>
-      </p:ext>
-    </p:extLst>
-  </p:cSld>
-  <p:clrMapOvr>
-    <a:masterClrMapping/>
-  </p:clrMapOvr>
+  <p:timing>
+    <p:tnLst>
+      <p:par>
+        <p:cTn id="1" dur="indefinite" restart="never" nodeType="tmRoot"/>
+      </p:par>
+    </p:tnLst>
+  </p:timing>
 </p:sld>
 </file>
 

--- a/Geophone_Calibration/地聲儀求參數.pptx
+++ b/Geophone_Calibration/地聲儀求參數.pptx
@@ -20,13 +20,15 @@
     <p:sldId id="263" r:id="rId14"/>
     <p:sldId id="265" r:id="rId15"/>
     <p:sldId id="269" r:id="rId16"/>
-    <p:sldId id="266" r:id="rId17"/>
-    <p:sldId id="275" r:id="rId18"/>
-    <p:sldId id="276" r:id="rId19"/>
-    <p:sldId id="270" r:id="rId20"/>
-    <p:sldId id="271" r:id="rId21"/>
-    <p:sldId id="272" r:id="rId22"/>
-    <p:sldId id="273" r:id="rId23"/>
+    <p:sldId id="280" r:id="rId17"/>
+    <p:sldId id="281" r:id="rId18"/>
+    <p:sldId id="266" r:id="rId19"/>
+    <p:sldId id="275" r:id="rId20"/>
+    <p:sldId id="276" r:id="rId21"/>
+    <p:sldId id="270" r:id="rId22"/>
+    <p:sldId id="271" r:id="rId23"/>
+    <p:sldId id="272" r:id="rId24"/>
+    <p:sldId id="273" r:id="rId25"/>
   </p:sldIdLst>
   <p:sldSz cx="12192000" cy="6858000"/>
   <p:notesSz cx="6858000" cy="9144000"/>
@@ -11964,7 +11966,7 @@
           <a:p>
             <a:fld id="{5A5E0D99-4DE2-48A3-9A40-A36CB1B9F4D6}" type="datetimeFigureOut">
               <a:rPr lang="zh-TW" altLang="en-US" smtClean="0"/>
-              <a:t>2021/3/26</a:t>
+              <a:t>2021/3/29</a:t>
             </a:fld>
             <a:endParaRPr lang="zh-TW" altLang="en-US"/>
           </a:p>
@@ -12172,7 +12174,7 @@
           <a:p>
             <a:fld id="{5A5E0D99-4DE2-48A3-9A40-A36CB1B9F4D6}" type="datetimeFigureOut">
               <a:rPr lang="zh-TW" altLang="en-US" smtClean="0"/>
-              <a:t>2021/3/26</a:t>
+              <a:t>2021/3/29</a:t>
             </a:fld>
             <a:endParaRPr lang="zh-TW" altLang="en-US"/>
           </a:p>
@@ -12428,7 +12430,7 @@
           <a:p>
             <a:fld id="{5A5E0D99-4DE2-48A3-9A40-A36CB1B9F4D6}" type="datetimeFigureOut">
               <a:rPr lang="zh-TW" altLang="en-US" smtClean="0"/>
-              <a:t>2021/3/26</a:t>
+              <a:t>2021/3/29</a:t>
             </a:fld>
             <a:endParaRPr lang="zh-TW" altLang="en-US"/>
           </a:p>
@@ -12602,7 +12604,7 @@
           <a:p>
             <a:fld id="{5A5E0D99-4DE2-48A3-9A40-A36CB1B9F4D6}" type="datetimeFigureOut">
               <a:rPr lang="zh-TW" altLang="en-US" smtClean="0"/>
-              <a:t>2021/3/26</a:t>
+              <a:t>2021/3/29</a:t>
             </a:fld>
             <a:endParaRPr lang="zh-TW" altLang="en-US"/>
           </a:p>
@@ -12945,7 +12947,7 @@
           <a:p>
             <a:fld id="{5A5E0D99-4DE2-48A3-9A40-A36CB1B9F4D6}" type="datetimeFigureOut">
               <a:rPr lang="zh-TW" altLang="en-US" smtClean="0"/>
-              <a:t>2021/3/26</a:t>
+              <a:t>2021/3/29</a:t>
             </a:fld>
             <a:endParaRPr lang="zh-TW" altLang="en-US"/>
           </a:p>
@@ -13220,7 +13222,7 @@
           <a:p>
             <a:fld id="{5A5E0D99-4DE2-48A3-9A40-A36CB1B9F4D6}" type="datetimeFigureOut">
               <a:rPr lang="zh-TW" altLang="en-US" smtClean="0"/>
-              <a:t>2021/3/26</a:t>
+              <a:t>2021/3/29</a:t>
             </a:fld>
             <a:endParaRPr lang="zh-TW" altLang="en-US"/>
           </a:p>
@@ -13599,7 +13601,7 @@
           <a:p>
             <a:fld id="{5A5E0D99-4DE2-48A3-9A40-A36CB1B9F4D6}" type="datetimeFigureOut">
               <a:rPr lang="zh-TW" altLang="en-US" smtClean="0"/>
-              <a:t>2021/3/26</a:t>
+              <a:t>2021/3/29</a:t>
             </a:fld>
             <a:endParaRPr lang="zh-TW" altLang="en-US"/>
           </a:p>
@@ -13717,7 +13719,7 @@
           <a:p>
             <a:fld id="{5A5E0D99-4DE2-48A3-9A40-A36CB1B9F4D6}" type="datetimeFigureOut">
               <a:rPr lang="zh-TW" altLang="en-US" smtClean="0"/>
-              <a:t>2021/3/26</a:t>
+              <a:t>2021/3/29</a:t>
             </a:fld>
             <a:endParaRPr lang="zh-TW" altLang="en-US"/>
           </a:p>
@@ -13888,7 +13890,7 @@
           <a:p>
             <a:fld id="{5A5E0D99-4DE2-48A3-9A40-A36CB1B9F4D6}" type="datetimeFigureOut">
               <a:rPr lang="zh-TW" altLang="en-US" smtClean="0"/>
-              <a:t>2021/3/26</a:t>
+              <a:t>2021/3/29</a:t>
             </a:fld>
             <a:endParaRPr lang="zh-TW" altLang="en-US"/>
           </a:p>
@@ -14242,7 +14244,7 @@
           <a:p>
             <a:fld id="{5A5E0D99-4DE2-48A3-9A40-A36CB1B9F4D6}" type="datetimeFigureOut">
               <a:rPr lang="zh-TW" altLang="en-US" smtClean="0"/>
-              <a:t>2021/3/26</a:t>
+              <a:t>2021/3/29</a:t>
             </a:fld>
             <a:endParaRPr lang="zh-TW" altLang="en-US"/>
           </a:p>
@@ -14624,7 +14626,7 @@
           <a:p>
             <a:fld id="{5A5E0D99-4DE2-48A3-9A40-A36CB1B9F4D6}" type="datetimeFigureOut">
               <a:rPr lang="zh-TW" altLang="en-US" smtClean="0"/>
-              <a:t>2021/3/26</a:t>
+              <a:t>2021/3/29</a:t>
             </a:fld>
             <a:endParaRPr lang="zh-TW" altLang="en-US"/>
           </a:p>
@@ -14911,7 +14913,7 @@
           <a:p>
             <a:fld id="{5A5E0D99-4DE2-48A3-9A40-A36CB1B9F4D6}" type="datetimeFigureOut">
               <a:rPr lang="zh-TW" altLang="en-US" smtClean="0"/>
-              <a:t>2021/3/26</a:t>
+              <a:t>2021/3/29</a:t>
             </a:fld>
             <a:endParaRPr lang="zh-TW" altLang="en-US"/>
           </a:p>
@@ -15457,8 +15459,12 @@
           <a:lstStyle/>
           <a:p>
             <a:r>
+              <a:rPr lang="en-US" altLang="zh-TW" dirty="0" smtClean="0"/>
+              <a:t>2021/03/26</a:t>
+            </a:r>
+            <a:r>
               <a:rPr lang="zh-TW" altLang="en-US" dirty="0" smtClean="0"/>
-              <a:t>前言 </a:t>
+              <a:t> </a:t>
             </a:r>
             <a:endParaRPr lang="zh-TW" altLang="en-US" dirty="0"/>
           </a:p>
@@ -15784,15 +15790,7 @@
                 <a:ea typeface="新細明體" panose="02020500000000000000" pitchFamily="18" charset="-120"/>
                 <a:cs typeface="Times New Roman" panose="02020603050405020304" pitchFamily="18" charset="0"/>
               </a:rPr>
-              <a:t> </a:t>
-            </a:r>
-            <a:r>
-              <a:rPr lang="zh-TW" altLang="en-US" sz="2800" kern="100" dirty="0" smtClean="0">
-                <a:latin typeface="Calibri" panose="020F0502020204030204" pitchFamily="34" charset="0"/>
-                <a:ea typeface="新細明體" panose="02020500000000000000" pitchFamily="18" charset="-120"/>
-                <a:cs typeface="Times New Roman" panose="02020603050405020304" pitchFamily="18" charset="0"/>
-              </a:rPr>
-              <a:t>用</a:t>
+              <a:t> 用</a:t>
             </a:r>
             <a:r>
               <a:rPr lang="en-US" altLang="zh-TW" sz="2800" kern="100" dirty="0">
@@ -17351,53 +17349,21 @@
           <a:lstStyle/>
           <a:p>
             <a:r>
-              <a:rPr lang="en-US" altLang="zh-TW" dirty="0"/>
-              <a:t>Example2</a:t>
+              <a:rPr lang="en-US" altLang="zh-TW" dirty="0" smtClean="0"/>
+              <a:t>2021/03/31</a:t>
             </a:r>
             <a:r>
-              <a:rPr lang="zh-TW" altLang="en-US" dirty="0"/>
+              <a:rPr lang="zh-TW" altLang="en-US" dirty="0" smtClean="0"/>
               <a:t> </a:t>
             </a:r>
-          </a:p>
-        </p:txBody>
-      </p:sp>
-      <p:sp>
-        <p:nvSpPr>
-          <p:cNvPr id="3" name="副標題 2">
-            <a:extLst>
-              <a:ext uri="{FF2B5EF4-FFF2-40B4-BE49-F238E27FC236}">
-                <a16:creationId xmlns:a16="http://schemas.microsoft.com/office/drawing/2014/main" id="{BE1A5139-52F1-40AD-8A4A-823DCF19AC42}"/>
-              </a:ext>
-            </a:extLst>
-          </p:cNvPr>
-          <p:cNvSpPr>
-            <a:spLocks noGrp="1"/>
-          </p:cNvSpPr>
-          <p:nvPr>
-            <p:ph type="subTitle" idx="1"/>
-          </p:nvPr>
-        </p:nvSpPr>
-        <p:spPr>
-          <a:xfrm>
-            <a:off x="1100051" y="4455620"/>
-            <a:ext cx="10058400" cy="1143000"/>
-          </a:xfrm>
-        </p:spPr>
-        <p:txBody>
-          <a:bodyPr/>
-          <a:lstStyle/>
-          <a:p>
-            <a:r>
-              <a:rPr lang="zh-TW" altLang="en-US" dirty="0"/>
-              <a:t>真實兩組電壓資料做一次</a:t>
-            </a:r>
+            <a:endParaRPr lang="zh-TW" altLang="en-US" dirty="0"/>
           </a:p>
         </p:txBody>
       </p:sp>
     </p:spTree>
     <p:extLst>
       <p:ext uri="{BB962C8B-B14F-4D97-AF65-F5344CB8AC3E}">
-        <p14:creationId xmlns:p14="http://schemas.microsoft.com/office/powerpoint/2010/main" val="1681532106"/>
+        <p14:creationId xmlns:p14="http://schemas.microsoft.com/office/powerpoint/2010/main" val="1864380669"/>
       </p:ext>
     </p:extLst>
   </p:cSld>
@@ -17448,7 +17414,466 @@
           <a:p>
             <a:r>
               <a:rPr lang="zh-TW" altLang="en-US" dirty="0" smtClean="0"/>
+              <a:t>內容</a:t>
+            </a:r>
+            <a:endParaRPr lang="zh-TW" altLang="en-US" dirty="0"/>
+          </a:p>
+        </p:txBody>
+      </p:sp>
+      <p:sp>
+        <p:nvSpPr>
+          <p:cNvPr id="4" name="內容版面配置區 2">
+            <a:extLst>
+              <a:ext uri="{FF2B5EF4-FFF2-40B4-BE49-F238E27FC236}">
+                <a16:creationId xmlns:a16="http://schemas.microsoft.com/office/drawing/2014/main" id="{7CB7C61B-1326-40E2-AE43-F4DE1E692056}"/>
+              </a:ext>
+            </a:extLst>
+          </p:cNvPr>
+          <p:cNvSpPr>
+            <a:spLocks noGrp="1"/>
+          </p:cNvSpPr>
+          <p:nvPr>
+            <p:ph idx="1"/>
+          </p:nvPr>
+        </p:nvSpPr>
+        <p:spPr>
+          <a:xfrm>
+            <a:off x="1097280" y="1891357"/>
+            <a:ext cx="10058400" cy="4023360"/>
+          </a:xfrm>
+        </p:spPr>
+        <p:txBody>
+          <a:bodyPr/>
+          <a:lstStyle/>
+          <a:p>
+            <a:pPr>
+              <a:buFont typeface="Wingdings" panose="05000000000000000000" pitchFamily="2" charset="2"/>
+              <a:buChar char="u"/>
+            </a:pPr>
+            <a:r>
+              <a:rPr lang="en-US" altLang="zh-TW" sz="2800" kern="100" dirty="0">
+                <a:effectLst/>
+                <a:latin typeface="Calibri" panose="020F0502020204030204" pitchFamily="34" charset="0"/>
+                <a:ea typeface="新細明體" panose="02020500000000000000" pitchFamily="18" charset="-120"/>
+                <a:cs typeface="Times New Roman" panose="02020603050405020304" pitchFamily="18" charset="0"/>
+              </a:rPr>
+              <a:t> </a:t>
+            </a:r>
+            <a:r>
+              <a:rPr lang="zh-TW" altLang="en-US" sz="2800" kern="100" dirty="0" smtClean="0">
+                <a:effectLst/>
+                <a:latin typeface="Calibri" panose="020F0502020204030204" pitchFamily="34" charset="0"/>
+                <a:ea typeface="新細明體" panose="02020500000000000000" pitchFamily="18" charset="-120"/>
+                <a:cs typeface="Times New Roman" panose="02020603050405020304" pitchFamily="18" charset="0"/>
+              </a:rPr>
+              <a:t>分組迴歸 </a:t>
+            </a:r>
+            <a:endParaRPr lang="en-US" altLang="zh-TW" sz="2800" kern="100" dirty="0" smtClean="0">
+              <a:effectLst/>
+              <a:latin typeface="Calibri" panose="020F0502020204030204" pitchFamily="34" charset="0"/>
+              <a:ea typeface="新細明體" panose="02020500000000000000" pitchFamily="18" charset="-120"/>
+              <a:cs typeface="Times New Roman" panose="02020603050405020304" pitchFamily="18" charset="0"/>
+            </a:endParaRPr>
+          </a:p>
+          <a:p>
+            <a:pPr marL="0" indent="0">
+              <a:buNone/>
+            </a:pPr>
+            <a:endParaRPr lang="en-US" altLang="zh-TW" sz="2800" kern="100" dirty="0" smtClean="0">
+              <a:effectLst/>
+              <a:latin typeface="Calibri" panose="020F0502020204030204" pitchFamily="34" charset="0"/>
+              <a:ea typeface="新細明體" panose="02020500000000000000" pitchFamily="18" charset="-120"/>
+              <a:cs typeface="Times New Roman" panose="02020603050405020304" pitchFamily="18" charset="0"/>
+            </a:endParaRPr>
+          </a:p>
+          <a:p>
+            <a:pPr>
+              <a:buFont typeface="Wingdings" panose="05000000000000000000" pitchFamily="2" charset="2"/>
+              <a:buChar char="u"/>
+            </a:pPr>
+            <a:r>
+              <a:rPr lang="zh-TW" altLang="en-US" sz="2800" kern="100" dirty="0">
+                <a:latin typeface="Calibri" panose="020F0502020204030204" pitchFamily="34" charset="0"/>
+                <a:ea typeface="新細明體" panose="02020500000000000000" pitchFamily="18" charset="-120"/>
+                <a:cs typeface="Times New Roman" panose="02020603050405020304" pitchFamily="18" charset="0"/>
+              </a:rPr>
+              <a:t> </a:t>
+            </a:r>
+            <a:r>
+              <a:rPr lang="zh-TW" altLang="en-US" sz="2800" kern="100" dirty="0" smtClean="0">
+                <a:effectLst/>
+                <a:latin typeface="Calibri" panose="020F0502020204030204" pitchFamily="34" charset="0"/>
+                <a:ea typeface="新細明體" panose="02020500000000000000" pitchFamily="18" charset="-120"/>
+                <a:cs typeface="Times New Roman" panose="02020603050405020304" pitchFamily="18" charset="0"/>
+              </a:rPr>
+              <a:t>修改</a:t>
+            </a:r>
+            <a:r>
+              <a:rPr lang="zh-TW" altLang="en-US" sz="2800" kern="100" dirty="0" smtClean="0">
+                <a:latin typeface="Calibri" panose="020F0502020204030204" pitchFamily="34" charset="0"/>
+                <a:ea typeface="新細明體" panose="02020500000000000000" pitchFamily="18" charset="-120"/>
+                <a:cs typeface="Times New Roman" panose="02020603050405020304" pitchFamily="18" charset="0"/>
+              </a:rPr>
+              <a:t>假設</a:t>
+            </a:r>
+            <a:r>
+              <a:rPr lang="en-US" altLang="zh-TW" sz="2800" kern="100" dirty="0" smtClean="0">
+                <a:latin typeface="Calibri" panose="020F0502020204030204" pitchFamily="34" charset="0"/>
+                <a:ea typeface="新細明體" panose="02020500000000000000" pitchFamily="18" charset="-120"/>
+                <a:cs typeface="Times New Roman" panose="02020603050405020304" pitchFamily="18" charset="0"/>
+              </a:rPr>
+              <a:t>:</a:t>
+            </a:r>
+            <a:r>
+              <a:rPr lang="zh-TW" altLang="en-US" sz="2800" kern="100" dirty="0" smtClean="0">
+                <a:latin typeface="Calibri" panose="020F0502020204030204" pitchFamily="34" charset="0"/>
+                <a:ea typeface="新細明體" panose="02020500000000000000" pitchFamily="18" charset="-120"/>
+                <a:cs typeface="Times New Roman" panose="02020603050405020304" pitchFamily="18" charset="0"/>
+              </a:rPr>
+              <a:t> 代測儀器所收到各頻率的波</a:t>
+            </a:r>
+            <a:r>
+              <a:rPr lang="en-US" altLang="zh-TW" sz="2800" kern="100" dirty="0" smtClean="0">
+                <a:latin typeface="Calibri" panose="020F0502020204030204" pitchFamily="34" charset="0"/>
+                <a:ea typeface="新細明體" panose="02020500000000000000" pitchFamily="18" charset="-120"/>
+                <a:cs typeface="Times New Roman" panose="02020603050405020304" pitchFamily="18" charset="0"/>
+              </a:rPr>
+              <a:t>:</a:t>
+            </a:r>
+            <a:r>
+              <a:rPr lang="zh-TW" altLang="en-US" sz="2800" kern="100" dirty="0" smtClean="0">
+                <a:latin typeface="Calibri" panose="020F0502020204030204" pitchFamily="34" charset="0"/>
+                <a:ea typeface="新細明體" panose="02020500000000000000" pitchFamily="18" charset="-120"/>
+                <a:cs typeface="Times New Roman" panose="02020603050405020304" pitchFamily="18" charset="0"/>
+              </a:rPr>
+              <a:t> 都乘</a:t>
+            </a:r>
+            <a:r>
+              <a:rPr lang="en-US" altLang="zh-TW" sz="2800" kern="100" dirty="0" smtClean="0">
+                <a:latin typeface="Calibri" panose="020F0502020204030204" pitchFamily="34" charset="0"/>
+                <a:ea typeface="新細明體" panose="02020500000000000000" pitchFamily="18" charset="-120"/>
+                <a:cs typeface="Times New Roman" panose="02020603050405020304" pitchFamily="18" charset="0"/>
+              </a:rPr>
+              <a:t>n</a:t>
+            </a:r>
+            <a:r>
+              <a:rPr lang="zh-TW" altLang="en-US" sz="2800" kern="100" dirty="0" smtClean="0">
+                <a:latin typeface="Calibri" panose="020F0502020204030204" pitchFamily="34" charset="0"/>
+                <a:ea typeface="新細明體" panose="02020500000000000000" pitchFamily="18" charset="-120"/>
+                <a:cs typeface="Times New Roman" panose="02020603050405020304" pitchFamily="18" charset="0"/>
+              </a:rPr>
+              <a:t>倍</a:t>
+            </a:r>
+            <a:endParaRPr lang="en-US" altLang="zh-TW" sz="2800" kern="100" dirty="0" smtClean="0">
+              <a:latin typeface="Calibri" panose="020F0502020204030204" pitchFamily="34" charset="0"/>
+              <a:ea typeface="新細明體" panose="02020500000000000000" pitchFamily="18" charset="-120"/>
+              <a:cs typeface="Times New Roman" panose="02020603050405020304" pitchFamily="18" charset="0"/>
+            </a:endParaRPr>
+          </a:p>
+          <a:p>
+            <a:pPr marL="0" indent="0">
+              <a:buNone/>
+            </a:pPr>
+            <a:r>
+              <a:rPr lang="en-US" altLang="zh-TW" sz="2800" kern="100" dirty="0" smtClean="0">
+                <a:latin typeface="Calibri" panose="020F0502020204030204" pitchFamily="34" charset="0"/>
+                <a:ea typeface="新細明體" panose="02020500000000000000" pitchFamily="18" charset="-120"/>
+                <a:cs typeface="Times New Roman" panose="02020603050405020304" pitchFamily="18" charset="0"/>
+              </a:rPr>
+              <a:t>	</a:t>
+            </a:r>
+            <a:r>
+              <a:rPr lang="zh-TW" altLang="en-US" sz="2800" kern="100" dirty="0" smtClean="0">
+                <a:latin typeface="Calibri" panose="020F0502020204030204" pitchFamily="34" charset="0"/>
+                <a:ea typeface="新細明體" panose="02020500000000000000" pitchFamily="18" charset="-120"/>
+                <a:cs typeface="Times New Roman" panose="02020603050405020304" pitchFamily="18" charset="0"/>
+              </a:rPr>
+              <a:t>多一個</a:t>
+            </a:r>
+            <a:r>
+              <a:rPr lang="en-US" altLang="zh-TW" sz="2800" kern="100" dirty="0" smtClean="0">
+                <a:latin typeface="Calibri" panose="020F0502020204030204" pitchFamily="34" charset="0"/>
+                <a:ea typeface="新細明體" panose="02020500000000000000" pitchFamily="18" charset="-120"/>
+                <a:cs typeface="Times New Roman" panose="02020603050405020304" pitchFamily="18" charset="0"/>
+              </a:rPr>
+              <a:t>n</a:t>
+            </a:r>
+            <a:r>
+              <a:rPr lang="zh-TW" altLang="en-US" sz="2800" kern="100" dirty="0" smtClean="0">
+                <a:latin typeface="Calibri" panose="020F0502020204030204" pitchFamily="34" charset="0"/>
+                <a:ea typeface="新細明體" panose="02020500000000000000" pitchFamily="18" charset="-120"/>
+                <a:cs typeface="Times New Roman" panose="02020603050405020304" pitchFamily="18" charset="0"/>
+              </a:rPr>
+              <a:t>參數的迴歸方法</a:t>
+            </a:r>
+            <a:endParaRPr lang="en-US" altLang="zh-TW" sz="2800" kern="100" dirty="0" smtClean="0">
+              <a:latin typeface="Calibri" panose="020F0502020204030204" pitchFamily="34" charset="0"/>
+              <a:ea typeface="新細明體" panose="02020500000000000000" pitchFamily="18" charset="-120"/>
+              <a:cs typeface="Times New Roman" panose="02020603050405020304" pitchFamily="18" charset="0"/>
+            </a:endParaRPr>
+          </a:p>
+          <a:p>
+            <a:pPr marL="0" indent="0">
+              <a:buNone/>
+            </a:pPr>
+            <a:endParaRPr lang="zh-TW" altLang="zh-TW" sz="2800" kern="100" dirty="0" smtClean="0">
+              <a:effectLst/>
+              <a:latin typeface="Calibri" panose="020F0502020204030204" pitchFamily="34" charset="0"/>
+              <a:ea typeface="新細明體" panose="02020500000000000000" pitchFamily="18" charset="-120"/>
+              <a:cs typeface="Times New Roman" panose="02020603050405020304" pitchFamily="18" charset="0"/>
+            </a:endParaRPr>
+          </a:p>
+          <a:p>
+            <a:pPr>
+              <a:buFont typeface="Wingdings" panose="05000000000000000000" pitchFamily="2" charset="2"/>
+              <a:buChar char="u"/>
+            </a:pPr>
+            <a:r>
+              <a:rPr lang="zh-TW" altLang="en-US" sz="2800" kern="100" dirty="0" smtClean="0">
+                <a:effectLst/>
+                <a:latin typeface="Calibri" panose="020F0502020204030204" pitchFamily="34" charset="0"/>
+                <a:ea typeface="新細明體" panose="02020500000000000000" pitchFamily="18" charset="-120"/>
+                <a:cs typeface="Times New Roman" panose="02020603050405020304" pitchFamily="18" charset="0"/>
+              </a:rPr>
+              <a:t> 分析</a:t>
+            </a:r>
+            <a:r>
+              <a:rPr lang="zh-TW" altLang="en-US" sz="2800" kern="100" dirty="0" smtClean="0">
+                <a:latin typeface="Calibri" panose="020F0502020204030204" pitchFamily="34" charset="0"/>
+                <a:ea typeface="新細明體" panose="02020500000000000000" pitchFamily="18" charset="-120"/>
+                <a:cs typeface="Times New Roman" panose="02020603050405020304" pitchFamily="18" charset="0"/>
+              </a:rPr>
+              <a:t>實驗數據</a:t>
+            </a:r>
+            <a:endParaRPr lang="en-US" altLang="zh-TW" sz="2800" kern="100" dirty="0" smtClean="0">
+              <a:latin typeface="Calibri" panose="020F0502020204030204" pitchFamily="34" charset="0"/>
+              <a:ea typeface="新細明體" panose="02020500000000000000" pitchFamily="18" charset="-120"/>
+              <a:cs typeface="Times New Roman" panose="02020603050405020304" pitchFamily="18" charset="0"/>
+            </a:endParaRPr>
+          </a:p>
+          <a:p>
+            <a:pPr marL="0" indent="0">
+              <a:buNone/>
+            </a:pPr>
+            <a:r>
+              <a:rPr lang="en-US" altLang="zh-TW" sz="2800" kern="100" dirty="0">
+                <a:effectLst/>
+                <a:latin typeface="Calibri" panose="020F0502020204030204" pitchFamily="34" charset="0"/>
+                <a:ea typeface="新細明體" panose="02020500000000000000" pitchFamily="18" charset="-120"/>
+                <a:cs typeface="Times New Roman" panose="02020603050405020304" pitchFamily="18" charset="0"/>
+              </a:rPr>
+              <a:t>	</a:t>
+            </a:r>
+            <a:r>
+              <a:rPr lang="zh-TW" altLang="en-US" sz="2800" kern="100" dirty="0">
+                <a:latin typeface="Calibri" panose="020F0502020204030204" pitchFamily="34" charset="0"/>
+                <a:ea typeface="新細明體" panose="02020500000000000000" pitchFamily="18" charset="-120"/>
+                <a:cs typeface="Times New Roman" panose="02020603050405020304" pitchFamily="18" charset="0"/>
+              </a:rPr>
+              <a:t>噪</a:t>
+            </a:r>
+            <a:r>
+              <a:rPr lang="zh-TW" altLang="en-US" sz="2800" kern="100" dirty="0" smtClean="0">
+                <a:latin typeface="Calibri" panose="020F0502020204030204" pitchFamily="34" charset="0"/>
+                <a:ea typeface="新細明體" panose="02020500000000000000" pitchFamily="18" charset="-120"/>
+                <a:cs typeface="Times New Roman" panose="02020603050405020304" pitchFamily="18" charset="0"/>
+              </a:rPr>
+              <a:t>訊</a:t>
+            </a:r>
+            <a:r>
+              <a:rPr lang="zh-TW" altLang="en-US" sz="2800" kern="100" dirty="0" smtClean="0">
+                <a:effectLst/>
+                <a:latin typeface="Calibri" panose="020F0502020204030204" pitchFamily="34" charset="0"/>
+                <a:ea typeface="新細明體" panose="02020500000000000000" pitchFamily="18" charset="-120"/>
+                <a:cs typeface="Times New Roman" panose="02020603050405020304" pitchFamily="18" charset="0"/>
+              </a:rPr>
+              <a:t>、垂直敲、水平敲</a:t>
+            </a:r>
+            <a:endParaRPr lang="zh-TW" altLang="zh-TW" sz="2800" kern="100" dirty="0">
+              <a:effectLst/>
+              <a:latin typeface="Calibri" panose="020F0502020204030204" pitchFamily="34" charset="0"/>
+              <a:ea typeface="新細明體" panose="02020500000000000000" pitchFamily="18" charset="-120"/>
+              <a:cs typeface="Times New Roman" panose="02020603050405020304" pitchFamily="18" charset="0"/>
+            </a:endParaRPr>
+          </a:p>
+          <a:p>
+            <a:pPr marL="0" indent="0">
+              <a:buNone/>
+            </a:pPr>
+            <a:endParaRPr lang="zh-TW" altLang="zh-TW" sz="1800" kern="100" dirty="0">
+              <a:effectLst/>
+              <a:latin typeface="Calibri" panose="020F0502020204030204" pitchFamily="34" charset="0"/>
+              <a:ea typeface="新細明體" panose="02020500000000000000" pitchFamily="18" charset="-120"/>
+              <a:cs typeface="Times New Roman" panose="02020603050405020304" pitchFamily="18" charset="0"/>
+            </a:endParaRPr>
+          </a:p>
+          <a:p>
+            <a:endParaRPr lang="en-US" altLang="zh-TW" dirty="0"/>
+          </a:p>
+        </p:txBody>
+      </p:sp>
+    </p:spTree>
+    <p:extLst>
+      <p:ext uri="{BB962C8B-B14F-4D97-AF65-F5344CB8AC3E}">
+        <p14:creationId xmlns:p14="http://schemas.microsoft.com/office/powerpoint/2010/main" val="3040815120"/>
+      </p:ext>
+    </p:extLst>
+  </p:cSld>
+  <p:clrMapOvr>
+    <a:masterClrMapping/>
+  </p:clrMapOvr>
+</p:sld>
+</file>
+
+<file path=ppt/slides/slide18.xml><?xml version="1.0" encoding="utf-8"?>
+<p:sld xmlns:a="http://schemas.openxmlformats.org/drawingml/2006/main" xmlns:r="http://schemas.openxmlformats.org/officeDocument/2006/relationships" xmlns:p="http://schemas.openxmlformats.org/presentationml/2006/main">
+  <p:cSld>
+    <p:spTree>
+      <p:nvGrpSpPr>
+        <p:cNvPr id="1" name=""/>
+        <p:cNvGrpSpPr/>
+        <p:nvPr/>
+      </p:nvGrpSpPr>
+      <p:grpSpPr>
+        <a:xfrm>
+          <a:off x="0" y="0"/>
+          <a:ext cx="0" cy="0"/>
+          <a:chOff x="0" y="0"/>
+          <a:chExt cx="0" cy="0"/>
+        </a:xfrm>
+      </p:grpSpPr>
+      <p:sp>
+        <p:nvSpPr>
+          <p:cNvPr id="2" name="標題 1">
+            <a:extLst>
+              <a:ext uri="{FF2B5EF4-FFF2-40B4-BE49-F238E27FC236}">
+                <a16:creationId xmlns:a16="http://schemas.microsoft.com/office/drawing/2014/main" id="{2329678A-FDEC-4A77-9803-228E054CFE3C}"/>
+              </a:ext>
+            </a:extLst>
+          </p:cNvPr>
+          <p:cNvSpPr>
+            <a:spLocks noGrp="1"/>
+          </p:cNvSpPr>
+          <p:nvPr>
+            <p:ph type="ctrTitle"/>
+          </p:nvPr>
+        </p:nvSpPr>
+        <p:spPr/>
+        <p:txBody>
+          <a:bodyPr/>
+          <a:lstStyle/>
+          <a:p>
+            <a:r>
+              <a:rPr lang="zh-TW" altLang="en-US" dirty="0" smtClean="0"/>
+              <a:t>分析實驗數據</a:t>
+            </a:r>
+            <a:r>
+              <a:rPr lang="zh-TW" altLang="en-US" dirty="0" smtClean="0"/>
+              <a:t> </a:t>
+            </a:r>
+            <a:endParaRPr lang="zh-TW" altLang="en-US" dirty="0"/>
+          </a:p>
+        </p:txBody>
+      </p:sp>
+      <p:sp>
+        <p:nvSpPr>
+          <p:cNvPr id="4" name="副標題 3"/>
+          <p:cNvSpPr>
+            <a:spLocks noGrp="1"/>
+          </p:cNvSpPr>
+          <p:nvPr>
+            <p:ph type="subTitle" idx="1"/>
+          </p:nvPr>
+        </p:nvSpPr>
+        <p:spPr/>
+        <p:txBody>
+          <a:bodyPr/>
+          <a:lstStyle/>
+          <a:p>
+            <a:r>
+              <a:rPr lang="zh-TW" altLang="en-US" kern="100" dirty="0">
+                <a:latin typeface="Calibri" panose="020F0502020204030204" pitchFamily="34" charset="0"/>
+                <a:cs typeface="Times New Roman" panose="02020603050405020304" pitchFamily="18" charset="0"/>
+              </a:rPr>
+              <a:t>噪訊、垂直敲、水平敲</a:t>
+            </a:r>
+            <a:endParaRPr lang="zh-TW" altLang="zh-TW" kern="100" dirty="0">
+              <a:latin typeface="Calibri" panose="020F0502020204030204" pitchFamily="34" charset="0"/>
+              <a:cs typeface="Times New Roman" panose="02020603050405020304" pitchFamily="18" charset="0"/>
+            </a:endParaRPr>
+          </a:p>
+          <a:p>
+            <a:endParaRPr lang="zh-TW" altLang="en-US" dirty="0"/>
+          </a:p>
+        </p:txBody>
+      </p:sp>
+    </p:spTree>
+    <p:extLst>
+      <p:ext uri="{BB962C8B-B14F-4D97-AF65-F5344CB8AC3E}">
+        <p14:creationId xmlns:p14="http://schemas.microsoft.com/office/powerpoint/2010/main" val="1681532106"/>
+      </p:ext>
+    </p:extLst>
+  </p:cSld>
+  <p:clrMapOvr>
+    <a:masterClrMapping/>
+  </p:clrMapOvr>
+  <p:timing>
+    <p:tnLst>
+      <p:par>
+        <p:cTn id="1" dur="indefinite" restart="never" nodeType="tmRoot"/>
+      </p:par>
+    </p:tnLst>
+  </p:timing>
+</p:sld>
+</file>
+
+<file path=ppt/slides/slide19.xml><?xml version="1.0" encoding="utf-8"?>
+<p:sld xmlns:a="http://schemas.openxmlformats.org/drawingml/2006/main" xmlns:r="http://schemas.openxmlformats.org/officeDocument/2006/relationships" xmlns:p="http://schemas.openxmlformats.org/presentationml/2006/main">
+  <p:cSld>
+    <p:spTree>
+      <p:nvGrpSpPr>
+        <p:cNvPr id="1" name=""/>
+        <p:cNvGrpSpPr/>
+        <p:nvPr/>
+      </p:nvGrpSpPr>
+      <p:grpSpPr>
+        <a:xfrm>
+          <a:off x="0" y="0"/>
+          <a:ext cx="0" cy="0"/>
+          <a:chOff x="0" y="0"/>
+          <a:chExt cx="0" cy="0"/>
+        </a:xfrm>
+      </p:grpSpPr>
+      <p:sp>
+        <p:nvSpPr>
+          <p:cNvPr id="2" name="標題 1"/>
+          <p:cNvSpPr>
+            <a:spLocks noGrp="1"/>
+          </p:cNvSpPr>
+          <p:nvPr>
+            <p:ph type="title"/>
+          </p:nvPr>
+        </p:nvSpPr>
+        <p:spPr/>
+        <p:txBody>
+          <a:bodyPr/>
+          <a:lstStyle/>
+          <a:p>
+            <a:r>
+              <a:rPr lang="zh-TW" altLang="en-US" dirty="0" smtClean="0"/>
               <a:t>設置</a:t>
+            </a:r>
+            <a:r>
+              <a:rPr lang="en-US" altLang="zh-TW" dirty="0" smtClean="0"/>
+              <a:t>(G1</a:t>
+            </a:r>
+            <a:r>
+              <a:rPr lang="zh-TW" altLang="en-US" dirty="0" smtClean="0"/>
+              <a:t>當成正確儀器</a:t>
+            </a:r>
+            <a:r>
+              <a:rPr lang="en-US" altLang="zh-TW" dirty="0" smtClean="0"/>
+              <a:t>)</a:t>
             </a:r>
             <a:endParaRPr lang="zh-TW" altLang="en-US" dirty="0"/>
           </a:p>
@@ -17532,7 +17957,7 @@
         </p:nvSpPr>
         <p:spPr>
           <a:xfrm>
-            <a:off x="3753439" y="2280404"/>
+            <a:off x="3778152" y="2280404"/>
             <a:ext cx="2130711" cy="646331"/>
           </a:xfrm>
           <a:prstGeom prst="rect">
@@ -17581,350 +18006,6 @@
     <p:extLst>
       <p:ext uri="{BB962C8B-B14F-4D97-AF65-F5344CB8AC3E}">
         <p14:creationId xmlns:p14="http://schemas.microsoft.com/office/powerpoint/2010/main" val="541364856"/>
-      </p:ext>
-    </p:extLst>
-  </p:cSld>
-  <p:clrMapOvr>
-    <a:masterClrMapping/>
-  </p:clrMapOvr>
-  <p:timing>
-    <p:tnLst>
-      <p:par>
-        <p:cTn id="1" dur="indefinite" restart="never" nodeType="tmRoot"/>
-      </p:par>
-    </p:tnLst>
-  </p:timing>
-</p:sld>
-</file>
-
-<file path=ppt/slides/slide18.xml><?xml version="1.0" encoding="utf-8"?>
-<p:sld xmlns:a="http://schemas.openxmlformats.org/drawingml/2006/main" xmlns:r="http://schemas.openxmlformats.org/officeDocument/2006/relationships" xmlns:p="http://schemas.openxmlformats.org/presentationml/2006/main">
-  <p:cSld>
-    <p:spTree>
-      <p:nvGrpSpPr>
-        <p:cNvPr id="1" name=""/>
-        <p:cNvGrpSpPr/>
-        <p:nvPr/>
-      </p:nvGrpSpPr>
-      <p:grpSpPr>
-        <a:xfrm>
-          <a:off x="0" y="0"/>
-          <a:ext cx="0" cy="0"/>
-          <a:chOff x="0" y="0"/>
-          <a:chExt cx="0" cy="0"/>
-        </a:xfrm>
-      </p:grpSpPr>
-      <p:sp>
-        <p:nvSpPr>
-          <p:cNvPr id="2" name="標題 1"/>
-          <p:cNvSpPr>
-            <a:spLocks noGrp="1"/>
-          </p:cNvSpPr>
-          <p:nvPr>
-            <p:ph type="title"/>
-          </p:nvPr>
-        </p:nvSpPr>
-        <p:spPr/>
-        <p:txBody>
-          <a:bodyPr/>
-          <a:lstStyle/>
-          <a:p>
-            <a:r>
-              <a:rPr lang="zh-TW" altLang="en-US" dirty="0" smtClean="0"/>
-              <a:t>沒ㄌ下次</a:t>
-            </a:r>
-            <a:endParaRPr lang="zh-TW" altLang="en-US" dirty="0"/>
-          </a:p>
-        </p:txBody>
-      </p:sp>
-      <p:sp>
-        <p:nvSpPr>
-          <p:cNvPr id="3" name="內容版面配置區 2"/>
-          <p:cNvSpPr>
-            <a:spLocks noGrp="1"/>
-          </p:cNvSpPr>
-          <p:nvPr>
-            <p:ph idx="1"/>
-          </p:nvPr>
-        </p:nvSpPr>
-        <p:spPr/>
-        <p:txBody>
-          <a:bodyPr/>
-          <a:lstStyle/>
-          <a:p>
-            <a:endParaRPr lang="zh-TW" altLang="en-US" dirty="0"/>
-          </a:p>
-        </p:txBody>
-      </p:sp>
-    </p:spTree>
-    <p:extLst>
-      <p:ext uri="{BB962C8B-B14F-4D97-AF65-F5344CB8AC3E}">
-        <p14:creationId xmlns:p14="http://schemas.microsoft.com/office/powerpoint/2010/main" val="1676259825"/>
-      </p:ext>
-    </p:extLst>
-  </p:cSld>
-  <p:clrMapOvr>
-    <a:masterClrMapping/>
-  </p:clrMapOvr>
-  <p:timing>
-    <p:tnLst>
-      <p:par>
-        <p:cTn id="1" dur="indefinite" restart="never" nodeType="tmRoot"/>
-      </p:par>
-    </p:tnLst>
-  </p:timing>
-</p:sld>
-</file>
-
-<file path=ppt/slides/slide19.xml><?xml version="1.0" encoding="utf-8"?>
-<p:sld xmlns:a="http://schemas.openxmlformats.org/drawingml/2006/main" xmlns:r="http://schemas.openxmlformats.org/officeDocument/2006/relationships" xmlns:p="http://schemas.openxmlformats.org/presentationml/2006/main">
-  <p:cSld>
-    <p:spTree>
-      <p:nvGrpSpPr>
-        <p:cNvPr id="1" name=""/>
-        <p:cNvGrpSpPr/>
-        <p:nvPr/>
-      </p:nvGrpSpPr>
-      <p:grpSpPr>
-        <a:xfrm>
-          <a:off x="0" y="0"/>
-          <a:ext cx="0" cy="0"/>
-          <a:chOff x="0" y="0"/>
-          <a:chExt cx="0" cy="0"/>
-        </a:xfrm>
-      </p:grpSpPr>
-      <p:sp>
-        <p:nvSpPr>
-          <p:cNvPr id="2" name="標題 1">
-            <a:extLst>
-              <a:ext uri="{FF2B5EF4-FFF2-40B4-BE49-F238E27FC236}">
-                <a16:creationId xmlns:a16="http://schemas.microsoft.com/office/drawing/2014/main" id="{7A0D09ED-1F82-46EC-8B78-0BB1470CB983}"/>
-              </a:ext>
-            </a:extLst>
-          </p:cNvPr>
-          <p:cNvSpPr>
-            <a:spLocks noGrp="1"/>
-          </p:cNvSpPr>
-          <p:nvPr>
-            <p:ph type="title"/>
-          </p:nvPr>
-        </p:nvSpPr>
-        <p:spPr/>
-        <p:txBody>
-          <a:bodyPr/>
-          <a:lstStyle/>
-          <a:p>
-            <a:r>
-              <a:rPr lang="zh-TW" altLang="en-US" dirty="0"/>
-              <a:t>原始電壓時域圖</a:t>
-            </a:r>
-          </a:p>
-        </p:txBody>
-      </p:sp>
-      <p:sp>
-        <p:nvSpPr>
-          <p:cNvPr id="8" name="內容版面配置區 2">
-            <a:extLst>
-              <a:ext uri="{FF2B5EF4-FFF2-40B4-BE49-F238E27FC236}">
-                <a16:creationId xmlns:a16="http://schemas.microsoft.com/office/drawing/2014/main" id="{7CB7C61B-1326-40E2-AE43-F4DE1E692056}"/>
-              </a:ext>
-            </a:extLst>
-          </p:cNvPr>
-          <p:cNvSpPr>
-            <a:spLocks noGrp="1"/>
-          </p:cNvSpPr>
-          <p:nvPr>
-            <p:ph idx="1"/>
-          </p:nvPr>
-        </p:nvSpPr>
-        <p:spPr>
-          <a:xfrm>
-            <a:off x="4025900" y="2051994"/>
-            <a:ext cx="6291580" cy="4023360"/>
-          </a:xfrm>
-        </p:spPr>
-        <p:txBody>
-          <a:bodyPr/>
-          <a:lstStyle/>
-          <a:p>
-            <a:pPr>
-              <a:buFont typeface="Wingdings" panose="05000000000000000000" pitchFamily="2" charset="2"/>
-              <a:buChar char="u"/>
-            </a:pPr>
-            <a:r>
-              <a:rPr lang="en-US" altLang="zh-TW" sz="2800" kern="100" dirty="0">
-                <a:effectLst/>
-                <a:latin typeface="Calibri" panose="020F0502020204030204" pitchFamily="34" charset="0"/>
-                <a:ea typeface="新細明體" panose="02020500000000000000" pitchFamily="18" charset="-120"/>
-                <a:cs typeface="Times New Roman" panose="02020603050405020304" pitchFamily="18" charset="0"/>
-              </a:rPr>
-              <a:t> </a:t>
-            </a:r>
-            <a:r>
-              <a:rPr lang="zh-TW" altLang="en-US" sz="2800" kern="100" dirty="0">
-                <a:effectLst/>
-                <a:latin typeface="Calibri" panose="020F0502020204030204" pitchFamily="34" charset="0"/>
-                <a:ea typeface="新細明體" panose="02020500000000000000" pitchFamily="18" charset="-120"/>
-                <a:cs typeface="Times New Roman" panose="02020603050405020304" pitchFamily="18" charset="0"/>
-              </a:rPr>
-              <a:t>總取樣數</a:t>
-            </a:r>
-            <a:r>
-              <a:rPr lang="en-US" altLang="zh-TW" sz="2800" kern="100" dirty="0">
-                <a:latin typeface="Calibri" panose="020F0502020204030204" pitchFamily="34" charset="0"/>
-                <a:ea typeface="新細明體" panose="02020500000000000000" pitchFamily="18" charset="-120"/>
-                <a:cs typeface="Times New Roman" panose="02020603050405020304" pitchFamily="18" charset="0"/>
-              </a:rPr>
-              <a:t>:</a:t>
-            </a:r>
-            <a:r>
-              <a:rPr lang="zh-TW" altLang="en-US" sz="2800" kern="100" dirty="0">
-                <a:latin typeface="Calibri" panose="020F0502020204030204" pitchFamily="34" charset="0"/>
-                <a:ea typeface="新細明體" panose="02020500000000000000" pitchFamily="18" charset="-120"/>
-                <a:cs typeface="Times New Roman" panose="02020603050405020304" pitchFamily="18" charset="0"/>
-              </a:rPr>
-              <a:t>個</a:t>
-            </a:r>
-            <a:r>
-              <a:rPr lang="zh-TW" altLang="zh-TW" sz="2800" kern="100" dirty="0">
-                <a:effectLst/>
-                <a:latin typeface="Calibri" panose="020F0502020204030204" pitchFamily="34" charset="0"/>
-                <a:ea typeface="新細明體" panose="02020500000000000000" pitchFamily="18" charset="-120"/>
-                <a:cs typeface="Times New Roman" panose="02020603050405020304" pitchFamily="18" charset="0"/>
-              </a:rPr>
-              <a:t>、</a:t>
-            </a:r>
-            <a:r>
-              <a:rPr lang="zh-TW" altLang="en-US" sz="2800" kern="100" dirty="0">
-                <a:effectLst/>
-                <a:latin typeface="Calibri" panose="020F0502020204030204" pitchFamily="34" charset="0"/>
-                <a:ea typeface="新細明體" panose="02020500000000000000" pitchFamily="18" charset="-120"/>
-                <a:cs typeface="Times New Roman" panose="02020603050405020304" pitchFamily="18" charset="0"/>
-              </a:rPr>
-              <a:t>總時間</a:t>
-            </a:r>
-            <a:r>
-              <a:rPr lang="en-US" altLang="zh-TW" sz="2800" kern="100" dirty="0">
-                <a:effectLst/>
-                <a:latin typeface="Calibri" panose="020F0502020204030204" pitchFamily="34" charset="0"/>
-                <a:ea typeface="新細明體" panose="02020500000000000000" pitchFamily="18" charset="-120"/>
-                <a:cs typeface="Times New Roman" panose="02020603050405020304" pitchFamily="18" charset="0"/>
-              </a:rPr>
-              <a:t>:</a:t>
-            </a:r>
-            <a:r>
-              <a:rPr lang="zh-TW" altLang="en-US" sz="2800" kern="100" dirty="0">
-                <a:effectLst/>
-                <a:latin typeface="Calibri" panose="020F0502020204030204" pitchFamily="34" charset="0"/>
-                <a:ea typeface="新細明體" panose="02020500000000000000" pitchFamily="18" charset="-120"/>
-                <a:cs typeface="Times New Roman" panose="02020603050405020304" pitchFamily="18" charset="0"/>
-              </a:rPr>
-              <a:t>秒</a:t>
-            </a:r>
-            <a:endParaRPr lang="en-US" altLang="zh-TW" sz="2800" kern="100" dirty="0">
-              <a:latin typeface="Calibri" panose="020F0502020204030204" pitchFamily="34" charset="0"/>
-              <a:ea typeface="新細明體" panose="02020500000000000000" pitchFamily="18" charset="-120"/>
-              <a:cs typeface="Times New Roman" panose="02020603050405020304" pitchFamily="18" charset="0"/>
-            </a:endParaRPr>
-          </a:p>
-          <a:p>
-            <a:pPr>
-              <a:buFont typeface="Wingdings" panose="05000000000000000000" pitchFamily="2" charset="2"/>
-              <a:buChar char="u"/>
-            </a:pPr>
-            <a:r>
-              <a:rPr lang="zh-TW" altLang="en-US" sz="2800" kern="100" dirty="0">
-                <a:effectLst/>
-                <a:latin typeface="Calibri" panose="020F0502020204030204" pitchFamily="34" charset="0"/>
-                <a:ea typeface="新細明體" panose="02020500000000000000" pitchFamily="18" charset="-120"/>
-                <a:cs typeface="Times New Roman" panose="02020603050405020304" pitchFamily="18" charset="0"/>
-              </a:rPr>
-              <a:t> </a:t>
-            </a:r>
-            <a:r>
-              <a:rPr lang="zh-TW" altLang="zh-TW" sz="2800" kern="100" dirty="0">
-                <a:effectLst/>
-                <a:latin typeface="Calibri" panose="020F0502020204030204" pitchFamily="34" charset="0"/>
-                <a:ea typeface="新細明體" panose="02020500000000000000" pitchFamily="18" charset="-120"/>
-                <a:cs typeface="Times New Roman" panose="02020603050405020304" pitchFamily="18" charset="0"/>
-              </a:rPr>
-              <a:t>參數正確地聲儀的儀器編號</a:t>
-            </a:r>
-            <a:r>
-              <a:rPr lang="en-US" altLang="zh-TW" sz="2800" kern="100" dirty="0">
-                <a:effectLst/>
-                <a:latin typeface="Calibri" panose="020F0502020204030204" pitchFamily="34" charset="0"/>
-                <a:ea typeface="新細明體" panose="02020500000000000000" pitchFamily="18" charset="-120"/>
-                <a:cs typeface="Times New Roman" panose="02020603050405020304" pitchFamily="18" charset="0"/>
-              </a:rPr>
-              <a:t>:</a:t>
-            </a:r>
-            <a:endParaRPr lang="zh-TW" altLang="zh-TW" sz="2800" kern="100" dirty="0">
-              <a:effectLst/>
-              <a:latin typeface="Calibri" panose="020F0502020204030204" pitchFamily="34" charset="0"/>
-              <a:ea typeface="新細明體" panose="02020500000000000000" pitchFamily="18" charset="-120"/>
-              <a:cs typeface="Times New Roman" panose="02020603050405020304" pitchFamily="18" charset="0"/>
-            </a:endParaRPr>
-          </a:p>
-          <a:p>
-            <a:pPr>
-              <a:buFont typeface="Wingdings" panose="05000000000000000000" pitchFamily="2" charset="2"/>
-              <a:buChar char="u"/>
-            </a:pPr>
-            <a:r>
-              <a:rPr lang="zh-TW" altLang="en-US" sz="2800" kern="100" dirty="0">
-                <a:effectLst/>
-                <a:latin typeface="Calibri" panose="020F0502020204030204" pitchFamily="34" charset="0"/>
-                <a:ea typeface="新細明體" panose="02020500000000000000" pitchFamily="18" charset="-120"/>
-                <a:cs typeface="Times New Roman" panose="02020603050405020304" pitchFamily="18" charset="0"/>
-              </a:rPr>
-              <a:t> </a:t>
-            </a:r>
-            <a:r>
-              <a:rPr lang="zh-TW" altLang="zh-TW" sz="2800" kern="100" dirty="0">
-                <a:effectLst/>
-                <a:latin typeface="Calibri" panose="020F0502020204030204" pitchFamily="34" charset="0"/>
-                <a:ea typeface="新細明體" panose="02020500000000000000" pitchFamily="18" charset="-120"/>
-                <a:cs typeface="Times New Roman" panose="02020603050405020304" pitchFamily="18" charset="0"/>
-              </a:rPr>
-              <a:t>選用的頻率區間</a:t>
-            </a:r>
-            <a:r>
-              <a:rPr lang="en-US" altLang="zh-TW" sz="2800" kern="100" dirty="0">
-                <a:effectLst/>
-                <a:latin typeface="Calibri" panose="020F0502020204030204" pitchFamily="34" charset="0"/>
-                <a:ea typeface="新細明體" panose="02020500000000000000" pitchFamily="18" charset="-120"/>
-                <a:cs typeface="Times New Roman" panose="02020603050405020304" pitchFamily="18" charset="0"/>
-              </a:rPr>
-              <a:t>:20~200Hz</a:t>
-            </a:r>
-            <a:endParaRPr lang="zh-TW" altLang="zh-TW" sz="2800" kern="100" dirty="0">
-              <a:effectLst/>
-              <a:latin typeface="Calibri" panose="020F0502020204030204" pitchFamily="34" charset="0"/>
-              <a:ea typeface="新細明體" panose="02020500000000000000" pitchFamily="18" charset="-120"/>
-              <a:cs typeface="Times New Roman" panose="02020603050405020304" pitchFamily="18" charset="0"/>
-            </a:endParaRPr>
-          </a:p>
-          <a:p>
-            <a:pPr marL="0" indent="0">
-              <a:buNone/>
-            </a:pPr>
-            <a:endParaRPr lang="zh-TW" altLang="zh-TW" sz="1800" kern="100" dirty="0">
-              <a:effectLst/>
-              <a:latin typeface="Calibri" panose="020F0502020204030204" pitchFamily="34" charset="0"/>
-              <a:ea typeface="新細明體" panose="02020500000000000000" pitchFamily="18" charset="-120"/>
-              <a:cs typeface="Times New Roman" panose="02020603050405020304" pitchFamily="18" charset="0"/>
-            </a:endParaRPr>
-          </a:p>
-          <a:p>
-            <a:endParaRPr lang="en-US" altLang="zh-TW" dirty="0"/>
-          </a:p>
-        </p:txBody>
-      </p:sp>
-    </p:spTree>
-    <p:extLst>
-      <p:ext uri="{BB962C8B-B14F-4D97-AF65-F5344CB8AC3E}">
-        <p14:creationId xmlns:p14="http://schemas.microsoft.com/office/powerpoint/2010/main" val="4114674193"/>
       </p:ext>
     </p:extLst>
   </p:cSld>
@@ -18041,8 +18122,8 @@
           </a:prstGeom>
         </p:spPr>
       </p:pic>
-      <mc:AlternateContent xmlns:mc="http://schemas.openxmlformats.org/markup-compatibility/2006">
-        <mc:Choice xmlns:a14="http://schemas.microsoft.com/office/drawing/2010/main" Requires="a14">
+      <mc:AlternateContent xmlns:mc="http://schemas.openxmlformats.org/markup-compatibility/2006" xmlns:a14="http://schemas.microsoft.com/office/drawing/2010/main">
+        <mc:Choice Requires="a14">
           <p:sp>
             <p:nvSpPr>
               <p:cNvPr id="6" name="矩形 5"/>
@@ -18629,7 +18710,7 @@
             </p:txBody>
           </p:sp>
         </mc:Choice>
-        <mc:Fallback>
+        <mc:Fallback xmlns="">
           <p:sp>
             <p:nvSpPr>
               <p:cNvPr id="6" name="矩形 5"/>
@@ -18668,8 +18749,8 @@
           </p:sp>
         </mc:Fallback>
       </mc:AlternateContent>
-      <mc:AlternateContent xmlns:mc="http://schemas.openxmlformats.org/markup-compatibility/2006">
-        <mc:Choice xmlns:a14="http://schemas.microsoft.com/office/drawing/2010/main" Requires="a14">
+      <mc:AlternateContent xmlns:mc="http://schemas.openxmlformats.org/markup-compatibility/2006" xmlns:a14="http://schemas.microsoft.com/office/drawing/2010/main">
+        <mc:Choice Requires="a14">
           <p:sp>
             <p:nvSpPr>
               <p:cNvPr id="7" name="矩形 6"/>
@@ -18691,6 +18772,7 @@
               </a:bodyPr>
               <a:lstStyle/>
               <a:p>
+                <a:pPr/>
                 <a14:m>
                   <m:oMathPara xmlns:m="http://schemas.openxmlformats.org/officeDocument/2006/math">
                     <m:oMathParaPr>
@@ -19053,7 +19135,7 @@
             </p:txBody>
           </p:sp>
         </mc:Choice>
-        <mc:Fallback>
+        <mc:Fallback xmlns="">
           <p:sp>
             <p:nvSpPr>
               <p:cNvPr id="7" name="矩形 6"/>
@@ -19248,6 +19330,346 @@
       </p:grpSpPr>
       <p:sp>
         <p:nvSpPr>
+          <p:cNvPr id="2" name="標題 1"/>
+          <p:cNvSpPr>
+            <a:spLocks noGrp="1"/>
+          </p:cNvSpPr>
+          <p:nvPr>
+            <p:ph type="title"/>
+          </p:nvPr>
+        </p:nvSpPr>
+        <p:spPr/>
+        <p:txBody>
+          <a:bodyPr/>
+          <a:lstStyle/>
+          <a:p>
+            <a:endParaRPr lang="zh-TW" altLang="en-US" dirty="0"/>
+          </a:p>
+        </p:txBody>
+      </p:sp>
+      <p:sp>
+        <p:nvSpPr>
+          <p:cNvPr id="3" name="內容版面配置區 2"/>
+          <p:cNvSpPr>
+            <a:spLocks noGrp="1"/>
+          </p:cNvSpPr>
+          <p:nvPr>
+            <p:ph idx="1"/>
+          </p:nvPr>
+        </p:nvSpPr>
+        <p:spPr/>
+        <p:txBody>
+          <a:bodyPr/>
+          <a:lstStyle/>
+          <a:p>
+            <a:endParaRPr lang="zh-TW" altLang="en-US" dirty="0"/>
+          </a:p>
+        </p:txBody>
+      </p:sp>
+    </p:spTree>
+    <p:extLst>
+      <p:ext uri="{BB962C8B-B14F-4D97-AF65-F5344CB8AC3E}">
+        <p14:creationId xmlns:p14="http://schemas.microsoft.com/office/powerpoint/2010/main" val="1676259825"/>
+      </p:ext>
+    </p:extLst>
+  </p:cSld>
+  <p:clrMapOvr>
+    <a:masterClrMapping/>
+  </p:clrMapOvr>
+  <p:timing>
+    <p:tnLst>
+      <p:par>
+        <p:cTn id="1" dur="indefinite" restart="never" nodeType="tmRoot"/>
+      </p:par>
+    </p:tnLst>
+  </p:timing>
+</p:sld>
+</file>
+
+<file path=ppt/slides/slide21.xml><?xml version="1.0" encoding="utf-8"?>
+<p:sld xmlns:a="http://schemas.openxmlformats.org/drawingml/2006/main" xmlns:r="http://schemas.openxmlformats.org/officeDocument/2006/relationships" xmlns:p="http://schemas.openxmlformats.org/presentationml/2006/main">
+  <p:cSld>
+    <p:spTree>
+      <p:nvGrpSpPr>
+        <p:cNvPr id="1" name=""/>
+        <p:cNvGrpSpPr/>
+        <p:nvPr/>
+      </p:nvGrpSpPr>
+      <p:grpSpPr>
+        <a:xfrm>
+          <a:off x="0" y="0"/>
+          <a:ext cx="0" cy="0"/>
+          <a:chOff x="0" y="0"/>
+          <a:chExt cx="0" cy="0"/>
+        </a:xfrm>
+      </p:grpSpPr>
+      <p:sp>
+        <p:nvSpPr>
+          <p:cNvPr id="2" name="標題 1">
+            <a:extLst>
+              <a:ext uri="{FF2B5EF4-FFF2-40B4-BE49-F238E27FC236}">
+                <a16:creationId xmlns:a16="http://schemas.microsoft.com/office/drawing/2014/main" id="{7A0D09ED-1F82-46EC-8B78-0BB1470CB983}"/>
+              </a:ext>
+            </a:extLst>
+          </p:cNvPr>
+          <p:cNvSpPr>
+            <a:spLocks noGrp="1"/>
+          </p:cNvSpPr>
+          <p:nvPr>
+            <p:ph type="title"/>
+          </p:nvPr>
+        </p:nvSpPr>
+        <p:spPr/>
+        <p:txBody>
+          <a:bodyPr/>
+          <a:lstStyle/>
+          <a:p>
+            <a:r>
+              <a:rPr lang="zh-TW" altLang="en-US" dirty="0"/>
+              <a:t>原始電壓時域圖</a:t>
+            </a:r>
+          </a:p>
+        </p:txBody>
+      </p:sp>
+      <p:sp>
+        <p:nvSpPr>
+          <p:cNvPr id="8" name="內容版面配置區 2">
+            <a:extLst>
+              <a:ext uri="{FF2B5EF4-FFF2-40B4-BE49-F238E27FC236}">
+                <a16:creationId xmlns:a16="http://schemas.microsoft.com/office/drawing/2014/main" id="{7CB7C61B-1326-40E2-AE43-F4DE1E692056}"/>
+              </a:ext>
+            </a:extLst>
+          </p:cNvPr>
+          <p:cNvSpPr>
+            <a:spLocks noGrp="1"/>
+          </p:cNvSpPr>
+          <p:nvPr>
+            <p:ph idx="1"/>
+          </p:nvPr>
+        </p:nvSpPr>
+        <p:spPr>
+          <a:xfrm>
+            <a:off x="4025900" y="2051994"/>
+            <a:ext cx="6291580" cy="4023360"/>
+          </a:xfrm>
+        </p:spPr>
+        <p:txBody>
+          <a:bodyPr/>
+          <a:lstStyle/>
+          <a:p>
+            <a:pPr>
+              <a:buFont typeface="Wingdings" panose="05000000000000000000" pitchFamily="2" charset="2"/>
+              <a:buChar char="u"/>
+            </a:pPr>
+            <a:r>
+              <a:rPr lang="en-US" altLang="zh-TW" sz="2800" kern="100" dirty="0">
+                <a:effectLst/>
+                <a:latin typeface="Calibri" panose="020F0502020204030204" pitchFamily="34" charset="0"/>
+                <a:ea typeface="新細明體" panose="02020500000000000000" pitchFamily="18" charset="-120"/>
+                <a:cs typeface="Times New Roman" panose="02020603050405020304" pitchFamily="18" charset="0"/>
+              </a:rPr>
+              <a:t> </a:t>
+            </a:r>
+            <a:r>
+              <a:rPr lang="zh-TW" altLang="en-US" sz="2800" kern="100" dirty="0">
+                <a:effectLst/>
+                <a:latin typeface="Calibri" panose="020F0502020204030204" pitchFamily="34" charset="0"/>
+                <a:ea typeface="新細明體" panose="02020500000000000000" pitchFamily="18" charset="-120"/>
+                <a:cs typeface="Times New Roman" panose="02020603050405020304" pitchFamily="18" charset="0"/>
+              </a:rPr>
+              <a:t>總取樣數</a:t>
+            </a:r>
+            <a:r>
+              <a:rPr lang="en-US" altLang="zh-TW" sz="2800" kern="100" dirty="0">
+                <a:latin typeface="Calibri" panose="020F0502020204030204" pitchFamily="34" charset="0"/>
+                <a:ea typeface="新細明體" panose="02020500000000000000" pitchFamily="18" charset="-120"/>
+                <a:cs typeface="Times New Roman" panose="02020603050405020304" pitchFamily="18" charset="0"/>
+              </a:rPr>
+              <a:t>:</a:t>
+            </a:r>
+            <a:r>
+              <a:rPr lang="zh-TW" altLang="en-US" sz="2800" kern="100" dirty="0">
+                <a:latin typeface="Calibri" panose="020F0502020204030204" pitchFamily="34" charset="0"/>
+                <a:ea typeface="新細明體" panose="02020500000000000000" pitchFamily="18" charset="-120"/>
+                <a:cs typeface="Times New Roman" panose="02020603050405020304" pitchFamily="18" charset="0"/>
+              </a:rPr>
+              <a:t>個</a:t>
+            </a:r>
+            <a:r>
+              <a:rPr lang="zh-TW" altLang="zh-TW" sz="2800" kern="100" dirty="0">
+                <a:effectLst/>
+                <a:latin typeface="Calibri" panose="020F0502020204030204" pitchFamily="34" charset="0"/>
+                <a:ea typeface="新細明體" panose="02020500000000000000" pitchFamily="18" charset="-120"/>
+                <a:cs typeface="Times New Roman" panose="02020603050405020304" pitchFamily="18" charset="0"/>
+              </a:rPr>
+              <a:t>、</a:t>
+            </a:r>
+            <a:r>
+              <a:rPr lang="zh-TW" altLang="en-US" sz="2800" kern="100" dirty="0">
+                <a:effectLst/>
+                <a:latin typeface="Calibri" panose="020F0502020204030204" pitchFamily="34" charset="0"/>
+                <a:ea typeface="新細明體" panose="02020500000000000000" pitchFamily="18" charset="-120"/>
+                <a:cs typeface="Times New Roman" panose="02020603050405020304" pitchFamily="18" charset="0"/>
+              </a:rPr>
+              <a:t>總時間</a:t>
+            </a:r>
+            <a:r>
+              <a:rPr lang="en-US" altLang="zh-TW" sz="2800" kern="100" dirty="0">
+                <a:effectLst/>
+                <a:latin typeface="Calibri" panose="020F0502020204030204" pitchFamily="34" charset="0"/>
+                <a:ea typeface="新細明體" panose="02020500000000000000" pitchFamily="18" charset="-120"/>
+                <a:cs typeface="Times New Roman" panose="02020603050405020304" pitchFamily="18" charset="0"/>
+              </a:rPr>
+              <a:t>:</a:t>
+            </a:r>
+            <a:r>
+              <a:rPr lang="zh-TW" altLang="en-US" sz="2800" kern="100" dirty="0">
+                <a:effectLst/>
+                <a:latin typeface="Calibri" panose="020F0502020204030204" pitchFamily="34" charset="0"/>
+                <a:ea typeface="新細明體" panose="02020500000000000000" pitchFamily="18" charset="-120"/>
+                <a:cs typeface="Times New Roman" panose="02020603050405020304" pitchFamily="18" charset="0"/>
+              </a:rPr>
+              <a:t>秒</a:t>
+            </a:r>
+            <a:endParaRPr lang="en-US" altLang="zh-TW" sz="2800" kern="100" dirty="0">
+              <a:latin typeface="Calibri" panose="020F0502020204030204" pitchFamily="34" charset="0"/>
+              <a:ea typeface="新細明體" panose="02020500000000000000" pitchFamily="18" charset="-120"/>
+              <a:cs typeface="Times New Roman" panose="02020603050405020304" pitchFamily="18" charset="0"/>
+            </a:endParaRPr>
+          </a:p>
+          <a:p>
+            <a:pPr>
+              <a:buFont typeface="Wingdings" panose="05000000000000000000" pitchFamily="2" charset="2"/>
+              <a:buChar char="u"/>
+            </a:pPr>
+            <a:r>
+              <a:rPr lang="zh-TW" altLang="en-US" sz="2800" kern="100" dirty="0">
+                <a:effectLst/>
+                <a:latin typeface="Calibri" panose="020F0502020204030204" pitchFamily="34" charset="0"/>
+                <a:ea typeface="新細明體" panose="02020500000000000000" pitchFamily="18" charset="-120"/>
+                <a:cs typeface="Times New Roman" panose="02020603050405020304" pitchFamily="18" charset="0"/>
+              </a:rPr>
+              <a:t> </a:t>
+            </a:r>
+            <a:r>
+              <a:rPr lang="zh-TW" altLang="zh-TW" sz="2800" kern="100" dirty="0">
+                <a:effectLst/>
+                <a:latin typeface="Calibri" panose="020F0502020204030204" pitchFamily="34" charset="0"/>
+                <a:ea typeface="新細明體" panose="02020500000000000000" pitchFamily="18" charset="-120"/>
+                <a:cs typeface="Times New Roman" panose="02020603050405020304" pitchFamily="18" charset="0"/>
+              </a:rPr>
+              <a:t>參數正確地聲儀的儀器編號</a:t>
+            </a:r>
+            <a:r>
+              <a:rPr lang="en-US" altLang="zh-TW" sz="2800" kern="100" dirty="0">
+                <a:effectLst/>
+                <a:latin typeface="Calibri" panose="020F0502020204030204" pitchFamily="34" charset="0"/>
+                <a:ea typeface="新細明體" panose="02020500000000000000" pitchFamily="18" charset="-120"/>
+                <a:cs typeface="Times New Roman" panose="02020603050405020304" pitchFamily="18" charset="0"/>
+              </a:rPr>
+              <a:t>:</a:t>
+            </a:r>
+            <a:endParaRPr lang="zh-TW" altLang="zh-TW" sz="2800" kern="100" dirty="0">
+              <a:effectLst/>
+              <a:latin typeface="Calibri" panose="020F0502020204030204" pitchFamily="34" charset="0"/>
+              <a:ea typeface="新細明體" panose="02020500000000000000" pitchFamily="18" charset="-120"/>
+              <a:cs typeface="Times New Roman" panose="02020603050405020304" pitchFamily="18" charset="0"/>
+            </a:endParaRPr>
+          </a:p>
+          <a:p>
+            <a:pPr>
+              <a:buFont typeface="Wingdings" panose="05000000000000000000" pitchFamily="2" charset="2"/>
+              <a:buChar char="u"/>
+            </a:pPr>
+            <a:r>
+              <a:rPr lang="zh-TW" altLang="en-US" sz="2800" kern="100" dirty="0">
+                <a:effectLst/>
+                <a:latin typeface="Calibri" panose="020F0502020204030204" pitchFamily="34" charset="0"/>
+                <a:ea typeface="新細明體" panose="02020500000000000000" pitchFamily="18" charset="-120"/>
+                <a:cs typeface="Times New Roman" panose="02020603050405020304" pitchFamily="18" charset="0"/>
+              </a:rPr>
+              <a:t> </a:t>
+            </a:r>
+            <a:r>
+              <a:rPr lang="zh-TW" altLang="zh-TW" sz="2800" kern="100" dirty="0">
+                <a:effectLst/>
+                <a:latin typeface="Calibri" panose="020F0502020204030204" pitchFamily="34" charset="0"/>
+                <a:ea typeface="新細明體" panose="02020500000000000000" pitchFamily="18" charset="-120"/>
+                <a:cs typeface="Times New Roman" panose="02020603050405020304" pitchFamily="18" charset="0"/>
+              </a:rPr>
+              <a:t>選用的頻率區間</a:t>
+            </a:r>
+            <a:r>
+              <a:rPr lang="en-US" altLang="zh-TW" sz="2800" kern="100" dirty="0">
+                <a:effectLst/>
+                <a:latin typeface="Calibri" panose="020F0502020204030204" pitchFamily="34" charset="0"/>
+                <a:ea typeface="新細明體" panose="02020500000000000000" pitchFamily="18" charset="-120"/>
+                <a:cs typeface="Times New Roman" panose="02020603050405020304" pitchFamily="18" charset="0"/>
+              </a:rPr>
+              <a:t>:20~200Hz</a:t>
+            </a:r>
+            <a:endParaRPr lang="zh-TW" altLang="zh-TW" sz="2800" kern="100" dirty="0">
+              <a:effectLst/>
+              <a:latin typeface="Calibri" panose="020F0502020204030204" pitchFamily="34" charset="0"/>
+              <a:ea typeface="新細明體" panose="02020500000000000000" pitchFamily="18" charset="-120"/>
+              <a:cs typeface="Times New Roman" panose="02020603050405020304" pitchFamily="18" charset="0"/>
+            </a:endParaRPr>
+          </a:p>
+          <a:p>
+            <a:pPr marL="0" indent="0">
+              <a:buNone/>
+            </a:pPr>
+            <a:endParaRPr lang="zh-TW" altLang="zh-TW" sz="1800" kern="100" dirty="0">
+              <a:effectLst/>
+              <a:latin typeface="Calibri" panose="020F0502020204030204" pitchFamily="34" charset="0"/>
+              <a:ea typeface="新細明體" panose="02020500000000000000" pitchFamily="18" charset="-120"/>
+              <a:cs typeface="Times New Roman" panose="02020603050405020304" pitchFamily="18" charset="0"/>
+            </a:endParaRPr>
+          </a:p>
+          <a:p>
+            <a:endParaRPr lang="en-US" altLang="zh-TW" dirty="0"/>
+          </a:p>
+        </p:txBody>
+      </p:sp>
+    </p:spTree>
+    <p:extLst>
+      <p:ext uri="{BB962C8B-B14F-4D97-AF65-F5344CB8AC3E}">
+        <p14:creationId xmlns:p14="http://schemas.microsoft.com/office/powerpoint/2010/main" val="4114674193"/>
+      </p:ext>
+    </p:extLst>
+  </p:cSld>
+  <p:clrMapOvr>
+    <a:masterClrMapping/>
+  </p:clrMapOvr>
+  <p:timing>
+    <p:tnLst>
+      <p:par>
+        <p:cTn id="1" dur="indefinite" restart="never" nodeType="tmRoot"/>
+      </p:par>
+    </p:tnLst>
+  </p:timing>
+</p:sld>
+</file>
+
+<file path=ppt/slides/slide22.xml><?xml version="1.0" encoding="utf-8"?>
+<p:sld xmlns:a="http://schemas.openxmlformats.org/drawingml/2006/main" xmlns:r="http://schemas.openxmlformats.org/officeDocument/2006/relationships" xmlns:p="http://schemas.openxmlformats.org/presentationml/2006/main">
+  <p:cSld>
+    <p:spTree>
+      <p:nvGrpSpPr>
+        <p:cNvPr id="1" name=""/>
+        <p:cNvGrpSpPr/>
+        <p:nvPr/>
+      </p:nvGrpSpPr>
+      <p:grpSpPr>
+        <a:xfrm>
+          <a:off x="0" y="0"/>
+          <a:ext cx="0" cy="0"/>
+          <a:chOff x="0" y="0"/>
+          <a:chExt cx="0" cy="0"/>
+        </a:xfrm>
+      </p:grpSpPr>
+      <p:sp>
+        <p:nvSpPr>
           <p:cNvPr id="2" name="標題 1">
             <a:extLst>
               <a:ext uri="{FF2B5EF4-FFF2-40B4-BE49-F238E27FC236}">
@@ -19294,7 +19716,7 @@
 </p:sld>
 </file>
 
-<file path=ppt/slides/slide21.xml><?xml version="1.0" encoding="utf-8"?>
+<file path=ppt/slides/slide23.xml><?xml version="1.0" encoding="utf-8"?>
 <p:sld xmlns:a="http://schemas.openxmlformats.org/drawingml/2006/main" xmlns:r="http://schemas.openxmlformats.org/officeDocument/2006/relationships" xmlns:p="http://schemas.openxmlformats.org/presentationml/2006/main">
   <p:cSld>
     <p:spTree>
@@ -19912,7 +20334,7 @@
 </p:sld>
 </file>
 
-<file path=ppt/slides/slide22.xml><?xml version="1.0" encoding="utf-8"?>
+<file path=ppt/slides/slide24.xml><?xml version="1.0" encoding="utf-8"?>
 <p:sld xmlns:a="http://schemas.openxmlformats.org/drawingml/2006/main" xmlns:r="http://schemas.openxmlformats.org/officeDocument/2006/relationships" xmlns:p="http://schemas.openxmlformats.org/presentationml/2006/main">
   <p:cSld>
     <p:spTree>
@@ -20041,8 +20463,8 @@
           </a:prstGeom>
         </p:spPr>
       </p:pic>
-      <mc:AlternateContent xmlns:mc="http://schemas.openxmlformats.org/markup-compatibility/2006">
-        <mc:Choice xmlns:a14="http://schemas.microsoft.com/office/drawing/2010/main" Requires="a14">
+      <mc:AlternateContent xmlns:mc="http://schemas.openxmlformats.org/markup-compatibility/2006" xmlns:a14="http://schemas.microsoft.com/office/drawing/2010/main">
+        <mc:Choice Requires="a14">
           <p:sp>
             <p:nvSpPr>
               <p:cNvPr id="5" name="文字方塊 4"/>
@@ -20325,7 +20747,7 @@
             </p:txBody>
           </p:sp>
         </mc:Choice>
-        <mc:Fallback>
+        <mc:Fallback xmlns="">
           <p:sp>
             <p:nvSpPr>
               <p:cNvPr id="5" name="文字方塊 4"/>
@@ -20425,8 +20847,8 @@
             <a:chExt cx="3983398" cy="2177827"/>
           </a:xfrm>
         </p:grpSpPr>
-        <mc:AlternateContent xmlns:mc="http://schemas.openxmlformats.org/markup-compatibility/2006">
-          <mc:Choice xmlns:a14="http://schemas.microsoft.com/office/drawing/2010/main" Requires="a14">
+        <mc:AlternateContent xmlns:mc="http://schemas.openxmlformats.org/markup-compatibility/2006" xmlns:a14="http://schemas.microsoft.com/office/drawing/2010/main">
+          <mc:Choice Requires="a14">
             <p:sp>
               <p:nvSpPr>
                 <p:cNvPr id="7" name="矩形 6"/>
@@ -20448,6 +20870,7 @@
                 </a:bodyPr>
                 <a:lstStyle/>
                 <a:p>
+                  <a:pPr/>
                   <a14:m>
                     <m:oMathPara xmlns:m="http://schemas.openxmlformats.org/officeDocument/2006/math">
                       <m:oMathParaPr>
@@ -20608,7 +21031,7 @@
               </p:txBody>
             </p:sp>
           </mc:Choice>
-          <mc:Fallback>
+          <mc:Fallback xmlns="">
             <p:sp>
               <p:nvSpPr>
                 <p:cNvPr id="7" name="矩形 6"/>
@@ -20647,8 +21070,8 @@
             </p:sp>
           </mc:Fallback>
         </mc:AlternateContent>
-        <mc:AlternateContent xmlns:mc="http://schemas.openxmlformats.org/markup-compatibility/2006">
-          <mc:Choice xmlns:a14="http://schemas.microsoft.com/office/drawing/2010/main" Requires="a14">
+        <mc:AlternateContent xmlns:mc="http://schemas.openxmlformats.org/markup-compatibility/2006" xmlns:a14="http://schemas.microsoft.com/office/drawing/2010/main">
+          <mc:Choice Requires="a14">
             <p:sp>
               <p:nvSpPr>
                 <p:cNvPr id="8" name="矩形 7"/>
@@ -20670,6 +21093,7 @@
                 </a:bodyPr>
                 <a:lstStyle/>
                 <a:p>
+                  <a:pPr/>
                   <a14:m>
                     <m:oMathPara xmlns:m="http://schemas.openxmlformats.org/officeDocument/2006/math">
                       <m:oMathParaPr>
@@ -20871,7 +21295,7 @@
               </p:txBody>
             </p:sp>
           </mc:Choice>
-          <mc:Fallback>
+          <mc:Fallback xmlns="">
             <p:sp>
               <p:nvSpPr>
                 <p:cNvPr id="8" name="矩形 7"/>
@@ -20910,8 +21334,8 @@
             </p:sp>
           </mc:Fallback>
         </mc:AlternateContent>
-        <mc:AlternateContent xmlns:mc="http://schemas.openxmlformats.org/markup-compatibility/2006">
-          <mc:Choice xmlns:a14="http://schemas.microsoft.com/office/drawing/2010/main" Requires="a14">
+        <mc:AlternateContent xmlns:mc="http://schemas.openxmlformats.org/markup-compatibility/2006" xmlns:a14="http://schemas.microsoft.com/office/drawing/2010/main">
+          <mc:Choice Requires="a14">
             <p:sp>
               <p:nvSpPr>
                 <p:cNvPr id="9" name="矩形 8"/>
@@ -20933,6 +21357,7 @@
                 </a:bodyPr>
                 <a:lstStyle/>
                 <a:p>
+                  <a:pPr/>
                   <a14:m>
                     <m:oMathPara xmlns:m="http://schemas.openxmlformats.org/officeDocument/2006/math">
                       <m:oMathParaPr>
@@ -21286,7 +21711,7 @@
               </p:txBody>
             </p:sp>
           </mc:Choice>
-          <mc:Fallback>
+          <mc:Fallback xmlns="">
             <p:sp>
               <p:nvSpPr>
                 <p:cNvPr id="9" name="矩形 8"/>
@@ -22053,8 +22478,8 @@
           </a:p>
         </p:txBody>
       </p:sp>
-      <mc:AlternateContent xmlns:mc="http://schemas.openxmlformats.org/markup-compatibility/2006">
-        <mc:Choice xmlns:a14="http://schemas.microsoft.com/office/drawing/2010/main" Requires="a14">
+      <mc:AlternateContent xmlns:mc="http://schemas.openxmlformats.org/markup-compatibility/2006" xmlns:a14="http://schemas.microsoft.com/office/drawing/2010/main">
+        <mc:Choice Requires="a14">
           <p:sp>
             <p:nvSpPr>
               <p:cNvPr id="7" name="文字方塊 6"/>
@@ -22077,6 +22502,7 @@
               </a:bodyPr>
               <a:lstStyle/>
               <a:p>
+                <a:pPr/>
                 <a14:m>
                   <m:oMathPara xmlns:m="http://schemas.openxmlformats.org/officeDocument/2006/math">
                     <m:oMathParaPr>
@@ -22097,7 +22523,7 @@
             </p:txBody>
           </p:sp>
         </mc:Choice>
-        <mc:Fallback>
+        <mc:Fallback xmlns="">
           <p:sp>
             <p:nvSpPr>
               <p:cNvPr id="7" name="文字方塊 6"/>
@@ -22136,8 +22562,8 @@
           </p:sp>
         </mc:Fallback>
       </mc:AlternateContent>
-      <mc:AlternateContent xmlns:mc="http://schemas.openxmlformats.org/markup-compatibility/2006">
-        <mc:Choice xmlns:a14="http://schemas.microsoft.com/office/drawing/2010/main" Requires="a14">
+      <mc:AlternateContent xmlns:mc="http://schemas.openxmlformats.org/markup-compatibility/2006" xmlns:a14="http://schemas.microsoft.com/office/drawing/2010/main">
+        <mc:Choice Requires="a14">
           <p:sp>
             <p:nvSpPr>
               <p:cNvPr id="14" name="矩形 13"/>
@@ -22585,7 +23011,7 @@
             </p:txBody>
           </p:sp>
         </mc:Choice>
-        <mc:Fallback>
+        <mc:Fallback xmlns="">
           <p:sp>
             <p:nvSpPr>
               <p:cNvPr id="14" name="矩形 13"/>
@@ -23384,8 +23810,8 @@
           </a:p>
         </p:txBody>
       </p:sp>
-      <mc:AlternateContent xmlns:mc="http://schemas.openxmlformats.org/markup-compatibility/2006">
-        <mc:Choice xmlns:a14="http://schemas.microsoft.com/office/drawing/2010/main" Requires="a14">
+      <mc:AlternateContent xmlns:mc="http://schemas.openxmlformats.org/markup-compatibility/2006" xmlns:a14="http://schemas.microsoft.com/office/drawing/2010/main">
+        <mc:Choice Requires="a14">
           <p:sp>
             <p:nvSpPr>
               <p:cNvPr id="5" name="文字方塊 4">
@@ -25375,7 +25801,7 @@
             </p:txBody>
           </p:sp>
         </mc:Choice>
-        <mc:Fallback>
+        <mc:Fallback xmlns="">
           <p:sp>
             <p:nvSpPr>
               <p:cNvPr id="5" name="文字方塊 4">
